--- a/cogsci.pptx
+++ b/cogsci.pptx
@@ -243,7 +243,7 @@
           <a:p>
             <a:fld id="{063C7B84-564E-EA4E-929D-1249FCD7C8EF}" type="datetimeFigureOut">
               <a:rPr lang="en-ES" smtClean="0"/>
-              <a:t>18/6/21</a:t>
+              <a:t>06/21/2021</a:t>
             </a:fld>
             <a:endParaRPr lang="en-ES"/>
           </a:p>
@@ -413,7 +413,7 @@
           <a:p>
             <a:fld id="{063C7B84-564E-EA4E-929D-1249FCD7C8EF}" type="datetimeFigureOut">
               <a:rPr lang="en-ES" smtClean="0"/>
-              <a:t>18/6/21</a:t>
+              <a:t>06/21/2021</a:t>
             </a:fld>
             <a:endParaRPr lang="en-ES"/>
           </a:p>
@@ -593,7 +593,7 @@
           <a:p>
             <a:fld id="{063C7B84-564E-EA4E-929D-1249FCD7C8EF}" type="datetimeFigureOut">
               <a:rPr lang="en-ES" smtClean="0"/>
-              <a:t>18/6/21</a:t>
+              <a:t>06/21/2021</a:t>
             </a:fld>
             <a:endParaRPr lang="en-ES"/>
           </a:p>
@@ -763,7 +763,7 @@
           <a:p>
             <a:fld id="{063C7B84-564E-EA4E-929D-1249FCD7C8EF}" type="datetimeFigureOut">
               <a:rPr lang="en-ES" smtClean="0"/>
-              <a:t>18/6/21</a:t>
+              <a:t>06/21/2021</a:t>
             </a:fld>
             <a:endParaRPr lang="en-ES"/>
           </a:p>
@@ -1007,7 +1007,7 @@
           <a:p>
             <a:fld id="{063C7B84-564E-EA4E-929D-1249FCD7C8EF}" type="datetimeFigureOut">
               <a:rPr lang="en-ES" smtClean="0"/>
-              <a:t>18/6/21</a:t>
+              <a:t>06/21/2021</a:t>
             </a:fld>
             <a:endParaRPr lang="en-ES"/>
           </a:p>
@@ -1239,7 +1239,7 @@
           <a:p>
             <a:fld id="{063C7B84-564E-EA4E-929D-1249FCD7C8EF}" type="datetimeFigureOut">
               <a:rPr lang="en-ES" smtClean="0"/>
-              <a:t>18/6/21</a:t>
+              <a:t>06/21/2021</a:t>
             </a:fld>
             <a:endParaRPr lang="en-ES"/>
           </a:p>
@@ -1606,7 +1606,7 @@
           <a:p>
             <a:fld id="{063C7B84-564E-EA4E-929D-1249FCD7C8EF}" type="datetimeFigureOut">
               <a:rPr lang="en-ES" smtClean="0"/>
-              <a:t>18/6/21</a:t>
+              <a:t>06/21/2021</a:t>
             </a:fld>
             <a:endParaRPr lang="en-ES"/>
           </a:p>
@@ -1724,7 +1724,7 @@
           <a:p>
             <a:fld id="{063C7B84-564E-EA4E-929D-1249FCD7C8EF}" type="datetimeFigureOut">
               <a:rPr lang="en-ES" smtClean="0"/>
-              <a:t>18/6/21</a:t>
+              <a:t>06/21/2021</a:t>
             </a:fld>
             <a:endParaRPr lang="en-ES"/>
           </a:p>
@@ -1819,7 +1819,7 @@
           <a:p>
             <a:fld id="{063C7B84-564E-EA4E-929D-1249FCD7C8EF}" type="datetimeFigureOut">
               <a:rPr lang="en-ES" smtClean="0"/>
-              <a:t>18/6/21</a:t>
+              <a:t>06/21/2021</a:t>
             </a:fld>
             <a:endParaRPr lang="en-ES"/>
           </a:p>
@@ -2096,7 +2096,7 @@
           <a:p>
             <a:fld id="{063C7B84-564E-EA4E-929D-1249FCD7C8EF}" type="datetimeFigureOut">
               <a:rPr lang="en-ES" smtClean="0"/>
-              <a:t>18/6/21</a:t>
+              <a:t>06/21/2021</a:t>
             </a:fld>
             <a:endParaRPr lang="en-ES"/>
           </a:p>
@@ -2353,7 +2353,7 @@
           <a:p>
             <a:fld id="{063C7B84-564E-EA4E-929D-1249FCD7C8EF}" type="datetimeFigureOut">
               <a:rPr lang="en-ES" smtClean="0"/>
-              <a:t>18/6/21</a:t>
+              <a:t>06/21/2021</a:t>
             </a:fld>
             <a:endParaRPr lang="en-ES"/>
           </a:p>
@@ -2566,7 +2566,7 @@
           <a:p>
             <a:fld id="{063C7B84-564E-EA4E-929D-1249FCD7C8EF}" type="datetimeFigureOut">
               <a:rPr lang="en-ES" smtClean="0"/>
-              <a:t>18/6/21</a:t>
+              <a:t>06/21/2021</a:t>
             </a:fld>
             <a:endParaRPr lang="en-ES"/>
           </a:p>
@@ -2993,12 +2993,151 @@
         </p:blipFill>
         <p:spPr>
           <a:xfrm>
-            <a:off x="3986000" y="6094474"/>
-            <a:ext cx="4737104" cy="2971050"/>
+            <a:off x="3390006" y="5877177"/>
+            <a:ext cx="3108456" cy="2749428"/>
           </a:xfrm>
           <a:prstGeom prst="rect">
             <a:avLst/>
           </a:prstGeom>
+        </p:spPr>
+      </p:pic>
+      <p:pic>
+        <p:nvPicPr>
+          <p:cNvPr id="1026" name="Picture 2">
+            <a:extLst>
+              <a:ext uri="{FF2B5EF4-FFF2-40B4-BE49-F238E27FC236}">
+                <a16:creationId xmlns:a16="http://schemas.microsoft.com/office/drawing/2014/main" id="{F7D54624-B4FC-4E58-8E82-D10787A22507}"/>
+              </a:ext>
+            </a:extLst>
+          </p:cNvPr>
+          <p:cNvPicPr>
+            <a:picLocks noChangeAspect="1" noChangeArrowheads="1"/>
+          </p:cNvPicPr>
+          <p:nvPr/>
+        </p:nvPicPr>
+        <p:blipFill>
+          <a:blip r:embed="rId3">
+            <a:extLst>
+              <a:ext uri="{28A0092B-C50C-407E-A947-70E740481C1C}">
+                <a14:useLocalDpi xmlns:a14="http://schemas.microsoft.com/office/drawing/2010/main" val="0"/>
+              </a:ext>
+            </a:extLst>
+          </a:blip>
+          <a:srcRect/>
+          <a:stretch>
+            <a:fillRect/>
+          </a:stretch>
+        </p:blipFill>
+        <p:spPr bwMode="auto">
+          <a:xfrm>
+            <a:off x="9841591" y="5877177"/>
+            <a:ext cx="2746728" cy="2746728"/>
+          </a:xfrm>
+          <a:prstGeom prst="rect">
+            <a:avLst/>
+          </a:prstGeom>
+          <a:noFill/>
+          <a:extLst>
+            <a:ext uri="{909E8E84-426E-40DD-AFC4-6F175D3DCCD1}">
+              <a14:hiddenFill xmlns:a14="http://schemas.microsoft.com/office/drawing/2010/main">
+                <a:solidFill>
+                  <a:srgbClr val="FFFFFF"/>
+                </a:solidFill>
+              </a14:hiddenFill>
+            </a:ext>
+          </a:extLst>
+        </p:spPr>
+      </p:pic>
+      <p:pic>
+        <p:nvPicPr>
+          <p:cNvPr id="1028" name="Picture 4">
+            <a:extLst>
+              <a:ext uri="{FF2B5EF4-FFF2-40B4-BE49-F238E27FC236}">
+                <a16:creationId xmlns:a16="http://schemas.microsoft.com/office/drawing/2014/main" id="{18832EF9-E00F-437F-8214-9620A5099D8A}"/>
+              </a:ext>
+            </a:extLst>
+          </p:cNvPr>
+          <p:cNvPicPr>
+            <a:picLocks noChangeAspect="1" noChangeArrowheads="1"/>
+          </p:cNvPicPr>
+          <p:nvPr/>
+        </p:nvPicPr>
+        <p:blipFill>
+          <a:blip r:embed="rId4">
+            <a:extLst>
+              <a:ext uri="{28A0092B-C50C-407E-A947-70E740481C1C}">
+                <a14:useLocalDpi xmlns:a14="http://schemas.microsoft.com/office/drawing/2010/main" val="0"/>
+              </a:ext>
+            </a:extLst>
+          </a:blip>
+          <a:srcRect/>
+          <a:stretch>
+            <a:fillRect/>
+          </a:stretch>
+        </p:blipFill>
+        <p:spPr bwMode="auto">
+          <a:xfrm>
+            <a:off x="326959" y="5877176"/>
+            <a:ext cx="2749429" cy="2749429"/>
+          </a:xfrm>
+          <a:prstGeom prst="rect">
+            <a:avLst/>
+          </a:prstGeom>
+          <a:noFill/>
+          <a:extLst>
+            <a:ext uri="{909E8E84-426E-40DD-AFC4-6F175D3DCCD1}">
+              <a14:hiddenFill xmlns:a14="http://schemas.microsoft.com/office/drawing/2010/main">
+                <a:solidFill>
+                  <a:srgbClr val="FFFFFF"/>
+                </a:solidFill>
+              </a14:hiddenFill>
+            </a:ext>
+          </a:extLst>
+        </p:spPr>
+      </p:pic>
+      <p:pic>
+        <p:nvPicPr>
+          <p:cNvPr id="1030" name="Picture 6">
+            <a:extLst>
+              <a:ext uri="{FF2B5EF4-FFF2-40B4-BE49-F238E27FC236}">
+                <a16:creationId xmlns:a16="http://schemas.microsoft.com/office/drawing/2014/main" id="{71BFEE30-9912-4441-8FD9-D88BFB239862}"/>
+              </a:ext>
+            </a:extLst>
+          </p:cNvPr>
+          <p:cNvPicPr>
+            <a:picLocks noChangeAspect="1" noChangeArrowheads="1"/>
+          </p:cNvPicPr>
+          <p:nvPr/>
+        </p:nvPicPr>
+        <p:blipFill rotWithShape="1">
+          <a:blip r:embed="rId5">
+            <a:extLst>
+              <a:ext uri="{28A0092B-C50C-407E-A947-70E740481C1C}">
+                <a14:useLocalDpi xmlns:a14="http://schemas.microsoft.com/office/drawing/2010/main" val="0"/>
+              </a:ext>
+            </a:extLst>
+          </a:blip>
+          <a:srcRect t="9561" r="13472" b="3460"/>
+          <a:stretch/>
+        </p:blipFill>
+        <p:spPr bwMode="auto">
+          <a:xfrm>
+            <a:off x="6821323" y="5877177"/>
+            <a:ext cx="2717286" cy="2731524"/>
+          </a:xfrm>
+          <a:prstGeom prst="rect">
+            <a:avLst/>
+          </a:prstGeom>
+          <a:noFill/>
+          <a:extLst>
+            <a:ext uri="{909E8E84-426E-40DD-AFC4-6F175D3DCCD1}">
+              <a14:hiddenFill xmlns:a14="http://schemas.microsoft.com/office/drawing/2010/main">
+                <a:solidFill>
+                  <a:srgbClr val="FFFFFF"/>
+                </a:solidFill>
+              </a14:hiddenFill>
+            </a:ext>
+          </a:extLst>
         </p:spPr>
       </p:pic>
       <p:sp>
@@ -3016,7 +3155,7 @@
         <p:spPr>
           <a:xfrm>
             <a:off x="166255" y="947101"/>
-            <a:ext cx="12635345" cy="789896"/>
+            <a:ext cx="12635345" cy="830997"/>
           </a:xfrm>
           <a:prstGeom prst="rect">
             <a:avLst/>
@@ -3125,6 +3264,46 @@
               </a:rPr>
               <a:t>University of Ljubljana</a:t>
             </a:r>
+            <a:r>
+              <a:rPr lang="en-ES" sz="2400" dirty="0">
+                <a:latin typeface="Helvetica Neue" panose="020B0604020202020204" charset="0"/>
+              </a:rPr>
+              <a:t> </a:t>
+            </a:r>
+            <a:r>
+              <a:rPr lang="en-ES" sz="2400" baseline="30000" dirty="0">
+                <a:latin typeface="Helvetica Neue" panose="020B0604020202020204" charset="0"/>
+              </a:rPr>
+              <a:t>✉</a:t>
+            </a:r>
+            <a:r>
+              <a:rPr lang="en-ES" sz="2400" dirty="0">
+                <a:latin typeface="Helvetica Neue" panose="020B0604020202020204" charset="0"/>
+              </a:rPr>
+              <a:t> </a:t>
+            </a:r>
+            <a:r>
+              <a:rPr lang="en-ES" dirty="0">
+                <a:latin typeface="Helvetica Neue" panose="020B0604020202020204" charset="0"/>
+                <a:ea typeface="Helvetica Neue" panose="02000503000000020004" pitchFamily="2" charset="0"/>
+                <a:cs typeface="Helvetica Neue" panose="02000503000000020004" pitchFamily="2" charset="0"/>
+                <a:hlinkClick r:id="rId6"/>
+              </a:rPr>
+              <a:t>tomo.orourke@gmail.com</a:t>
+            </a:r>
+            <a:r>
+              <a:rPr lang="en-ES" dirty="0">
+                <a:latin typeface="Helvetica Neue" panose="020B0604020202020204" charset="0"/>
+                <a:ea typeface="Helvetica Neue" panose="02000503000000020004" pitchFamily="2" charset="0"/>
+                <a:cs typeface="Helvetica Neue" panose="02000503000000020004" pitchFamily="2" charset="0"/>
+              </a:rPr>
+              <a:t> </a:t>
+            </a:r>
+            <a:endParaRPr lang="en-ES" dirty="0">
+              <a:latin typeface="Helvetica Neue" panose="02000503000000020004" pitchFamily="2" charset="0"/>
+              <a:ea typeface="Helvetica Neue" panose="02000503000000020004" pitchFamily="2" charset="0"/>
+              <a:cs typeface="Helvetica Neue" panose="02000503000000020004" pitchFamily="2" charset="0"/>
+            </a:endParaRPr>
           </a:p>
         </p:txBody>
       </p:sp>
@@ -3210,11 +3389,11 @@
           <p:nvPr/>
         </p:nvPicPr>
         <p:blipFill rotWithShape="1">
-          <a:blip r:embed="rId3">
+          <a:blip r:embed="rId7">
             <a:extLst>
               <a:ext uri="{BEBA8EAE-BF5A-486C-A8C5-ECC9F3942E4B}">
                 <a14:imgProps xmlns:a14="http://schemas.microsoft.com/office/drawing/2010/main">
-                  <a14:imgLayer r:embed="rId4">
+                  <a14:imgLayer r:embed="rId8">
                     <a14:imgEffect>
                       <a14:backgroundRemoval t="32362" b="70700" l="1771" r="94687">
                         <a14:foregroundMark x1="14050" y1="40525" x2="14050" y2="40525"/>
@@ -3254,8 +3433,8 @@
         </p:blipFill>
         <p:spPr>
           <a:xfrm>
-            <a:off x="323343" y="2265629"/>
-            <a:ext cx="2336898" cy="898119"/>
+            <a:off x="380384" y="2090788"/>
+            <a:ext cx="2497700" cy="959918"/>
           </a:xfrm>
           <a:prstGeom prst="rect">
             <a:avLst/>
@@ -3277,11 +3456,11 @@
           <p:nvPr/>
         </p:nvPicPr>
         <p:blipFill rotWithShape="1">
-          <a:blip r:embed="rId5">
+          <a:blip r:embed="rId9">
             <a:extLst>
               <a:ext uri="{BEBA8EAE-BF5A-486C-A8C5-ECC9F3942E4B}">
                 <a14:imgProps xmlns:a14="http://schemas.microsoft.com/office/drawing/2010/main">
-                  <a14:imgLayer r:embed="rId6">
+                  <a14:imgLayer r:embed="rId10">
                     <a14:imgEffect>
                       <a14:backgroundRemoval t="22973" b="63784" l="2693" r="93537">
                         <a14:foregroundMark x1="90126" y1="28919" x2="90126" y2="28919"/>
@@ -3303,8 +3482,8 @@
         </p:blipFill>
         <p:spPr>
           <a:xfrm>
-            <a:off x="190195" y="3398202"/>
-            <a:ext cx="2679609" cy="912511"/>
+            <a:off x="420922" y="3360317"/>
+            <a:ext cx="2416623" cy="822954"/>
           </a:xfrm>
           <a:prstGeom prst="rect">
             <a:avLst/>
@@ -3325,7 +3504,7 @@
         </p:nvSpPr>
         <p:spPr>
           <a:xfrm>
-            <a:off x="1542572" y="4277850"/>
+            <a:off x="1893013" y="4060040"/>
             <a:ext cx="1488781" cy="246221"/>
           </a:xfrm>
           <a:prstGeom prst="rect">
@@ -3364,7 +3543,7 @@
         </p:nvSpPr>
         <p:spPr>
           <a:xfrm>
-            <a:off x="301520" y="4136127"/>
+            <a:off x="301520" y="4063186"/>
             <a:ext cx="1301597" cy="400110"/>
           </a:xfrm>
           <a:prstGeom prst="rect">
@@ -3403,7 +3582,7 @@
         </p:nvSpPr>
         <p:spPr>
           <a:xfrm>
-            <a:off x="190195" y="3139138"/>
+            <a:off x="178503" y="3186413"/>
             <a:ext cx="1301597" cy="246221"/>
           </a:xfrm>
           <a:prstGeom prst="rect">
@@ -3442,8 +3621,8 @@
         </p:nvSpPr>
         <p:spPr>
           <a:xfrm>
-            <a:off x="2158329" y="3024437"/>
-            <a:ext cx="1488781" cy="400110"/>
+            <a:off x="1660400" y="3186041"/>
+            <a:ext cx="1647053" cy="246221"/>
           </a:xfrm>
           <a:prstGeom prst="rect">
             <a:avLst/>
@@ -3482,7 +3661,7 @@
           <p:nvPr/>
         </p:nvPicPr>
         <p:blipFill>
-          <a:blip r:embed="rId7"/>
+          <a:blip r:embed="rId11"/>
           <a:stretch>
             <a:fillRect/>
           </a:stretch>
@@ -3512,10 +3691,10 @@
           <p:nvPr/>
         </p:nvPicPr>
         <p:blipFill>
-          <a:blip r:embed="rId8">
+          <a:blip r:embed="rId12">
             <a:extLst>
               <a:ext uri="{96DAC541-7B7A-43D3-8B79-37D633B846F1}">
-                <asvg:svgBlip xmlns:asvg="http://schemas.microsoft.com/office/drawing/2016/SVG/main" r:embed="rId9"/>
+                <asvg:svgBlip xmlns:asvg="http://schemas.microsoft.com/office/drawing/2016/SVG/main" r:embed="rId13"/>
               </a:ext>
             </a:extLst>
           </a:blip>
@@ -3525,44 +3704,8 @@
         </p:blipFill>
         <p:spPr>
           <a:xfrm>
-            <a:off x="3326778" y="2103328"/>
-            <a:ext cx="3028950" cy="3333750"/>
-          </a:xfrm>
-          <a:prstGeom prst="rect">
-            <a:avLst/>
-          </a:prstGeom>
-        </p:spPr>
-      </p:pic>
-      <p:pic>
-        <p:nvPicPr>
-          <p:cNvPr id="31" name="Graphic 30">
-            <a:extLst>
-              <a:ext uri="{FF2B5EF4-FFF2-40B4-BE49-F238E27FC236}">
-                <a16:creationId xmlns:a16="http://schemas.microsoft.com/office/drawing/2014/main" id="{4A49AD68-DE36-2B45-83EF-999C68221EFE}"/>
-              </a:ext>
-            </a:extLst>
-          </p:cNvPr>
-          <p:cNvPicPr>
-            <a:picLocks noChangeAspect="1"/>
-          </p:cNvPicPr>
-          <p:nvPr/>
-        </p:nvPicPr>
-        <p:blipFill>
-          <a:blip r:embed="rId10">
-            <a:extLst>
-              <a:ext uri="{96DAC541-7B7A-43D3-8B79-37D633B846F1}">
-                <asvg:svgBlip xmlns:asvg="http://schemas.microsoft.com/office/drawing/2016/SVG/main" r:embed="rId11"/>
-              </a:ext>
-            </a:extLst>
-          </a:blip>
-          <a:stretch>
-            <a:fillRect/>
-          </a:stretch>
-        </p:blipFill>
-        <p:spPr>
-          <a:xfrm>
-            <a:off x="6598207" y="2103329"/>
-            <a:ext cx="2654755" cy="3333749"/>
+            <a:off x="3370219" y="2179944"/>
+            <a:ext cx="2788820" cy="3069455"/>
           </a:xfrm>
           <a:prstGeom prst="rect">
             <a:avLst/>
@@ -3583,8 +3726,8 @@
         </p:nvSpPr>
         <p:spPr>
           <a:xfrm>
-            <a:off x="117192" y="4581984"/>
-            <a:ext cx="4339540" cy="261610"/>
+            <a:off x="242781" y="4478550"/>
+            <a:ext cx="4339540" cy="246221"/>
           </a:xfrm>
           <a:prstGeom prst="rect">
             <a:avLst/>
@@ -3598,7 +3741,7 @@
           <a:lstStyle/>
           <a:p>
             <a:r>
-              <a:rPr lang="en-ES" sz="1100" dirty="0">
+              <a:rPr lang="en-ES" sz="1000" dirty="0">
                 <a:latin typeface="Helvetica Neue" panose="02000503000000020004" pitchFamily="2" charset="0"/>
                 <a:ea typeface="Helvetica Neue" panose="02000503000000020004" pitchFamily="2" charset="0"/>
                 <a:cs typeface="Helvetica Neue" panose="02000503000000020004" pitchFamily="2" charset="0"/>
@@ -3606,7 +3749,7 @@
               <a:t>(adapted from Theofanopoulou et al. 2017, </a:t>
             </a:r>
             <a:r>
-              <a:rPr lang="en-ES" sz="1100" i="1" dirty="0">
+              <a:rPr lang="en-ES" sz="1000" i="1" dirty="0">
                 <a:latin typeface="Helvetica Neue" panose="02000503000000020004" pitchFamily="2" charset="0"/>
                 <a:ea typeface="Helvetica Neue" panose="02000503000000020004" pitchFamily="2" charset="0"/>
                 <a:cs typeface="Helvetica Neue" panose="02000503000000020004" pitchFamily="2" charset="0"/>
@@ -3614,7 +3757,7 @@
               <a:t>PLoS ONE</a:t>
             </a:r>
             <a:r>
-              <a:rPr lang="en-ES" sz="1100" dirty="0">
+              <a:rPr lang="en-ES" sz="1000" dirty="0">
                 <a:latin typeface="Helvetica Neue" panose="02000503000000020004" pitchFamily="2" charset="0"/>
                 <a:ea typeface="Helvetica Neue" panose="02000503000000020004" pitchFamily="2" charset="0"/>
                 <a:cs typeface="Helvetica Neue" panose="02000503000000020004" pitchFamily="2" charset="0"/>
@@ -3638,8 +3781,8 @@
         </p:nvSpPr>
         <p:spPr>
           <a:xfrm>
-            <a:off x="4913422" y="5438625"/>
-            <a:ext cx="4339540" cy="261610"/>
+            <a:off x="4035323" y="5213893"/>
+            <a:ext cx="2393849" cy="400110"/>
           </a:xfrm>
           <a:prstGeom prst="rect">
             <a:avLst/>
@@ -3653,15 +3796,15 @@
           <a:lstStyle/>
           <a:p>
             <a:r>
-              <a:rPr lang="en-ES" sz="1100" dirty="0">
-                <a:latin typeface="Helvetica Neue" panose="02000503000000020004" pitchFamily="2" charset="0"/>
-                <a:ea typeface="Helvetica Neue" panose="02000503000000020004" pitchFamily="2" charset="0"/>
-                <a:cs typeface="Helvetica Neue" panose="02000503000000020004" pitchFamily="2" charset="0"/>
-              </a:rPr>
-              <a:t>(O’Rourke &amp; Boeckx 2020, </a:t>
-            </a:r>
-            <a:r>
-              <a:rPr lang="en-ES" sz="1100" i="1" dirty="0">
+              <a:rPr lang="en-ES" sz="1000" dirty="0">
+                <a:latin typeface="Helvetica Neue" panose="02000503000000020004" pitchFamily="2" charset="0"/>
+                <a:ea typeface="Helvetica Neue" panose="02000503000000020004" pitchFamily="2" charset="0"/>
+                <a:cs typeface="Helvetica Neue" panose="02000503000000020004" pitchFamily="2" charset="0"/>
+              </a:rPr>
+              <a:t>O’Rourke &amp; Boeckx 2020 </a:t>
+            </a:r>
+            <a:r>
+              <a:rPr lang="en-ES" sz="1000" i="1" dirty="0">
                 <a:latin typeface="Helvetica Neue" panose="02000503000000020004" pitchFamily="2" charset="0"/>
                 <a:ea typeface="Helvetica Neue" panose="02000503000000020004" pitchFamily="2" charset="0"/>
                 <a:cs typeface="Helvetica Neue" panose="02000503000000020004" pitchFamily="2" charset="0"/>
@@ -3669,140 +3812,13 @@
               <a:t>Neurosci. Biobehav. Rev</a:t>
             </a:r>
             <a:r>
-              <a:rPr lang="en-ES" sz="1100" dirty="0">
-                <a:latin typeface="Helvetica Neue" panose="02000503000000020004" pitchFamily="2" charset="0"/>
-                <a:ea typeface="Helvetica Neue" panose="02000503000000020004" pitchFamily="2" charset="0"/>
-                <a:cs typeface="Helvetica Neue" panose="02000503000000020004" pitchFamily="2" charset="0"/>
-              </a:rPr>
-              <a:t>.)  </a:t>
-            </a:r>
-          </a:p>
-        </p:txBody>
-      </p:sp>
-      <p:sp>
-        <p:nvSpPr>
-          <p:cNvPr id="35" name="TextBox 34">
-            <a:extLst>
-              <a:ext uri="{FF2B5EF4-FFF2-40B4-BE49-F238E27FC236}">
-                <a16:creationId xmlns:a16="http://schemas.microsoft.com/office/drawing/2014/main" id="{73A88F4B-1224-1B45-9376-E80BBBCDDF23}"/>
-              </a:ext>
-            </a:extLst>
-          </p:cNvPr>
-          <p:cNvSpPr txBox="1"/>
-          <p:nvPr/>
-        </p:nvSpPr>
-        <p:spPr>
-          <a:xfrm>
-            <a:off x="212147" y="9231868"/>
-            <a:ext cx="12624153" cy="369332"/>
-          </a:xfrm>
-          <a:prstGeom prst="rect">
-            <a:avLst/>
-          </a:prstGeom>
-          <a:noFill/>
-        </p:spPr>
-        <p:txBody>
-          <a:bodyPr wrap="square" rtlCol="0">
-            <a:spAutoFit/>
-          </a:bodyPr>
-          <a:lstStyle/>
-          <a:p>
-            <a:r>
-              <a:rPr lang="en-ES" dirty="0"/>
-              <a:t>✉ </a:t>
-            </a:r>
-            <a:r>
-              <a:rPr lang="en-ES" sz="1600" dirty="0">
-                <a:latin typeface="Helvetica Neue" panose="02000503000000020004" pitchFamily="2" charset="0"/>
-                <a:ea typeface="Helvetica Neue" panose="02000503000000020004" pitchFamily="2" charset="0"/>
-                <a:cs typeface="Helvetica Neue" panose="02000503000000020004" pitchFamily="2" charset="0"/>
-              </a:rPr>
-              <a:t>Correspondence: </a:t>
-            </a:r>
-            <a:r>
-              <a:rPr lang="en-ES" sz="1600" dirty="0">
-                <a:latin typeface="Monaco" pitchFamily="2" charset="77"/>
-                <a:ea typeface="Helvetica Neue" panose="02000503000000020004" pitchFamily="2" charset="0"/>
-                <a:cs typeface="Helvetica Neue" panose="02000503000000020004" pitchFamily="2" charset="0"/>
-                <a:hlinkClick r:id="rId12"/>
-              </a:rPr>
-              <a:t>tomo.orourke@gmail.com</a:t>
-            </a:r>
-            <a:r>
-              <a:rPr lang="en-ES" sz="1600" dirty="0">
-                <a:latin typeface="Monaco" pitchFamily="2" charset="77"/>
-                <a:ea typeface="Helvetica Neue" panose="02000503000000020004" pitchFamily="2" charset="0"/>
-                <a:cs typeface="Helvetica Neue" panose="02000503000000020004" pitchFamily="2" charset="0"/>
-              </a:rPr>
-              <a:t> </a:t>
-            </a:r>
-            <a:r>
-              <a:rPr lang="en-ES" sz="1600" dirty="0">
-                <a:latin typeface="Helvetica Neue" panose="02000503000000020004" pitchFamily="2" charset="0"/>
-                <a:ea typeface="Helvetica Neue" panose="02000503000000020004" pitchFamily="2" charset="0"/>
-                <a:cs typeface="Helvetica Neue" panose="02000503000000020004" pitchFamily="2" charset="0"/>
-              </a:rPr>
-              <a:t>| References, code &amp; further info: </a:t>
-            </a:r>
-            <a:r>
-              <a:rPr lang="en-US" sz="1600" dirty="0">
-                <a:latin typeface="Monaco" pitchFamily="2" charset="77"/>
-                <a:ea typeface="Helvetica Neue" panose="02000503000000020004" pitchFamily="2" charset="0"/>
-                <a:cs typeface="Helvetica Neue" panose="02000503000000020004" pitchFamily="2" charset="0"/>
-                <a:hlinkClick r:id="rId13"/>
-              </a:rPr>
-              <a:t>https://</a:t>
-            </a:r>
-            <a:r>
-              <a:rPr lang="en-US" sz="1600" dirty="0" err="1">
-                <a:latin typeface="Monaco" pitchFamily="2" charset="77"/>
-                <a:ea typeface="Helvetica Neue" panose="02000503000000020004" pitchFamily="2" charset="0"/>
-                <a:cs typeface="Helvetica Neue" panose="02000503000000020004" pitchFamily="2" charset="0"/>
-                <a:hlinkClick r:id="rId13"/>
-              </a:rPr>
-              <a:t>github.com</a:t>
-            </a:r>
-            <a:r>
-              <a:rPr lang="en-US" sz="1600" dirty="0">
-                <a:latin typeface="Monaco" pitchFamily="2" charset="77"/>
-                <a:ea typeface="Helvetica Neue" panose="02000503000000020004" pitchFamily="2" charset="0"/>
-                <a:cs typeface="Helvetica Neue" panose="02000503000000020004" pitchFamily="2" charset="0"/>
-                <a:hlinkClick r:id="rId13"/>
-              </a:rPr>
-              <a:t>/</a:t>
-            </a:r>
-            <a:r>
-              <a:rPr lang="en-US" sz="1600" dirty="0" err="1">
-                <a:latin typeface="Monaco" pitchFamily="2" charset="77"/>
-                <a:ea typeface="Helvetica Neue" panose="02000503000000020004" pitchFamily="2" charset="0"/>
-                <a:cs typeface="Helvetica Neue" panose="02000503000000020004" pitchFamily="2" charset="0"/>
-                <a:hlinkClick r:id="rId13"/>
-              </a:rPr>
-              <a:t>AGMAndirko</a:t>
-            </a:r>
-            <a:r>
-              <a:rPr lang="en-US" sz="1600" dirty="0">
-                <a:latin typeface="Monaco" pitchFamily="2" charset="77"/>
-                <a:ea typeface="Helvetica Neue" panose="02000503000000020004" pitchFamily="2" charset="0"/>
-                <a:cs typeface="Helvetica Neue" panose="02000503000000020004" pitchFamily="2" charset="0"/>
-                <a:hlinkClick r:id="rId13"/>
-              </a:rPr>
-              <a:t>/</a:t>
-            </a:r>
-            <a:r>
-              <a:rPr lang="en-US" sz="1600" dirty="0" err="1">
-                <a:latin typeface="Monaco" pitchFamily="2" charset="77"/>
-                <a:ea typeface="Helvetica Neue" panose="02000503000000020004" pitchFamily="2" charset="0"/>
-                <a:cs typeface="Helvetica Neue" panose="02000503000000020004" pitchFamily="2" charset="0"/>
-                <a:hlinkClick r:id="rId13"/>
-              </a:rPr>
-              <a:t>CogSci</a:t>
-            </a:r>
-            <a:endParaRPr lang="en-ES" sz="1600" dirty="0">
-              <a:latin typeface="Monaco" pitchFamily="2" charset="77"/>
-              <a:ea typeface="Helvetica Neue" panose="02000503000000020004" pitchFamily="2" charset="0"/>
-              <a:cs typeface="Helvetica Neue" panose="02000503000000020004" pitchFamily="2" charset="0"/>
-            </a:endParaRPr>
+              <a:rPr lang="en-ES" sz="1000" dirty="0">
+                <a:latin typeface="Helvetica Neue" panose="02000503000000020004" pitchFamily="2" charset="0"/>
+                <a:ea typeface="Helvetica Neue" panose="02000503000000020004" pitchFamily="2" charset="0"/>
+                <a:cs typeface="Helvetica Neue" panose="02000503000000020004" pitchFamily="2" charset="0"/>
+              </a:rPr>
+              <a:t>.  </a:t>
+            </a:r>
           </a:p>
         </p:txBody>
       </p:sp>
@@ -3820,7 +3836,7 @@
         </p:nvSpPr>
         <p:spPr>
           <a:xfrm>
-            <a:off x="5927071" y="5767406"/>
+            <a:off x="6074727" y="5589700"/>
             <a:ext cx="1113709" cy="369332"/>
           </a:xfrm>
           <a:prstGeom prst="rect">
@@ -3859,8 +3875,8 @@
         </p:nvSpPr>
         <p:spPr>
           <a:xfrm>
-            <a:off x="1340545" y="1839653"/>
-            <a:ext cx="1635568" cy="369332"/>
+            <a:off x="4209330" y="1731260"/>
+            <a:ext cx="4778658" cy="369332"/>
           </a:xfrm>
           <a:prstGeom prst="rect">
             <a:avLst/>
@@ -3874,13 +3890,42 @@
           <a:lstStyle/>
           <a:p>
             <a:r>
-              <a:rPr lang="en-ES" b="1" dirty="0">
-                <a:latin typeface="Helvetica Neue" panose="02000503000000020004" pitchFamily="2" charset="0"/>
-                <a:ea typeface="Helvetica Neue" panose="02000503000000020004" pitchFamily="2" charset="0"/>
-                <a:cs typeface="Helvetica Neue" panose="02000503000000020004" pitchFamily="2" charset="0"/>
-              </a:rPr>
-              <a:t>Introduction</a:t>
-            </a:r>
+              <a:rPr lang="ca-ES" b="1" dirty="0">
+                <a:latin typeface="Helvetica Neue" panose="02000503000000020004" pitchFamily="2" charset="0"/>
+                <a:ea typeface="Helvetica Neue" panose="02000503000000020004" pitchFamily="2" charset="0"/>
+                <a:cs typeface="Helvetica Neue" panose="02000503000000020004" pitchFamily="2" charset="0"/>
+              </a:rPr>
+              <a:t>Convergent </a:t>
+            </a:r>
+            <a:r>
+              <a:rPr lang="ca-ES" b="1" dirty="0" err="1">
+                <a:latin typeface="Helvetica Neue" panose="02000503000000020004" pitchFamily="2" charset="0"/>
+                <a:ea typeface="Helvetica Neue" panose="02000503000000020004" pitchFamily="2" charset="0"/>
+                <a:cs typeface="Helvetica Neue" panose="02000503000000020004" pitchFamily="2" charset="0"/>
+              </a:rPr>
+              <a:t>human-domesticate</a:t>
+            </a:r>
+            <a:r>
+              <a:rPr lang="ca-ES" b="1" dirty="0">
+                <a:latin typeface="Helvetica Neue" panose="02000503000000020004" pitchFamily="2" charset="0"/>
+                <a:ea typeface="Helvetica Neue" panose="02000503000000020004" pitchFamily="2" charset="0"/>
+                <a:cs typeface="Helvetica Neue" panose="02000503000000020004" pitchFamily="2" charset="0"/>
+              </a:rPr>
+              <a:t> </a:t>
+            </a:r>
+            <a:r>
+              <a:rPr lang="ca-ES" b="1" dirty="0" err="1">
+                <a:latin typeface="Helvetica Neue" panose="02000503000000020004" pitchFamily="2" charset="0"/>
+                <a:ea typeface="Helvetica Neue" panose="02000503000000020004" pitchFamily="2" charset="0"/>
+                <a:cs typeface="Helvetica Neue" panose="02000503000000020004" pitchFamily="2" charset="0"/>
+              </a:rPr>
+              <a:t>evolution</a:t>
+            </a:r>
+            <a:endParaRPr lang="en-ES" b="1" dirty="0">
+              <a:latin typeface="Helvetica Neue" panose="02000503000000020004" pitchFamily="2" charset="0"/>
+              <a:ea typeface="Helvetica Neue" panose="02000503000000020004" pitchFamily="2" charset="0"/>
+              <a:cs typeface="Helvetica Neue" panose="02000503000000020004" pitchFamily="2" charset="0"/>
+            </a:endParaRPr>
           </a:p>
         </p:txBody>
       </p:sp>
@@ -3920,36 +3965,6 @@
           </a:fontRef>
         </p:style>
       </p:cxnSp>
-      <p:pic>
-        <p:nvPicPr>
-          <p:cNvPr id="7" name="Picture 6">
-            <a:extLst>
-              <a:ext uri="{FF2B5EF4-FFF2-40B4-BE49-F238E27FC236}">
-                <a16:creationId xmlns:a16="http://schemas.microsoft.com/office/drawing/2014/main" id="{9668A08D-2CC2-B448-B057-5DB1FCB93CC9}"/>
-              </a:ext>
-            </a:extLst>
-          </p:cNvPr>
-          <p:cNvPicPr>
-            <a:picLocks noChangeAspect="1"/>
-          </p:cNvPicPr>
-          <p:nvPr/>
-        </p:nvPicPr>
-        <p:blipFill>
-          <a:blip r:embed="rId14"/>
-          <a:stretch>
-            <a:fillRect/>
-          </a:stretch>
-        </p:blipFill>
-        <p:spPr>
-          <a:xfrm>
-            <a:off x="457567" y="5990661"/>
-            <a:ext cx="3200400" cy="3200400"/>
-          </a:xfrm>
-          <a:prstGeom prst="rect">
-            <a:avLst/>
-          </a:prstGeom>
-        </p:spPr>
-      </p:pic>
       <p:sp>
         <p:nvSpPr>
           <p:cNvPr id="28" name="TextBox 27">
@@ -3964,8 +3979,8 @@
         </p:nvSpPr>
         <p:spPr>
           <a:xfrm>
-            <a:off x="9326340" y="1875569"/>
-            <a:ext cx="3507827" cy="3262432"/>
+            <a:off x="9511759" y="1756508"/>
+            <a:ext cx="3367827" cy="5847755"/>
           </a:xfrm>
           <a:prstGeom prst="rect">
             <a:avLst/>
@@ -3994,138 +4009,116 @@
               <a:buChar char="•"/>
             </a:pPr>
             <a:r>
-              <a:rPr lang="en-ES" sz="1400" dirty="0">
-                <a:latin typeface="Helvetica Neue" panose="02000503000000020004" pitchFamily="2" charset="0"/>
-                <a:ea typeface="Helvetica Neue" panose="02000503000000020004" pitchFamily="2" charset="0"/>
-                <a:cs typeface="Helvetica Neue" panose="02000503000000020004" pitchFamily="2" charset="0"/>
-              </a:rPr>
-              <a:t>Downregulated glutamatergic synaptic activity</a:t>
-            </a:r>
-          </a:p>
-          <a:p>
-            <a:endParaRPr lang="en-ES" sz="1600" dirty="0">
-              <a:latin typeface="Helvetica Neue" panose="02000503000000020004" pitchFamily="2" charset="0"/>
-              <a:ea typeface="Helvetica Neue" panose="02000503000000020004" pitchFamily="2" charset="0"/>
-              <a:cs typeface="Helvetica Neue" panose="02000503000000020004" pitchFamily="2" charset="0"/>
-            </a:endParaRPr>
-          </a:p>
-          <a:p>
-            <a:pPr algn="ctr"/>
-            <a:r>
-              <a:rPr lang="en-ES" b="1" dirty="0">
-                <a:latin typeface="Helvetica Neue" panose="02000503000000020004" pitchFamily="2" charset="0"/>
-                <a:ea typeface="Helvetica Neue" panose="02000503000000020004" pitchFamily="2" charset="0"/>
-                <a:cs typeface="Helvetica Neue" panose="02000503000000020004" pitchFamily="2" charset="0"/>
-              </a:rPr>
-              <a:t>Methods</a:t>
-            </a:r>
-          </a:p>
-          <a:p>
-            <a:pPr marL="285750" indent="-285750">
-              <a:buFont typeface="Arial" panose="020B0604020202020204" pitchFamily="34" charset="0"/>
-              <a:buChar char="•"/>
-            </a:pPr>
-            <a:r>
-              <a:rPr lang="en-US" sz="1400" dirty="0">
-                <a:latin typeface="Helvetica Neue" panose="02000503000000020004" pitchFamily="2" charset="0"/>
-                <a:ea typeface="Helvetica Neue" panose="02000503000000020004" pitchFamily="2" charset="0"/>
-                <a:cs typeface="Helvetica Neue" panose="02000503000000020004" pitchFamily="2" charset="0"/>
-              </a:rPr>
-              <a:t>Gene expression values per high-</a:t>
-            </a:r>
-            <a:r>
-              <a:rPr lang="en-US" sz="1400" dirty="0" err="1">
-                <a:latin typeface="Helvetica Neue" panose="02000503000000020004" pitchFamily="2" charset="0"/>
-                <a:ea typeface="Helvetica Neue" panose="02000503000000020004" pitchFamily="2" charset="0"/>
-                <a:cs typeface="Helvetica Neue" panose="02000503000000020004" pitchFamily="2" charset="0"/>
-              </a:rPr>
-              <a:t>freq</a:t>
-            </a:r>
-            <a:r>
-              <a:rPr lang="en-US" sz="1400" dirty="0">
-                <a:latin typeface="Helvetica Neue" panose="02000503000000020004" pitchFamily="2" charset="0"/>
-                <a:ea typeface="Helvetica Neue" panose="02000503000000020004" pitchFamily="2" charset="0"/>
-                <a:cs typeface="Helvetica Neue" panose="02000503000000020004" pitchFamily="2" charset="0"/>
-              </a:rPr>
-              <a:t>/fixed variant (</a:t>
-            </a:r>
-            <a:r>
-              <a:rPr lang="en-US" sz="1400" dirty="0">
-                <a:latin typeface="Helvetica Neue" panose="02000503000000020004" pitchFamily="2" charset="0"/>
-                <a:ea typeface="Helvetica Neue" panose="02000503000000020004" pitchFamily="2" charset="0"/>
-                <a:cs typeface="Helvetica Neue" panose="02000503000000020004" pitchFamily="2" charset="0"/>
-                <a:hlinkClick r:id="rId15"/>
-              </a:rPr>
-              <a:t>ExPecto</a:t>
-            </a:r>
-            <a:r>
-              <a:rPr lang="en-US" sz="1400" dirty="0">
-                <a:latin typeface="Helvetica Neue" panose="02000503000000020004" pitchFamily="2" charset="0"/>
-                <a:ea typeface="Helvetica Neue" panose="02000503000000020004" pitchFamily="2" charset="0"/>
-                <a:cs typeface="Helvetica Neue" panose="02000503000000020004" pitchFamily="2" charset="0"/>
-              </a:rPr>
-              <a:t>)</a:t>
-            </a:r>
-          </a:p>
-          <a:p>
-            <a:pPr marL="285750" indent="-285750">
-              <a:buFont typeface="Arial" panose="020B0604020202020204" pitchFamily="34" charset="0"/>
-              <a:buChar char="•"/>
-            </a:pPr>
-            <a:r>
-              <a:rPr lang="en-US" sz="1400" dirty="0">
-                <a:latin typeface="Helvetica Neue" panose="02000503000000020004" pitchFamily="2" charset="0"/>
-                <a:ea typeface="Helvetica Neue" panose="02000503000000020004" pitchFamily="2" charset="0"/>
-                <a:cs typeface="Helvetica Neue" panose="02000503000000020004" pitchFamily="2" charset="0"/>
-              </a:rPr>
-              <a:t>Genes in glut. signaling pathway (based on GO category </a:t>
-            </a:r>
-            <a:r>
-              <a:rPr lang="en-US" sz="1400" dirty="0">
-                <a:latin typeface="Helvetica Neue" panose="02000503000000020004" pitchFamily="2" charset="0"/>
-                <a:ea typeface="Helvetica Neue" panose="02000503000000020004" pitchFamily="2" charset="0"/>
-                <a:cs typeface="Helvetica Neue" panose="02000503000000020004" pitchFamily="2" charset="0"/>
-                <a:hlinkClick r:id="rId16"/>
-              </a:rPr>
-              <a:t>0098978</a:t>
-            </a:r>
-            <a:r>
-              <a:rPr lang="en-US" sz="1400" dirty="0">
-                <a:latin typeface="Helvetica Neue" panose="02000503000000020004" pitchFamily="2" charset="0"/>
-                <a:ea typeface="Helvetica Neue" panose="02000503000000020004" pitchFamily="2" charset="0"/>
-                <a:cs typeface="Helvetica Neue" panose="02000503000000020004" pitchFamily="2" charset="0"/>
-              </a:rPr>
-              <a:t>)</a:t>
-            </a:r>
-          </a:p>
-          <a:p>
-            <a:pPr marL="285750" indent="-285750">
-              <a:buFont typeface="Arial" panose="020B0604020202020204" pitchFamily="34" charset="0"/>
-              <a:buChar char="•"/>
-            </a:pPr>
-            <a:r>
-              <a:rPr lang="en-US" sz="1400" dirty="0">
-                <a:latin typeface="Helvetica Neue" panose="02000503000000020004" pitchFamily="2" charset="0"/>
-                <a:ea typeface="Helvetica Neue" panose="02000503000000020004" pitchFamily="2" charset="0"/>
-                <a:cs typeface="Helvetica Neue" panose="02000503000000020004" pitchFamily="2" charset="0"/>
-              </a:rPr>
-              <a:t>Tissues: </a:t>
-            </a:r>
-            <a:r>
-              <a:rPr lang="en-US" sz="1400" dirty="0" err="1">
-                <a:latin typeface="Helvetica Neue" panose="02000503000000020004" pitchFamily="2" charset="0"/>
-                <a:ea typeface="Helvetica Neue" panose="02000503000000020004" pitchFamily="2" charset="0"/>
-                <a:cs typeface="Helvetica Neue" panose="02000503000000020004" pitchFamily="2" charset="0"/>
-              </a:rPr>
-              <a:t>blabla</a:t>
-            </a:r>
-            <a:r>
-              <a:rPr lang="en-US" sz="1400" dirty="0">
-                <a:latin typeface="Helvetica Neue" panose="02000503000000020004" pitchFamily="2" charset="0"/>
-                <a:ea typeface="Helvetica Neue" panose="02000503000000020004" pitchFamily="2" charset="0"/>
-                <a:cs typeface="Helvetica Neue" panose="02000503000000020004" pitchFamily="2" charset="0"/>
-              </a:rPr>
-              <a:t> out of 228 in ExPecto</a:t>
+              <a:rPr lang="ca-ES" sz="1400" dirty="0" err="1">
+                <a:latin typeface="Helvetica Neue" panose="02000503000000020004" pitchFamily="2" charset="0"/>
+                <a:ea typeface="Helvetica Neue" panose="02000503000000020004" pitchFamily="2" charset="0"/>
+                <a:cs typeface="Helvetica Neue" panose="02000503000000020004" pitchFamily="2" charset="0"/>
+              </a:rPr>
+              <a:t>Downregulated</a:t>
+            </a:r>
+            <a:r>
+              <a:rPr lang="ca-ES" sz="1400" dirty="0">
+                <a:latin typeface="Helvetica Neue" panose="02000503000000020004" pitchFamily="2" charset="0"/>
+                <a:ea typeface="Helvetica Neue" panose="02000503000000020004" pitchFamily="2" charset="0"/>
+                <a:cs typeface="Helvetica Neue" panose="02000503000000020004" pitchFamily="2" charset="0"/>
+              </a:rPr>
+              <a:t> </a:t>
+            </a:r>
+            <a:r>
+              <a:rPr lang="ca-ES" sz="1400" dirty="0" err="1">
+                <a:latin typeface="Helvetica Neue" panose="02000503000000020004" pitchFamily="2" charset="0"/>
+                <a:ea typeface="Helvetica Neue" panose="02000503000000020004" pitchFamily="2" charset="0"/>
+                <a:cs typeface="Helvetica Neue" panose="02000503000000020004" pitchFamily="2" charset="0"/>
+              </a:rPr>
+              <a:t>glutamatergic</a:t>
+            </a:r>
+            <a:r>
+              <a:rPr lang="ca-ES" sz="1400" dirty="0">
+                <a:latin typeface="Helvetica Neue" panose="02000503000000020004" pitchFamily="2" charset="0"/>
+                <a:ea typeface="Helvetica Neue" panose="02000503000000020004" pitchFamily="2" charset="0"/>
+                <a:cs typeface="Helvetica Neue" panose="02000503000000020004" pitchFamily="2" charset="0"/>
+              </a:rPr>
+              <a:t> </a:t>
+            </a:r>
+            <a:r>
+              <a:rPr lang="ca-ES" sz="1400" dirty="0" err="1">
+                <a:latin typeface="Helvetica Neue" panose="02000503000000020004" pitchFamily="2" charset="0"/>
+                <a:ea typeface="Helvetica Neue" panose="02000503000000020004" pitchFamily="2" charset="0"/>
+                <a:cs typeface="Helvetica Neue" panose="02000503000000020004" pitchFamily="2" charset="0"/>
+              </a:rPr>
+              <a:t>synaptic</a:t>
+            </a:r>
+            <a:r>
+              <a:rPr lang="ca-ES" sz="1400" dirty="0">
+                <a:latin typeface="Helvetica Neue" panose="02000503000000020004" pitchFamily="2" charset="0"/>
+                <a:ea typeface="Helvetica Neue" panose="02000503000000020004" pitchFamily="2" charset="0"/>
+                <a:cs typeface="Helvetica Neue" panose="02000503000000020004" pitchFamily="2" charset="0"/>
+              </a:rPr>
+              <a:t> </a:t>
+            </a:r>
+            <a:r>
+              <a:rPr lang="ca-ES" sz="1400" dirty="0" err="1">
+                <a:latin typeface="Helvetica Neue" panose="02000503000000020004" pitchFamily="2" charset="0"/>
+                <a:ea typeface="Helvetica Neue" panose="02000503000000020004" pitchFamily="2" charset="0"/>
+                <a:cs typeface="Helvetica Neue" panose="02000503000000020004" pitchFamily="2" charset="0"/>
+              </a:rPr>
+              <a:t>activity</a:t>
+            </a:r>
+            <a:r>
+              <a:rPr lang="ca-ES" sz="1400" dirty="0">
+                <a:latin typeface="Helvetica Neue" panose="02000503000000020004" pitchFamily="2" charset="0"/>
+                <a:ea typeface="Helvetica Neue" panose="02000503000000020004" pitchFamily="2" charset="0"/>
+                <a:cs typeface="Helvetica Neue" panose="02000503000000020004" pitchFamily="2" charset="0"/>
+              </a:rPr>
+              <a:t> as a </a:t>
+            </a:r>
+            <a:r>
+              <a:rPr lang="ca-ES" sz="1400" dirty="0" err="1">
+                <a:latin typeface="Helvetica Neue" panose="02000503000000020004" pitchFamily="2" charset="0"/>
+                <a:ea typeface="Helvetica Neue" panose="02000503000000020004" pitchFamily="2" charset="0"/>
+                <a:cs typeface="Helvetica Neue" panose="02000503000000020004" pitchFamily="2" charset="0"/>
+              </a:rPr>
+              <a:t>result</a:t>
+            </a:r>
+            <a:r>
+              <a:rPr lang="ca-ES" sz="1400" dirty="0">
+                <a:latin typeface="Helvetica Neue" panose="02000503000000020004" pitchFamily="2" charset="0"/>
+                <a:ea typeface="Helvetica Neue" panose="02000503000000020004" pitchFamily="2" charset="0"/>
+                <a:cs typeface="Helvetica Neue" panose="02000503000000020004" pitchFamily="2" charset="0"/>
+              </a:rPr>
+              <a:t> of </a:t>
+            </a:r>
+            <a:r>
+              <a:rPr lang="ca-ES" sz="1400" dirty="0" err="1">
+                <a:latin typeface="Helvetica Neue" panose="02000503000000020004" pitchFamily="2" charset="0"/>
+                <a:ea typeface="Helvetica Neue" panose="02000503000000020004" pitchFamily="2" charset="0"/>
+                <a:cs typeface="Helvetica Neue" panose="02000503000000020004" pitchFamily="2" charset="0"/>
+              </a:rPr>
+              <a:t>positive</a:t>
+            </a:r>
+            <a:r>
+              <a:rPr lang="ca-ES" sz="1400" dirty="0">
+                <a:latin typeface="Helvetica Neue" panose="02000503000000020004" pitchFamily="2" charset="0"/>
+                <a:ea typeface="Helvetica Neue" panose="02000503000000020004" pitchFamily="2" charset="0"/>
+                <a:cs typeface="Helvetica Neue" panose="02000503000000020004" pitchFamily="2" charset="0"/>
+              </a:rPr>
+              <a:t> </a:t>
+            </a:r>
+            <a:r>
+              <a:rPr lang="ca-ES" sz="1400" dirty="0" err="1">
+                <a:latin typeface="Helvetica Neue" panose="02000503000000020004" pitchFamily="2" charset="0"/>
+                <a:ea typeface="Helvetica Neue" panose="02000503000000020004" pitchFamily="2" charset="0"/>
+                <a:cs typeface="Helvetica Neue" panose="02000503000000020004" pitchFamily="2" charset="0"/>
+              </a:rPr>
+              <a:t>selection</a:t>
+            </a:r>
+            <a:r>
+              <a:rPr lang="ca-ES" sz="1400" dirty="0">
+                <a:latin typeface="Helvetica Neue" panose="02000503000000020004" pitchFamily="2" charset="0"/>
+                <a:ea typeface="Helvetica Neue" panose="02000503000000020004" pitchFamily="2" charset="0"/>
+                <a:cs typeface="Helvetica Neue" panose="02000503000000020004" pitchFamily="2" charset="0"/>
+              </a:rPr>
+              <a:t> in modern humans </a:t>
             </a:r>
             <a:endParaRPr lang="en-ES" sz="1400" dirty="0">
               <a:latin typeface="Helvetica Neue" panose="02000503000000020004" pitchFamily="2" charset="0"/>
@@ -4134,10 +4127,180 @@
             </a:endParaRPr>
           </a:p>
           <a:p>
+            <a:pPr algn="ctr"/>
+            <a:endParaRPr lang="ca-ES" b="1" dirty="0">
+              <a:latin typeface="Helvetica Neue" panose="02000503000000020004" pitchFamily="2" charset="0"/>
+              <a:ea typeface="Helvetica Neue" panose="02000503000000020004" pitchFamily="2" charset="0"/>
+              <a:cs typeface="Helvetica Neue" panose="02000503000000020004" pitchFamily="2" charset="0"/>
+            </a:endParaRPr>
+          </a:p>
+          <a:p>
+            <a:pPr algn="ctr"/>
+            <a:r>
+              <a:rPr lang="en-ES" b="1" dirty="0">
+                <a:latin typeface="Helvetica Neue" panose="02000503000000020004" pitchFamily="2" charset="0"/>
+                <a:ea typeface="Helvetica Neue" panose="02000503000000020004" pitchFamily="2" charset="0"/>
+                <a:cs typeface="Helvetica Neue" panose="02000503000000020004" pitchFamily="2" charset="0"/>
+              </a:rPr>
+              <a:t>Methods</a:t>
+            </a:r>
+            <a:endParaRPr lang="ca-ES" b="1" dirty="0">
+              <a:latin typeface="Helvetica Neue" panose="02000503000000020004" pitchFamily="2" charset="0"/>
+              <a:ea typeface="Helvetica Neue" panose="02000503000000020004" pitchFamily="2" charset="0"/>
+              <a:cs typeface="Helvetica Neue" panose="02000503000000020004" pitchFamily="2" charset="0"/>
+            </a:endParaRPr>
+          </a:p>
+          <a:p>
             <a:pPr marL="285750" indent="-285750">
-              <a:buFontTx/>
-              <a:buChar char="-"/>
+              <a:buFont typeface="Arial" panose="020B0604020202020204" pitchFamily="34" charset="0"/>
+              <a:buChar char="•"/>
             </a:pPr>
+            <a:r>
+              <a:rPr lang="en-US" sz="1400" dirty="0">
+                <a:latin typeface="Helvetica Neue" panose="02000503000000020004" pitchFamily="2" charset="0"/>
+                <a:ea typeface="Helvetica Neue" panose="02000503000000020004" pitchFamily="2" charset="0"/>
+                <a:cs typeface="Helvetica Neue" panose="02000503000000020004" pitchFamily="2" charset="0"/>
+              </a:rPr>
+              <a:t>Using </a:t>
+            </a:r>
+            <a:r>
+              <a:rPr lang="en-US" sz="1400" dirty="0" err="1">
+                <a:latin typeface="Helvetica Neue" panose="02000503000000020004" pitchFamily="2" charset="0"/>
+                <a:ea typeface="Helvetica Neue" panose="02000503000000020004" pitchFamily="2" charset="0"/>
+                <a:cs typeface="Helvetica Neue" panose="02000503000000020004" pitchFamily="2" charset="0"/>
+                <a:hlinkClick r:id="rId14"/>
+              </a:rPr>
+              <a:t>ExPecto</a:t>
+            </a:r>
+            <a:r>
+              <a:rPr lang="en-US" sz="1400" dirty="0">
+                <a:latin typeface="Helvetica Neue" panose="02000503000000020004" pitchFamily="2" charset="0"/>
+                <a:ea typeface="Helvetica Neue" panose="02000503000000020004" pitchFamily="2" charset="0"/>
+                <a:cs typeface="Helvetica Neue" panose="02000503000000020004" pitchFamily="2" charset="0"/>
+              </a:rPr>
+              <a:t>, we explored predicted expression resulting from high-frequency/fixed variants identified by </a:t>
+            </a:r>
+            <a:r>
+              <a:rPr lang="en-US" sz="1400" dirty="0" err="1">
+                <a:latin typeface="Helvetica Neue" panose="02000503000000020004" pitchFamily="2" charset="0"/>
+                <a:ea typeface="Helvetica Neue" panose="02000503000000020004" pitchFamily="2" charset="0"/>
+                <a:cs typeface="Helvetica Neue" panose="02000503000000020004" pitchFamily="2" charset="0"/>
+                <a:hlinkClick r:id="rId15"/>
+              </a:rPr>
+              <a:t>Peyrègne</a:t>
+            </a:r>
+            <a:r>
+              <a:rPr lang="en-US" sz="1400" dirty="0">
+                <a:latin typeface="Helvetica Neue" panose="02000503000000020004" pitchFamily="2" charset="0"/>
+                <a:ea typeface="Helvetica Neue" panose="02000503000000020004" pitchFamily="2" charset="0"/>
+                <a:cs typeface="Helvetica Neue" panose="02000503000000020004" pitchFamily="2" charset="0"/>
+                <a:hlinkClick r:id="rId15"/>
+              </a:rPr>
+              <a:t> et al. 2017</a:t>
+            </a:r>
+            <a:endParaRPr lang="en-US" sz="1400" dirty="0">
+              <a:latin typeface="Helvetica Neue" panose="02000503000000020004" pitchFamily="2" charset="0"/>
+              <a:ea typeface="Helvetica Neue" panose="02000503000000020004" pitchFamily="2" charset="0"/>
+              <a:cs typeface="Helvetica Neue" panose="02000503000000020004" pitchFamily="2" charset="0"/>
+            </a:endParaRPr>
+          </a:p>
+          <a:p>
+            <a:pPr marL="285750" indent="-285750">
+              <a:buFont typeface="Arial" panose="020B0604020202020204" pitchFamily="34" charset="0"/>
+              <a:buChar char="•"/>
+            </a:pPr>
+            <a:r>
+              <a:rPr lang="en-US" sz="1400" dirty="0">
+                <a:latin typeface="Helvetica Neue" panose="02000503000000020004" pitchFamily="2" charset="0"/>
+                <a:ea typeface="Helvetica Neue" panose="02000503000000020004" pitchFamily="2" charset="0"/>
+                <a:cs typeface="Helvetica Neue" panose="02000503000000020004" pitchFamily="2" charset="0"/>
+              </a:rPr>
+              <a:t>We generated ≈ 1 million predicted transcriptional reads across 218 human tissues</a:t>
+            </a:r>
+          </a:p>
+          <a:p>
+            <a:pPr marL="285750" indent="-285750">
+              <a:buFont typeface="Arial" panose="020B0604020202020204" pitchFamily="34" charset="0"/>
+              <a:buChar char="•"/>
+            </a:pPr>
+            <a:r>
+              <a:rPr lang="en-US" sz="1400" dirty="0">
+                <a:latin typeface="Helvetica Neue" panose="02000503000000020004" pitchFamily="2" charset="0"/>
+                <a:ea typeface="Helvetica Neue" panose="02000503000000020004" pitchFamily="2" charset="0"/>
+                <a:cs typeface="Helvetica Neue" panose="02000503000000020004" pitchFamily="2" charset="0"/>
+              </a:rPr>
+              <a:t>We compared genes enriched at the Glutamatergic Synapse (GO category </a:t>
+            </a:r>
+            <a:r>
+              <a:rPr lang="en-US" sz="1400" dirty="0">
+                <a:latin typeface="Helvetica Neue" panose="02000503000000020004" pitchFamily="2" charset="0"/>
+                <a:ea typeface="Helvetica Neue" panose="02000503000000020004" pitchFamily="2" charset="0"/>
+                <a:cs typeface="Helvetica Neue" panose="02000503000000020004" pitchFamily="2" charset="0"/>
+                <a:hlinkClick r:id="rId16"/>
+              </a:rPr>
+              <a:t>0098978</a:t>
+            </a:r>
+            <a:r>
+              <a:rPr lang="en-US" sz="1400" dirty="0">
+                <a:latin typeface="Helvetica Neue" panose="02000503000000020004" pitchFamily="2" charset="0"/>
+                <a:ea typeface="Helvetica Neue" panose="02000503000000020004" pitchFamily="2" charset="0"/>
+                <a:cs typeface="Helvetica Neue" panose="02000503000000020004" pitchFamily="2" charset="0"/>
+              </a:rPr>
+              <a:t>) with other genes targeted in recent human evolution</a:t>
+            </a:r>
+          </a:p>
+          <a:p>
+            <a:pPr marL="285750" indent="-285750">
+              <a:buFont typeface="Arial" panose="020B0604020202020204" pitchFamily="34" charset="0"/>
+              <a:buChar char="•"/>
+            </a:pPr>
+            <a:endParaRPr lang="en-US" sz="1400" dirty="0">
+              <a:latin typeface="Helvetica Neue" panose="02000503000000020004" pitchFamily="2" charset="0"/>
+              <a:ea typeface="Helvetica Neue" panose="02000503000000020004" pitchFamily="2" charset="0"/>
+              <a:cs typeface="Helvetica Neue" panose="02000503000000020004" pitchFamily="2" charset="0"/>
+            </a:endParaRPr>
+          </a:p>
+          <a:p>
+            <a:pPr marL="285750" indent="-285750">
+              <a:buFont typeface="Arial" panose="020B0604020202020204" pitchFamily="34" charset="0"/>
+              <a:buChar char="•"/>
+            </a:pPr>
+            <a:endParaRPr lang="en-US" sz="1400" dirty="0">
+              <a:latin typeface="Helvetica Neue" panose="02000503000000020004" pitchFamily="2" charset="0"/>
+              <a:ea typeface="Helvetica Neue" panose="02000503000000020004" pitchFamily="2" charset="0"/>
+              <a:cs typeface="Helvetica Neue" panose="02000503000000020004" pitchFamily="2" charset="0"/>
+            </a:endParaRPr>
+          </a:p>
+          <a:p>
+            <a:pPr marL="285750" indent="-285750">
+              <a:buFont typeface="Arial" panose="020B0604020202020204" pitchFamily="34" charset="0"/>
+              <a:buChar char="•"/>
+            </a:pPr>
+            <a:endParaRPr lang="en-US" sz="1400" dirty="0">
+              <a:latin typeface="Helvetica Neue" panose="02000503000000020004" pitchFamily="2" charset="0"/>
+              <a:ea typeface="Helvetica Neue" panose="02000503000000020004" pitchFamily="2" charset="0"/>
+              <a:cs typeface="Helvetica Neue" panose="02000503000000020004" pitchFamily="2" charset="0"/>
+            </a:endParaRPr>
+          </a:p>
+          <a:p>
+            <a:pPr marL="285750" indent="-285750">
+              <a:buFont typeface="Arial" panose="020B0604020202020204" pitchFamily="34" charset="0"/>
+              <a:buChar char="•"/>
+            </a:pPr>
+            <a:endParaRPr lang="en-US" sz="1400" dirty="0">
+              <a:latin typeface="Helvetica Neue" panose="02000503000000020004" pitchFamily="2" charset="0"/>
+              <a:ea typeface="Helvetica Neue" panose="02000503000000020004" pitchFamily="2" charset="0"/>
+              <a:cs typeface="Helvetica Neue" panose="02000503000000020004" pitchFamily="2" charset="0"/>
+            </a:endParaRPr>
+          </a:p>
+          <a:p>
+            <a:endParaRPr lang="ca-ES" sz="1600" dirty="0">
+              <a:latin typeface="Helvetica Neue" panose="02000503000000020004" pitchFamily="2" charset="0"/>
+              <a:ea typeface="Helvetica Neue" panose="02000503000000020004" pitchFamily="2" charset="0"/>
+              <a:cs typeface="Helvetica Neue" panose="02000503000000020004" pitchFamily="2" charset="0"/>
+            </a:endParaRPr>
+          </a:p>
+          <a:p>
             <a:endParaRPr lang="en-ES" sz="1600" dirty="0">
               <a:latin typeface="Helvetica Neue" panose="02000503000000020004" pitchFamily="2" charset="0"/>
               <a:ea typeface="Helvetica Neue" panose="02000503000000020004" pitchFamily="2" charset="0"/>
@@ -4178,8 +4341,8 @@
         </p:nvSpPr>
         <p:spPr>
           <a:xfrm>
-            <a:off x="164325" y="4838283"/>
-            <a:ext cx="3712546" cy="1046440"/>
+            <a:off x="223645" y="4685505"/>
+            <a:ext cx="3586687" cy="954107"/>
           </a:xfrm>
           <a:prstGeom prst="rect">
             <a:avLst/>
@@ -4193,25 +4356,79 @@
           <a:lstStyle/>
           <a:p>
             <a:r>
-              <a:rPr lang="en-ES" sz="1600" b="1" dirty="0">
+              <a:rPr lang="ca-ES" sz="1400" b="1" dirty="0">
+                <a:latin typeface="Helvetica Neue" panose="02000503000000020004" pitchFamily="2" charset="0"/>
+                <a:ea typeface="Helvetica Neue" panose="02000503000000020004" pitchFamily="2" charset="0"/>
+                <a:cs typeface="Helvetica Neue" panose="02000503000000020004" pitchFamily="2" charset="0"/>
+              </a:rPr>
+              <a:t>Shared </a:t>
+            </a:r>
+            <a:r>
+              <a:rPr lang="en-ES" sz="1400" b="1" dirty="0">
                 <a:latin typeface="Helvetica Neue" panose="02000503000000020004" pitchFamily="2" charset="0"/>
                 <a:ea typeface="Helvetica Neue" panose="02000503000000020004" pitchFamily="2" charset="0"/>
                 <a:cs typeface="Helvetica Neue" panose="02000503000000020004" pitchFamily="2" charset="0"/>
               </a:rPr>
               <a:t>Differences:</a:t>
             </a:r>
-          </a:p>
-          <a:p>
+            <a:r>
+              <a:rPr lang="ca-ES" sz="1400" b="1" dirty="0">
+                <a:latin typeface="Helvetica Neue" panose="02000503000000020004" pitchFamily="2" charset="0"/>
+                <a:ea typeface="Helvetica Neue" panose="02000503000000020004" pitchFamily="2" charset="0"/>
+                <a:cs typeface="Helvetica Neue" panose="02000503000000020004" pitchFamily="2" charset="0"/>
+              </a:rPr>
+              <a:t> </a:t>
+            </a:r>
             <a:r>
               <a:rPr lang="en-US" sz="1400" dirty="0">
                 <a:latin typeface="Helvetica Neue" panose="02000503000000020004" pitchFamily="2" charset="0"/>
                 <a:ea typeface="Helvetica Neue" panose="02000503000000020004" pitchFamily="2" charset="0"/>
                 <a:cs typeface="Helvetica Neue" panose="02000503000000020004" pitchFamily="2" charset="0"/>
               </a:rPr>
-              <a:t>Braincase shape &amp; size</a:t>
-            </a:r>
-            <a:r>
-              <a:rPr lang="en-ES" sz="1400" dirty="0">
+              <a:t>Craniofacial alterations, a</a:t>
+            </a:r>
+            <a:r>
+              <a:rPr lang="ca-ES" sz="1400" dirty="0" err="1">
+                <a:latin typeface="Helvetica Neue" panose="02000503000000020004" pitchFamily="2" charset="0"/>
+                <a:ea typeface="Helvetica Neue" panose="02000503000000020004" pitchFamily="2" charset="0"/>
+                <a:cs typeface="Helvetica Neue" panose="02000503000000020004" pitchFamily="2" charset="0"/>
+              </a:rPr>
+              <a:t>ttenuated</a:t>
+            </a:r>
+            <a:r>
+              <a:rPr lang="ca-ES" sz="1400" dirty="0">
+                <a:latin typeface="Helvetica Neue" panose="02000503000000020004" pitchFamily="2" charset="0"/>
+                <a:ea typeface="Helvetica Neue" panose="02000503000000020004" pitchFamily="2" charset="0"/>
+                <a:cs typeface="Helvetica Neue" panose="02000503000000020004" pitchFamily="2" charset="0"/>
+              </a:rPr>
+              <a:t> </a:t>
+            </a:r>
+            <a:r>
+              <a:rPr lang="ca-ES" sz="1400" dirty="0" err="1">
+                <a:latin typeface="Helvetica Neue" panose="02000503000000020004" pitchFamily="2" charset="0"/>
+                <a:ea typeface="Helvetica Neue" panose="02000503000000020004" pitchFamily="2" charset="0"/>
+                <a:cs typeface="Helvetica Neue" panose="02000503000000020004" pitchFamily="2" charset="0"/>
+              </a:rPr>
+              <a:t>stress</a:t>
+            </a:r>
+            <a:r>
+              <a:rPr lang="ca-ES" sz="1400" dirty="0">
+                <a:latin typeface="Helvetica Neue" panose="02000503000000020004" pitchFamily="2" charset="0"/>
+                <a:ea typeface="Helvetica Neue" panose="02000503000000020004" pitchFamily="2" charset="0"/>
+                <a:cs typeface="Helvetica Neue" panose="02000503000000020004" pitchFamily="2" charset="0"/>
+              </a:rPr>
+              <a:t> </a:t>
+            </a:r>
+            <a:r>
+              <a:rPr lang="ca-ES" sz="1400" dirty="0" err="1">
+                <a:latin typeface="Helvetica Neue" panose="02000503000000020004" pitchFamily="2" charset="0"/>
+                <a:ea typeface="Helvetica Neue" panose="02000503000000020004" pitchFamily="2" charset="0"/>
+                <a:cs typeface="Helvetica Neue" panose="02000503000000020004" pitchFamily="2" charset="0"/>
+              </a:rPr>
+              <a:t>signaling</a:t>
+            </a:r>
+            <a:r>
+              <a:rPr lang="ca-ES" sz="1400" dirty="0">
                 <a:latin typeface="Helvetica Neue" panose="02000503000000020004" pitchFamily="2" charset="0"/>
                 <a:ea typeface="Helvetica Neue" panose="02000503000000020004" pitchFamily="2" charset="0"/>
                 <a:cs typeface="Helvetica Neue" panose="02000503000000020004" pitchFamily="2" charset="0"/>
@@ -4219,15 +4436,47 @@
               <a:t>, </a:t>
             </a:r>
             <a:r>
-              <a:rPr lang="en-US" sz="1400" dirty="0" err="1">
-                <a:latin typeface="Helvetica Neue" panose="02000503000000020004" pitchFamily="2" charset="0"/>
-                <a:ea typeface="Helvetica Neue" panose="02000503000000020004" pitchFamily="2" charset="0"/>
-                <a:cs typeface="Helvetica Neue" panose="02000503000000020004" pitchFamily="2" charset="0"/>
-              </a:rPr>
-              <a:t>browridge</a:t>
-            </a:r>
-            <a:r>
-              <a:rPr lang="en-ES" sz="1400" dirty="0">
+              <a:rPr lang="ca-ES" sz="1400" dirty="0" err="1">
+                <a:latin typeface="Helvetica Neue" panose="02000503000000020004" pitchFamily="2" charset="0"/>
+                <a:ea typeface="Helvetica Neue" panose="02000503000000020004" pitchFamily="2" charset="0"/>
+                <a:cs typeface="Helvetica Neue" panose="02000503000000020004" pitchFamily="2" charset="0"/>
+              </a:rPr>
+              <a:t>reduced</a:t>
+            </a:r>
+            <a:r>
+              <a:rPr lang="ca-ES" sz="1400" dirty="0">
+                <a:latin typeface="Helvetica Neue" panose="02000503000000020004" pitchFamily="2" charset="0"/>
+                <a:ea typeface="Helvetica Neue" panose="02000503000000020004" pitchFamily="2" charset="0"/>
+                <a:cs typeface="Helvetica Neue" panose="02000503000000020004" pitchFamily="2" charset="0"/>
+              </a:rPr>
+              <a:t> </a:t>
+            </a:r>
+            <a:r>
+              <a:rPr lang="ca-ES" sz="1400" dirty="0" err="1">
+                <a:latin typeface="Helvetica Neue" panose="02000503000000020004" pitchFamily="2" charset="0"/>
+                <a:ea typeface="Helvetica Neue" panose="02000503000000020004" pitchFamily="2" charset="0"/>
+                <a:cs typeface="Helvetica Neue" panose="02000503000000020004" pitchFamily="2" charset="0"/>
+              </a:rPr>
+              <a:t>reactive</a:t>
+            </a:r>
+            <a:r>
+              <a:rPr lang="ca-ES" sz="1400" dirty="0">
+                <a:latin typeface="Helvetica Neue" panose="02000503000000020004" pitchFamily="2" charset="0"/>
+                <a:ea typeface="Helvetica Neue" panose="02000503000000020004" pitchFamily="2" charset="0"/>
+                <a:cs typeface="Helvetica Neue" panose="02000503000000020004" pitchFamily="2" charset="0"/>
+              </a:rPr>
+              <a:t> </a:t>
+            </a:r>
+            <a:r>
+              <a:rPr lang="ca-ES" sz="1400" dirty="0" err="1">
+                <a:latin typeface="Helvetica Neue" panose="02000503000000020004" pitchFamily="2" charset="0"/>
+                <a:ea typeface="Helvetica Neue" panose="02000503000000020004" pitchFamily="2" charset="0"/>
+                <a:cs typeface="Helvetica Neue" panose="02000503000000020004" pitchFamily="2" charset="0"/>
+              </a:rPr>
+              <a:t>aggression</a:t>
+            </a:r>
+            <a:r>
+              <a:rPr lang="ca-ES" sz="1400" dirty="0">
                 <a:latin typeface="Helvetica Neue" panose="02000503000000020004" pitchFamily="2" charset="0"/>
                 <a:ea typeface="Helvetica Neue" panose="02000503000000020004" pitchFamily="2" charset="0"/>
                 <a:cs typeface="Helvetica Neue" panose="02000503000000020004" pitchFamily="2" charset="0"/>
@@ -4235,49 +4484,30 @@
               <a:t>, </a:t>
             </a:r>
             <a:r>
-              <a:rPr lang="en-US" sz="1400" dirty="0">
-                <a:latin typeface="Helvetica Neue" panose="02000503000000020004" pitchFamily="2" charset="0"/>
-                <a:ea typeface="Helvetica Neue" panose="02000503000000020004" pitchFamily="2" charset="0"/>
-                <a:cs typeface="Helvetica Neue" panose="02000503000000020004" pitchFamily="2" charset="0"/>
-              </a:rPr>
-              <a:t>nasal bone</a:t>
-            </a:r>
-            <a:r>
-              <a:rPr lang="en-ES" sz="1400" dirty="0">
-                <a:latin typeface="Helvetica Neue" panose="02000503000000020004" pitchFamily="2" charset="0"/>
-                <a:ea typeface="Helvetica Neue" panose="02000503000000020004" pitchFamily="2" charset="0"/>
-                <a:cs typeface="Helvetica Neue" panose="02000503000000020004" pitchFamily="2" charset="0"/>
-              </a:rPr>
-              <a:t>, </a:t>
-            </a:r>
-            <a:r>
-              <a:rPr lang="en-US" sz="1400" dirty="0">
-                <a:latin typeface="Helvetica Neue" panose="02000503000000020004" pitchFamily="2" charset="0"/>
-                <a:ea typeface="Helvetica Neue" panose="02000503000000020004" pitchFamily="2" charset="0"/>
-                <a:cs typeface="Helvetica Neue" panose="02000503000000020004" pitchFamily="2" charset="0"/>
-              </a:rPr>
-              <a:t>tooth size, jaw </a:t>
-            </a:r>
-            <a:r>
-              <a:rPr lang="en-US" sz="1400" dirty="0" err="1">
-                <a:latin typeface="Helvetica Neue" panose="02000503000000020004" pitchFamily="2" charset="0"/>
-                <a:ea typeface="Helvetica Neue" panose="02000503000000020004" pitchFamily="2" charset="0"/>
-                <a:cs typeface="Helvetica Neue" panose="02000503000000020004" pitchFamily="2" charset="0"/>
-              </a:rPr>
-              <a:t>progession</a:t>
-            </a:r>
-            <a:endParaRPr lang="en-ES" sz="1400" dirty="0">
-              <a:latin typeface="Helvetica Neue" panose="02000503000000020004" pitchFamily="2" charset="0"/>
-              <a:ea typeface="Helvetica Neue" panose="02000503000000020004" pitchFamily="2" charset="0"/>
-              <a:cs typeface="Helvetica Neue" panose="02000503000000020004" pitchFamily="2" charset="0"/>
-            </a:endParaRPr>
-          </a:p>
-          <a:p>
-            <a:pPr marL="285750" indent="-285750">
-              <a:buFontTx/>
-              <a:buChar char="-"/>
-            </a:pPr>
-            <a:endParaRPr lang="en-ES" dirty="0">
+              <a:rPr lang="ca-ES" sz="1400" dirty="0" err="1">
+                <a:latin typeface="Helvetica Neue" panose="02000503000000020004" pitchFamily="2" charset="0"/>
+                <a:ea typeface="Helvetica Neue" panose="02000503000000020004" pitchFamily="2" charset="0"/>
+                <a:cs typeface="Helvetica Neue" panose="02000503000000020004" pitchFamily="2" charset="0"/>
+              </a:rPr>
+              <a:t>increased</a:t>
+            </a:r>
+            <a:r>
+              <a:rPr lang="ca-ES" sz="1400" dirty="0">
+                <a:latin typeface="Helvetica Neue" panose="02000503000000020004" pitchFamily="2" charset="0"/>
+                <a:ea typeface="Helvetica Neue" panose="02000503000000020004" pitchFamily="2" charset="0"/>
+                <a:cs typeface="Helvetica Neue" panose="02000503000000020004" pitchFamily="2" charset="0"/>
+              </a:rPr>
+              <a:t> social </a:t>
+            </a:r>
+            <a:r>
+              <a:rPr lang="ca-ES" sz="1400" dirty="0" err="1">
+                <a:latin typeface="Helvetica Neue" panose="02000503000000020004" pitchFamily="2" charset="0"/>
+                <a:ea typeface="Helvetica Neue" panose="02000503000000020004" pitchFamily="2" charset="0"/>
+                <a:cs typeface="Helvetica Neue" panose="02000503000000020004" pitchFamily="2" charset="0"/>
+              </a:rPr>
+              <a:t>exploration</a:t>
+            </a:r>
+            <a:endParaRPr lang="ca-ES" sz="1400" dirty="0">
               <a:latin typeface="Helvetica Neue" panose="02000503000000020004" pitchFamily="2" charset="0"/>
               <a:ea typeface="Helvetica Neue" panose="02000503000000020004" pitchFamily="2" charset="0"/>
               <a:cs typeface="Helvetica Neue" panose="02000503000000020004" pitchFamily="2" charset="0"/>
@@ -4315,42 +4545,12 @@
           </a:prstGeom>
         </p:spPr>
       </p:pic>
-      <p:pic>
-        <p:nvPicPr>
-          <p:cNvPr id="24" name="Picture 23" descr="Chart, scatter chart&#10;&#10;Description automatically generated">
+      <p:sp>
+        <p:nvSpPr>
+          <p:cNvPr id="8" name="Rectangle 7">
             <a:extLst>
               <a:ext uri="{FF2B5EF4-FFF2-40B4-BE49-F238E27FC236}">
-                <a16:creationId xmlns:a16="http://schemas.microsoft.com/office/drawing/2014/main" id="{4AB8BB49-9CEB-7849-9945-BCABC00C7017}"/>
-              </a:ext>
-            </a:extLst>
-          </p:cNvPr>
-          <p:cNvPicPr>
-            <a:picLocks noChangeAspect="1"/>
-          </p:cNvPicPr>
-          <p:nvPr/>
-        </p:nvPicPr>
-        <p:blipFill>
-          <a:blip r:embed="rId18"/>
-          <a:stretch>
-            <a:fillRect/>
-          </a:stretch>
-        </p:blipFill>
-        <p:spPr>
-          <a:xfrm>
-            <a:off x="9230428" y="6109920"/>
-            <a:ext cx="2961883" cy="2961883"/>
-          </a:xfrm>
-          <a:prstGeom prst="rect">
-            <a:avLst/>
-          </a:prstGeom>
-        </p:spPr>
-      </p:pic>
-      <p:sp>
-        <p:nvSpPr>
-          <p:cNvPr id="30" name="Rectangle 29">
-            <a:extLst>
-              <a:ext uri="{FF2B5EF4-FFF2-40B4-BE49-F238E27FC236}">
-                <a16:creationId xmlns:a16="http://schemas.microsoft.com/office/drawing/2014/main" id="{0DF81BAB-3639-6D40-9592-52E58F384751}"/>
+                <a16:creationId xmlns:a16="http://schemas.microsoft.com/office/drawing/2014/main" id="{76638D92-A7B3-FA41-8BAA-D75A5A4C5966}"/>
               </a:ext>
             </a:extLst>
           </p:cNvPr>
@@ -4359,16 +4559,16 @@
         </p:nvSpPr>
         <p:spPr>
           <a:xfrm>
-            <a:off x="9298651" y="1875569"/>
-            <a:ext cx="3367872" cy="3891837"/>
+            <a:off x="478937" y="44146"/>
+            <a:ext cx="9162015" cy="1327253"/>
           </a:xfrm>
           <a:prstGeom prst="rect">
             <a:avLst/>
           </a:prstGeom>
           <a:solidFill>
-            <a:schemeClr val="accent2">
-              <a:lumMod val="40000"/>
-              <a:lumOff val="60000"/>
+            <a:schemeClr val="accent1">
+              <a:lumMod val="60000"/>
+              <a:lumOff val="40000"/>
               <a:alpha val="6000"/>
             </a:schemeClr>
           </a:solidFill>
@@ -4397,7 +4597,1693 @@
           <a:lstStyle/>
           <a:p>
             <a:pPr algn="ctr"/>
-            <a:endParaRPr lang="en-ES"/>
+            <a:endParaRPr lang="en-ES" dirty="0"/>
+          </a:p>
+        </p:txBody>
+      </p:sp>
+      <p:sp>
+        <p:nvSpPr>
+          <p:cNvPr id="34" name="TextBox 33">
+            <a:extLst>
+              <a:ext uri="{FF2B5EF4-FFF2-40B4-BE49-F238E27FC236}">
+                <a16:creationId xmlns:a16="http://schemas.microsoft.com/office/drawing/2014/main" id="{1CCED512-AAE8-4C23-8AD9-59574AE3AE88}"/>
+              </a:ext>
+            </a:extLst>
+          </p:cNvPr>
+          <p:cNvSpPr txBox="1"/>
+          <p:nvPr/>
+        </p:nvSpPr>
+        <p:spPr>
+          <a:xfrm>
+            <a:off x="213281" y="8615773"/>
+            <a:ext cx="3013854" cy="830997"/>
+          </a:xfrm>
+          <a:prstGeom prst="rect">
+            <a:avLst/>
+          </a:prstGeom>
+          <a:noFill/>
+        </p:spPr>
+        <p:txBody>
+          <a:bodyPr wrap="square" rtlCol="0">
+            <a:spAutoFit/>
+          </a:bodyPr>
+          <a:lstStyle/>
+          <a:p>
+            <a:r>
+              <a:rPr lang="ca-ES" sz="1200" b="1" dirty="0">
+                <a:latin typeface="Helvetica Neue" panose="02000503000000020004" pitchFamily="2" charset="0"/>
+                <a:ea typeface="Helvetica Neue" panose="02000503000000020004" pitchFamily="2" charset="0"/>
+                <a:cs typeface="Helvetica Neue" panose="02000503000000020004" pitchFamily="2" charset="0"/>
+              </a:rPr>
+              <a:t>e. </a:t>
+            </a:r>
+            <a:r>
+              <a:rPr lang="ca-ES" sz="1200" dirty="0" err="1">
+                <a:latin typeface="Helvetica Neue" panose="02000503000000020004" pitchFamily="2" charset="0"/>
+                <a:ea typeface="Helvetica Neue" panose="02000503000000020004" pitchFamily="2" charset="0"/>
+                <a:cs typeface="Helvetica Neue" panose="02000503000000020004" pitchFamily="2" charset="0"/>
+              </a:rPr>
+              <a:t>Glutamatergic</a:t>
+            </a:r>
+            <a:r>
+              <a:rPr lang="ca-ES" sz="1200" dirty="0">
+                <a:latin typeface="Helvetica Neue" panose="02000503000000020004" pitchFamily="2" charset="0"/>
+                <a:ea typeface="Helvetica Neue" panose="02000503000000020004" pitchFamily="2" charset="0"/>
+                <a:cs typeface="Helvetica Neue" panose="02000503000000020004" pitchFamily="2" charset="0"/>
+              </a:rPr>
+              <a:t> </a:t>
+            </a:r>
+            <a:r>
+              <a:rPr lang="ca-ES" sz="1200" dirty="0" err="1">
+                <a:latin typeface="Helvetica Neue" panose="02000503000000020004" pitchFamily="2" charset="0"/>
+                <a:ea typeface="Helvetica Neue" panose="02000503000000020004" pitchFamily="2" charset="0"/>
+                <a:cs typeface="Helvetica Neue" panose="02000503000000020004" pitchFamily="2" charset="0"/>
+              </a:rPr>
+              <a:t>signaling</a:t>
+            </a:r>
+            <a:r>
+              <a:rPr lang="ca-ES" sz="1200" dirty="0">
+                <a:latin typeface="Helvetica Neue" panose="02000503000000020004" pitchFamily="2" charset="0"/>
+                <a:ea typeface="Helvetica Neue" panose="02000503000000020004" pitchFamily="2" charset="0"/>
+                <a:cs typeface="Helvetica Neue" panose="02000503000000020004" pitchFamily="2" charset="0"/>
+              </a:rPr>
+              <a:t> </a:t>
+            </a:r>
+            <a:r>
+              <a:rPr lang="ca-ES" sz="1200" dirty="0" err="1">
+                <a:latin typeface="Helvetica Neue" panose="02000503000000020004" pitchFamily="2" charset="0"/>
+                <a:ea typeface="Helvetica Neue" panose="02000503000000020004" pitchFamily="2" charset="0"/>
+                <a:cs typeface="Helvetica Neue" panose="02000503000000020004" pitchFamily="2" charset="0"/>
+              </a:rPr>
+              <a:t>gene</a:t>
+            </a:r>
+            <a:r>
+              <a:rPr lang="ca-ES" sz="1200" dirty="0">
+                <a:latin typeface="Helvetica Neue" panose="02000503000000020004" pitchFamily="2" charset="0"/>
+                <a:ea typeface="Helvetica Neue" panose="02000503000000020004" pitchFamily="2" charset="0"/>
+                <a:cs typeface="Helvetica Neue" panose="02000503000000020004" pitchFamily="2" charset="0"/>
+              </a:rPr>
+              <a:t> variants </a:t>
+            </a:r>
+            <a:r>
+              <a:rPr lang="ca-ES" sz="1200" dirty="0" err="1">
+                <a:latin typeface="Helvetica Neue" panose="02000503000000020004" pitchFamily="2" charset="0"/>
+                <a:ea typeface="Helvetica Neue" panose="02000503000000020004" pitchFamily="2" charset="0"/>
+                <a:cs typeface="Helvetica Neue" panose="02000503000000020004" pitchFamily="2" charset="0"/>
+              </a:rPr>
+              <a:t>are</a:t>
+            </a:r>
+            <a:r>
+              <a:rPr lang="ca-ES" sz="1200" dirty="0">
+                <a:latin typeface="Helvetica Neue" panose="02000503000000020004" pitchFamily="2" charset="0"/>
+                <a:ea typeface="Helvetica Neue" panose="02000503000000020004" pitchFamily="2" charset="0"/>
+                <a:cs typeface="Helvetica Neue" panose="02000503000000020004" pitchFamily="2" charset="0"/>
+              </a:rPr>
+              <a:t> </a:t>
+            </a:r>
+            <a:r>
+              <a:rPr lang="ca-ES" sz="1200" dirty="0" err="1">
+                <a:latin typeface="Helvetica Neue" panose="02000503000000020004" pitchFamily="2" charset="0"/>
+                <a:ea typeface="Helvetica Neue" panose="02000503000000020004" pitchFamily="2" charset="0"/>
+                <a:cs typeface="Helvetica Neue" panose="02000503000000020004" pitchFamily="2" charset="0"/>
+              </a:rPr>
+              <a:t>significantly</a:t>
+            </a:r>
+            <a:r>
+              <a:rPr lang="ca-ES" sz="1200" dirty="0">
+                <a:latin typeface="Helvetica Neue" panose="02000503000000020004" pitchFamily="2" charset="0"/>
+                <a:ea typeface="Helvetica Neue" panose="02000503000000020004" pitchFamily="2" charset="0"/>
+                <a:cs typeface="Helvetica Neue" panose="02000503000000020004" pitchFamily="2" charset="0"/>
+              </a:rPr>
+              <a:t> </a:t>
+            </a:r>
+            <a:r>
+              <a:rPr lang="ca-ES" sz="1200" dirty="0" err="1">
+                <a:latin typeface="Helvetica Neue" panose="02000503000000020004" pitchFamily="2" charset="0"/>
+                <a:ea typeface="Helvetica Neue" panose="02000503000000020004" pitchFamily="2" charset="0"/>
+                <a:cs typeface="Helvetica Neue" panose="02000503000000020004" pitchFamily="2" charset="0"/>
+              </a:rPr>
+              <a:t>downregulated</a:t>
+            </a:r>
+            <a:r>
+              <a:rPr lang="ca-ES" sz="1200" dirty="0">
+                <a:latin typeface="Helvetica Neue" panose="02000503000000020004" pitchFamily="2" charset="0"/>
+                <a:ea typeface="Helvetica Neue" panose="02000503000000020004" pitchFamily="2" charset="0"/>
+                <a:cs typeface="Helvetica Neue" panose="02000503000000020004" pitchFamily="2" charset="0"/>
+              </a:rPr>
+              <a:t> (p &lt; 0.01) </a:t>
+            </a:r>
+            <a:r>
+              <a:rPr lang="ca-ES" sz="1200" dirty="0" err="1">
+                <a:latin typeface="Helvetica Neue" panose="02000503000000020004" pitchFamily="2" charset="0"/>
+                <a:ea typeface="Helvetica Neue" panose="02000503000000020004" pitchFamily="2" charset="0"/>
+                <a:cs typeface="Helvetica Neue" panose="02000503000000020004" pitchFamily="2" charset="0"/>
+              </a:rPr>
+              <a:t>compared</a:t>
+            </a:r>
+            <a:r>
+              <a:rPr lang="ca-ES" sz="1200" dirty="0">
+                <a:latin typeface="Helvetica Neue" panose="02000503000000020004" pitchFamily="2" charset="0"/>
+                <a:ea typeface="Helvetica Neue" panose="02000503000000020004" pitchFamily="2" charset="0"/>
+                <a:cs typeface="Helvetica Neue" panose="02000503000000020004" pitchFamily="2" charset="0"/>
+              </a:rPr>
+              <a:t> to non-</a:t>
+            </a:r>
+            <a:r>
+              <a:rPr lang="ca-ES" sz="1200" dirty="0" err="1">
+                <a:latin typeface="Helvetica Neue" panose="02000503000000020004" pitchFamily="2" charset="0"/>
+                <a:ea typeface="Helvetica Neue" panose="02000503000000020004" pitchFamily="2" charset="0"/>
+                <a:cs typeface="Helvetica Neue" panose="02000503000000020004" pitchFamily="2" charset="0"/>
+              </a:rPr>
+              <a:t>glutamatergic</a:t>
+            </a:r>
+            <a:r>
+              <a:rPr lang="ca-ES" sz="1200" dirty="0">
+                <a:latin typeface="Helvetica Neue" panose="02000503000000020004" pitchFamily="2" charset="0"/>
+                <a:ea typeface="Helvetica Neue" panose="02000503000000020004" pitchFamily="2" charset="0"/>
+                <a:cs typeface="Helvetica Neue" panose="02000503000000020004" pitchFamily="2" charset="0"/>
+              </a:rPr>
+              <a:t> variants </a:t>
+            </a:r>
+            <a:r>
+              <a:rPr lang="ca-ES" sz="1200" dirty="0" err="1">
+                <a:latin typeface="Helvetica Neue" panose="02000503000000020004" pitchFamily="2" charset="0"/>
+                <a:ea typeface="Helvetica Neue" panose="02000503000000020004" pitchFamily="2" charset="0"/>
+                <a:cs typeface="Helvetica Neue" panose="02000503000000020004" pitchFamily="2" charset="0"/>
+              </a:rPr>
+              <a:t>when</a:t>
+            </a:r>
+            <a:r>
+              <a:rPr lang="ca-ES" sz="1200" dirty="0">
+                <a:latin typeface="Helvetica Neue" panose="02000503000000020004" pitchFamily="2" charset="0"/>
+                <a:ea typeface="Helvetica Neue" panose="02000503000000020004" pitchFamily="2" charset="0"/>
+                <a:cs typeface="Helvetica Neue" panose="02000503000000020004" pitchFamily="2" charset="0"/>
+              </a:rPr>
+              <a:t> </a:t>
+            </a:r>
+            <a:r>
+              <a:rPr lang="ca-ES" sz="1200" dirty="0" err="1">
+                <a:latin typeface="Helvetica Neue" panose="02000503000000020004" pitchFamily="2" charset="0"/>
+                <a:ea typeface="Helvetica Neue" panose="02000503000000020004" pitchFamily="2" charset="0"/>
+                <a:cs typeface="Helvetica Neue" panose="02000503000000020004" pitchFamily="2" charset="0"/>
+              </a:rPr>
+              <a:t>averaged</a:t>
+            </a:r>
+            <a:r>
+              <a:rPr lang="ca-ES" sz="1200" dirty="0">
+                <a:latin typeface="Helvetica Neue" panose="02000503000000020004" pitchFamily="2" charset="0"/>
+                <a:ea typeface="Helvetica Neue" panose="02000503000000020004" pitchFamily="2" charset="0"/>
+                <a:cs typeface="Helvetica Neue" panose="02000503000000020004" pitchFamily="2" charset="0"/>
+              </a:rPr>
+              <a:t> </a:t>
+            </a:r>
+            <a:r>
+              <a:rPr lang="ca-ES" sz="1200" dirty="0" err="1">
+                <a:latin typeface="Helvetica Neue" panose="02000503000000020004" pitchFamily="2" charset="0"/>
+                <a:ea typeface="Helvetica Neue" panose="02000503000000020004" pitchFamily="2" charset="0"/>
+                <a:cs typeface="Helvetica Neue" panose="02000503000000020004" pitchFamily="2" charset="0"/>
+              </a:rPr>
+              <a:t>across</a:t>
+            </a:r>
+            <a:r>
+              <a:rPr lang="ca-ES" sz="1200" dirty="0">
+                <a:latin typeface="Helvetica Neue" panose="02000503000000020004" pitchFamily="2" charset="0"/>
+                <a:ea typeface="Helvetica Neue" panose="02000503000000020004" pitchFamily="2" charset="0"/>
+                <a:cs typeface="Helvetica Neue" panose="02000503000000020004" pitchFamily="2" charset="0"/>
+              </a:rPr>
+              <a:t> </a:t>
+            </a:r>
+            <a:r>
+              <a:rPr lang="ca-ES" sz="1200" dirty="0" err="1">
+                <a:latin typeface="Helvetica Neue" panose="02000503000000020004" pitchFamily="2" charset="0"/>
+                <a:ea typeface="Helvetica Neue" panose="02000503000000020004" pitchFamily="2" charset="0"/>
+                <a:cs typeface="Helvetica Neue" panose="02000503000000020004" pitchFamily="2" charset="0"/>
+              </a:rPr>
+              <a:t>tissues</a:t>
+            </a:r>
+            <a:r>
+              <a:rPr lang="ca-ES" sz="1200" dirty="0">
+                <a:latin typeface="Helvetica Neue" panose="02000503000000020004" pitchFamily="2" charset="0"/>
+                <a:ea typeface="Helvetica Neue" panose="02000503000000020004" pitchFamily="2" charset="0"/>
+                <a:cs typeface="Helvetica Neue" panose="02000503000000020004" pitchFamily="2" charset="0"/>
+              </a:rPr>
+              <a:t> (</a:t>
+            </a:r>
+            <a:r>
+              <a:rPr lang="ca-ES" sz="1200" dirty="0" err="1">
+                <a:latin typeface="Helvetica Neue" panose="02000503000000020004" pitchFamily="2" charset="0"/>
+                <a:ea typeface="Helvetica Neue" panose="02000503000000020004" pitchFamily="2" charset="0"/>
+                <a:cs typeface="Helvetica Neue" panose="02000503000000020004" pitchFamily="2" charset="0"/>
+              </a:rPr>
+              <a:t>red</a:t>
+            </a:r>
+            <a:r>
+              <a:rPr lang="ca-ES" sz="1200" dirty="0">
+                <a:latin typeface="Helvetica Neue" panose="02000503000000020004" pitchFamily="2" charset="0"/>
+                <a:ea typeface="Helvetica Neue" panose="02000503000000020004" pitchFamily="2" charset="0"/>
+                <a:cs typeface="Helvetica Neue" panose="02000503000000020004" pitchFamily="2" charset="0"/>
+              </a:rPr>
+              <a:t> dots)</a:t>
+            </a:r>
+          </a:p>
+        </p:txBody>
+      </p:sp>
+      <p:sp>
+        <p:nvSpPr>
+          <p:cNvPr id="39" name="TextBox 38">
+            <a:extLst>
+              <a:ext uri="{FF2B5EF4-FFF2-40B4-BE49-F238E27FC236}">
+                <a16:creationId xmlns:a16="http://schemas.microsoft.com/office/drawing/2014/main" id="{246E41C0-C928-4D4E-B1D4-510CC4299359}"/>
+              </a:ext>
+            </a:extLst>
+          </p:cNvPr>
+          <p:cNvSpPr txBox="1"/>
+          <p:nvPr/>
+        </p:nvSpPr>
+        <p:spPr>
+          <a:xfrm>
+            <a:off x="3281479" y="8625211"/>
+            <a:ext cx="3332723" cy="830997"/>
+          </a:xfrm>
+          <a:prstGeom prst="rect">
+            <a:avLst/>
+          </a:prstGeom>
+          <a:noFill/>
+        </p:spPr>
+        <p:txBody>
+          <a:bodyPr wrap="square" rtlCol="0">
+            <a:spAutoFit/>
+          </a:bodyPr>
+          <a:lstStyle/>
+          <a:p>
+            <a:r>
+              <a:rPr lang="ca-ES" sz="1200" b="1" dirty="0">
+                <a:latin typeface="Helvetica Neue" panose="02000503000000020004" pitchFamily="2" charset="0"/>
+                <a:ea typeface="Helvetica Neue" panose="02000503000000020004" pitchFamily="2" charset="0"/>
+                <a:cs typeface="Helvetica Neue" panose="02000503000000020004" pitchFamily="2" charset="0"/>
+              </a:rPr>
+              <a:t>f</a:t>
+            </a:r>
+            <a:r>
+              <a:rPr lang="en-ES" sz="1200" b="1" dirty="0">
+                <a:latin typeface="Helvetica Neue" panose="02000503000000020004" pitchFamily="2" charset="0"/>
+                <a:ea typeface="Helvetica Neue" panose="02000503000000020004" pitchFamily="2" charset="0"/>
+                <a:cs typeface="Helvetica Neue" panose="02000503000000020004" pitchFamily="2" charset="0"/>
+              </a:rPr>
+              <a:t>:</a:t>
+            </a:r>
+            <a:r>
+              <a:rPr lang="ca-ES" sz="1200" b="1" dirty="0">
+                <a:latin typeface="Helvetica Neue" panose="02000503000000020004" pitchFamily="2" charset="0"/>
+                <a:ea typeface="Helvetica Neue" panose="02000503000000020004" pitchFamily="2" charset="0"/>
+                <a:cs typeface="Helvetica Neue" panose="02000503000000020004" pitchFamily="2" charset="0"/>
+              </a:rPr>
+              <a:t> </a:t>
+            </a:r>
+            <a:r>
+              <a:rPr lang="ca-ES" sz="1200" b="1" dirty="0" err="1">
+                <a:latin typeface="Helvetica Neue" panose="02000503000000020004" pitchFamily="2" charset="0"/>
+                <a:ea typeface="Helvetica Neue" panose="02000503000000020004" pitchFamily="2" charset="0"/>
+                <a:cs typeface="Helvetica Neue" panose="02000503000000020004" pitchFamily="2" charset="0"/>
+              </a:rPr>
+              <a:t>R</a:t>
+            </a:r>
+            <a:r>
+              <a:rPr lang="ca-ES" sz="1200" dirty="0" err="1">
+                <a:latin typeface="Helvetica Neue" panose="02000503000000020004" pitchFamily="2" charset="0"/>
+                <a:ea typeface="Helvetica Neue" panose="02000503000000020004" pitchFamily="2" charset="0"/>
+                <a:cs typeface="Helvetica Neue" panose="02000503000000020004" pitchFamily="2" charset="0"/>
+              </a:rPr>
+              <a:t>ange</a:t>
+            </a:r>
+            <a:r>
+              <a:rPr lang="ca-ES" sz="1200" dirty="0">
+                <a:latin typeface="Helvetica Neue" panose="02000503000000020004" pitchFamily="2" charset="0"/>
+                <a:ea typeface="Helvetica Neue" panose="02000503000000020004" pitchFamily="2" charset="0"/>
+                <a:cs typeface="Helvetica Neue" panose="02000503000000020004" pitchFamily="2" charset="0"/>
+              </a:rPr>
+              <a:t> of up- </a:t>
+            </a:r>
+            <a:r>
+              <a:rPr lang="ca-ES" sz="1200" dirty="0" err="1">
+                <a:latin typeface="Helvetica Neue" panose="02000503000000020004" pitchFamily="2" charset="0"/>
+                <a:ea typeface="Helvetica Neue" panose="02000503000000020004" pitchFamily="2" charset="0"/>
+                <a:cs typeface="Helvetica Neue" panose="02000503000000020004" pitchFamily="2" charset="0"/>
+              </a:rPr>
+              <a:t>and</a:t>
+            </a:r>
+            <a:r>
+              <a:rPr lang="ca-ES" sz="1200" dirty="0">
+                <a:latin typeface="Helvetica Neue" panose="02000503000000020004" pitchFamily="2" charset="0"/>
+                <a:ea typeface="Helvetica Neue" panose="02000503000000020004" pitchFamily="2" charset="0"/>
+                <a:cs typeface="Helvetica Neue" panose="02000503000000020004" pitchFamily="2" charset="0"/>
+              </a:rPr>
+              <a:t> </a:t>
+            </a:r>
+            <a:r>
+              <a:rPr lang="ca-ES" sz="1200" dirty="0" err="1">
+                <a:latin typeface="Helvetica Neue" panose="02000503000000020004" pitchFamily="2" charset="0"/>
+                <a:ea typeface="Helvetica Neue" panose="02000503000000020004" pitchFamily="2" charset="0"/>
+                <a:cs typeface="Helvetica Neue" panose="02000503000000020004" pitchFamily="2" charset="0"/>
+              </a:rPr>
+              <a:t>downregulated</a:t>
+            </a:r>
+            <a:r>
+              <a:rPr lang="ca-ES" sz="1200" dirty="0">
+                <a:latin typeface="Helvetica Neue" panose="02000503000000020004" pitchFamily="2" charset="0"/>
+                <a:ea typeface="Helvetica Neue" panose="02000503000000020004" pitchFamily="2" charset="0"/>
+                <a:cs typeface="Helvetica Neue" panose="02000503000000020004" pitchFamily="2" charset="0"/>
+              </a:rPr>
+              <a:t> </a:t>
+            </a:r>
+            <a:r>
+              <a:rPr lang="ca-ES" sz="1200" dirty="0" err="1">
+                <a:latin typeface="Helvetica Neue" panose="02000503000000020004" pitchFamily="2" charset="0"/>
+                <a:ea typeface="Helvetica Neue" panose="02000503000000020004" pitchFamily="2" charset="0"/>
+                <a:cs typeface="Helvetica Neue" panose="02000503000000020004" pitchFamily="2" charset="0"/>
+              </a:rPr>
+              <a:t>expression</a:t>
+            </a:r>
+            <a:r>
+              <a:rPr lang="ca-ES" sz="1200" dirty="0">
+                <a:latin typeface="Helvetica Neue" panose="02000503000000020004" pitchFamily="2" charset="0"/>
+                <a:ea typeface="Helvetica Neue" panose="02000503000000020004" pitchFamily="2" charset="0"/>
+                <a:cs typeface="Helvetica Neue" panose="02000503000000020004" pitchFamily="2" charset="0"/>
+              </a:rPr>
+              <a:t> for individual </a:t>
+            </a:r>
+            <a:r>
+              <a:rPr lang="ca-ES" sz="1200" dirty="0" err="1">
+                <a:latin typeface="Helvetica Neue" panose="02000503000000020004" pitchFamily="2" charset="0"/>
+                <a:ea typeface="Helvetica Neue" panose="02000503000000020004" pitchFamily="2" charset="0"/>
+                <a:cs typeface="Helvetica Neue" panose="02000503000000020004" pitchFamily="2" charset="0"/>
+              </a:rPr>
+              <a:t>glutamatergic</a:t>
+            </a:r>
+            <a:r>
+              <a:rPr lang="ca-ES" sz="1200" dirty="0">
+                <a:latin typeface="Helvetica Neue" panose="02000503000000020004" pitchFamily="2" charset="0"/>
+                <a:ea typeface="Helvetica Neue" panose="02000503000000020004" pitchFamily="2" charset="0"/>
+                <a:cs typeface="Helvetica Neue" panose="02000503000000020004" pitchFamily="2" charset="0"/>
+              </a:rPr>
+              <a:t> </a:t>
+            </a:r>
+            <a:r>
+              <a:rPr lang="ca-ES" sz="1200" dirty="0" err="1">
+                <a:latin typeface="Helvetica Neue" panose="02000503000000020004" pitchFamily="2" charset="0"/>
+                <a:ea typeface="Helvetica Neue" panose="02000503000000020004" pitchFamily="2" charset="0"/>
+                <a:cs typeface="Helvetica Neue" panose="02000503000000020004" pitchFamily="2" charset="0"/>
+              </a:rPr>
+              <a:t>signaling</a:t>
+            </a:r>
+            <a:r>
+              <a:rPr lang="ca-ES" sz="1200" dirty="0">
+                <a:latin typeface="Helvetica Neue" panose="02000503000000020004" pitchFamily="2" charset="0"/>
+                <a:ea typeface="Helvetica Neue" panose="02000503000000020004" pitchFamily="2" charset="0"/>
+                <a:cs typeface="Helvetica Neue" panose="02000503000000020004" pitchFamily="2" charset="0"/>
+              </a:rPr>
+              <a:t> </a:t>
+            </a:r>
+            <a:r>
+              <a:rPr lang="ca-ES" sz="1200" dirty="0" err="1">
+                <a:latin typeface="Helvetica Neue" panose="02000503000000020004" pitchFamily="2" charset="0"/>
+                <a:ea typeface="Helvetica Neue" panose="02000503000000020004" pitchFamily="2" charset="0"/>
+                <a:cs typeface="Helvetica Neue" panose="02000503000000020004" pitchFamily="2" charset="0"/>
+              </a:rPr>
+              <a:t>gene</a:t>
+            </a:r>
+            <a:r>
+              <a:rPr lang="ca-ES" sz="1200" dirty="0">
+                <a:latin typeface="Helvetica Neue" panose="02000503000000020004" pitchFamily="2" charset="0"/>
+                <a:ea typeface="Helvetica Neue" panose="02000503000000020004" pitchFamily="2" charset="0"/>
+                <a:cs typeface="Helvetica Neue" panose="02000503000000020004" pitchFamily="2" charset="0"/>
+              </a:rPr>
+              <a:t> versus non-</a:t>
+            </a:r>
+            <a:r>
+              <a:rPr lang="ca-ES" sz="1200" dirty="0" err="1">
+                <a:latin typeface="Helvetica Neue" panose="02000503000000020004" pitchFamily="2" charset="0"/>
+                <a:ea typeface="Helvetica Neue" panose="02000503000000020004" pitchFamily="2" charset="0"/>
+                <a:cs typeface="Helvetica Neue" panose="02000503000000020004" pitchFamily="2" charset="0"/>
+              </a:rPr>
+              <a:t>glutamatergic</a:t>
+            </a:r>
+            <a:r>
+              <a:rPr lang="ca-ES" sz="1200" dirty="0">
+                <a:latin typeface="Helvetica Neue" panose="02000503000000020004" pitchFamily="2" charset="0"/>
+                <a:ea typeface="Helvetica Neue" panose="02000503000000020004" pitchFamily="2" charset="0"/>
+                <a:cs typeface="Helvetica Neue" panose="02000503000000020004" pitchFamily="2" charset="0"/>
+              </a:rPr>
+              <a:t> variants. </a:t>
+            </a:r>
+            <a:r>
+              <a:rPr lang="ca-ES" sz="1200" dirty="0" err="1">
+                <a:latin typeface="Helvetica Neue" panose="02000503000000020004" pitchFamily="2" charset="0"/>
+                <a:ea typeface="Helvetica Neue" panose="02000503000000020004" pitchFamily="2" charset="0"/>
+                <a:cs typeface="Helvetica Neue" panose="02000503000000020004" pitchFamily="2" charset="0"/>
+              </a:rPr>
+              <a:t>Horizontal</a:t>
+            </a:r>
+            <a:r>
+              <a:rPr lang="ca-ES" sz="1200" dirty="0">
+                <a:latin typeface="Helvetica Neue" panose="02000503000000020004" pitchFamily="2" charset="0"/>
+                <a:ea typeface="Helvetica Neue" panose="02000503000000020004" pitchFamily="2" charset="0"/>
+                <a:cs typeface="Helvetica Neue" panose="02000503000000020004" pitchFamily="2" charset="0"/>
+              </a:rPr>
+              <a:t> </a:t>
+            </a:r>
+            <a:r>
+              <a:rPr lang="ca-ES" sz="1200" dirty="0" err="1">
+                <a:latin typeface="Helvetica Neue" panose="02000503000000020004" pitchFamily="2" charset="0"/>
+                <a:ea typeface="Helvetica Neue" panose="02000503000000020004" pitchFamily="2" charset="0"/>
+                <a:cs typeface="Helvetica Neue" panose="02000503000000020004" pitchFamily="2" charset="0"/>
+              </a:rPr>
+              <a:t>lines</a:t>
+            </a:r>
+            <a:r>
+              <a:rPr lang="ca-ES" sz="1200" dirty="0">
+                <a:latin typeface="Helvetica Neue" panose="02000503000000020004" pitchFamily="2" charset="0"/>
+                <a:ea typeface="Helvetica Neue" panose="02000503000000020004" pitchFamily="2" charset="0"/>
+                <a:cs typeface="Helvetica Neue" panose="02000503000000020004" pitchFamily="2" charset="0"/>
+              </a:rPr>
+              <a:t> </a:t>
+            </a:r>
+            <a:r>
+              <a:rPr lang="ca-ES" sz="1200" dirty="0" err="1">
+                <a:latin typeface="Helvetica Neue" panose="02000503000000020004" pitchFamily="2" charset="0"/>
+                <a:ea typeface="Helvetica Neue" panose="02000503000000020004" pitchFamily="2" charset="0"/>
+                <a:cs typeface="Helvetica Neue" panose="02000503000000020004" pitchFamily="2" charset="0"/>
+              </a:rPr>
+              <a:t>at</a:t>
+            </a:r>
+            <a:r>
+              <a:rPr lang="ca-ES" sz="1200" dirty="0">
+                <a:latin typeface="Helvetica Neue" panose="02000503000000020004" pitchFamily="2" charset="0"/>
+                <a:ea typeface="Helvetica Neue" panose="02000503000000020004" pitchFamily="2" charset="0"/>
+                <a:cs typeface="Helvetica Neue" panose="02000503000000020004" pitchFamily="2" charset="0"/>
+              </a:rPr>
+              <a:t> zero </a:t>
+            </a:r>
+            <a:r>
+              <a:rPr lang="ca-ES" sz="1200" dirty="0" err="1">
+                <a:latin typeface="Helvetica Neue" panose="02000503000000020004" pitchFamily="2" charset="0"/>
+                <a:ea typeface="Helvetica Neue" panose="02000503000000020004" pitchFamily="2" charset="0"/>
+                <a:cs typeface="Helvetica Neue" panose="02000503000000020004" pitchFamily="2" charset="0"/>
+              </a:rPr>
+              <a:t>denote</a:t>
+            </a:r>
+            <a:r>
+              <a:rPr lang="ca-ES" sz="1200" dirty="0">
+                <a:latin typeface="Helvetica Neue" panose="02000503000000020004" pitchFamily="2" charset="0"/>
+                <a:ea typeface="Helvetica Neue" panose="02000503000000020004" pitchFamily="2" charset="0"/>
+                <a:cs typeface="Helvetica Neue" panose="02000503000000020004" pitchFamily="2" charset="0"/>
+              </a:rPr>
+              <a:t> no </a:t>
+            </a:r>
+            <a:r>
+              <a:rPr lang="ca-ES" sz="1200" dirty="0" err="1">
+                <a:latin typeface="Helvetica Neue" panose="02000503000000020004" pitchFamily="2" charset="0"/>
+                <a:ea typeface="Helvetica Neue" panose="02000503000000020004" pitchFamily="2" charset="0"/>
+                <a:cs typeface="Helvetica Neue" panose="02000503000000020004" pitchFamily="2" charset="0"/>
+              </a:rPr>
+              <a:t>change</a:t>
+            </a:r>
+            <a:r>
+              <a:rPr lang="ca-ES" sz="1200" dirty="0">
+                <a:latin typeface="Helvetica Neue" panose="02000503000000020004" pitchFamily="2" charset="0"/>
+                <a:ea typeface="Helvetica Neue" panose="02000503000000020004" pitchFamily="2" charset="0"/>
+                <a:cs typeface="Helvetica Neue" panose="02000503000000020004" pitchFamily="2" charset="0"/>
+              </a:rPr>
+              <a:t> in </a:t>
+            </a:r>
+            <a:r>
+              <a:rPr lang="ca-ES" sz="1200" dirty="0" err="1">
+                <a:latin typeface="Helvetica Neue" panose="02000503000000020004" pitchFamily="2" charset="0"/>
+                <a:ea typeface="Helvetica Neue" panose="02000503000000020004" pitchFamily="2" charset="0"/>
+                <a:cs typeface="Helvetica Neue" panose="02000503000000020004" pitchFamily="2" charset="0"/>
+              </a:rPr>
+              <a:t>expression</a:t>
+            </a:r>
+            <a:endParaRPr lang="ca-ES" sz="1200" dirty="0">
+              <a:latin typeface="Helvetica Neue" panose="02000503000000020004" pitchFamily="2" charset="0"/>
+              <a:ea typeface="Helvetica Neue" panose="02000503000000020004" pitchFamily="2" charset="0"/>
+              <a:cs typeface="Helvetica Neue" panose="02000503000000020004" pitchFamily="2" charset="0"/>
+            </a:endParaRPr>
+          </a:p>
+        </p:txBody>
+      </p:sp>
+      <p:sp>
+        <p:nvSpPr>
+          <p:cNvPr id="41" name="TextBox 40">
+            <a:extLst>
+              <a:ext uri="{FF2B5EF4-FFF2-40B4-BE49-F238E27FC236}">
+                <a16:creationId xmlns:a16="http://schemas.microsoft.com/office/drawing/2014/main" id="{FD07F753-8908-4C69-9CC7-DC21C3A89870}"/>
+              </a:ext>
+            </a:extLst>
+          </p:cNvPr>
+          <p:cNvSpPr txBox="1"/>
+          <p:nvPr/>
+        </p:nvSpPr>
+        <p:spPr>
+          <a:xfrm>
+            <a:off x="81415" y="1994476"/>
+            <a:ext cx="322733" cy="369332"/>
+          </a:xfrm>
+          <a:prstGeom prst="rect">
+            <a:avLst/>
+          </a:prstGeom>
+          <a:noFill/>
+        </p:spPr>
+        <p:txBody>
+          <a:bodyPr wrap="square">
+            <a:spAutoFit/>
+          </a:bodyPr>
+          <a:lstStyle/>
+          <a:p>
+            <a:r>
+              <a:rPr lang="ca-ES" sz="1800" dirty="0">
+                <a:effectLst/>
+                <a:latin typeface="Helvetica Neue" panose="020B0604020202020204" charset="0"/>
+                <a:ea typeface="Calibri" panose="020F0502020204030204" pitchFamily="34" charset="0"/>
+                <a:cs typeface="Times New Roman" panose="02020603050405020304" pitchFamily="18" charset="0"/>
+              </a:rPr>
+              <a:t>a</a:t>
+            </a:r>
+            <a:endParaRPr lang="en-IE" dirty="0">
+              <a:latin typeface="Helvetica Neue" panose="020B0604020202020204" charset="0"/>
+            </a:endParaRPr>
+          </a:p>
+        </p:txBody>
+      </p:sp>
+      <p:pic>
+        <p:nvPicPr>
+          <p:cNvPr id="45" name="Picture 44">
+            <a:extLst>
+              <a:ext uri="{FF2B5EF4-FFF2-40B4-BE49-F238E27FC236}">
+                <a16:creationId xmlns:a16="http://schemas.microsoft.com/office/drawing/2014/main" id="{73C32A85-2E64-49BF-BA33-8129AA4B464A}"/>
+              </a:ext>
+            </a:extLst>
+          </p:cNvPr>
+          <p:cNvPicPr>
+            <a:picLocks noChangeAspect="1"/>
+          </p:cNvPicPr>
+          <p:nvPr/>
+        </p:nvPicPr>
+        <p:blipFill>
+          <a:blip r:embed="rId18"/>
+          <a:stretch>
+            <a:fillRect/>
+          </a:stretch>
+        </p:blipFill>
+        <p:spPr>
+          <a:xfrm>
+            <a:off x="6579264" y="2239627"/>
+            <a:ext cx="2644389" cy="1505865"/>
+          </a:xfrm>
+          <a:prstGeom prst="rect">
+            <a:avLst/>
+          </a:prstGeom>
+        </p:spPr>
+      </p:pic>
+      <p:pic>
+        <p:nvPicPr>
+          <p:cNvPr id="97" name="Picture 96" descr="A picture containing text, vector graphics&#10;&#10;Description automatically generated">
+            <a:extLst>
+              <a:ext uri="{FF2B5EF4-FFF2-40B4-BE49-F238E27FC236}">
+                <a16:creationId xmlns:a16="http://schemas.microsoft.com/office/drawing/2014/main" id="{F78767A0-BC60-4D6D-BC19-533893D5CDF3}"/>
+              </a:ext>
+            </a:extLst>
+          </p:cNvPr>
+          <p:cNvPicPr>
+            <a:picLocks noChangeAspect="1"/>
+          </p:cNvPicPr>
+          <p:nvPr/>
+        </p:nvPicPr>
+        <p:blipFill>
+          <a:blip r:embed="rId19"/>
+          <a:stretch>
+            <a:fillRect/>
+          </a:stretch>
+        </p:blipFill>
+        <p:spPr>
+          <a:xfrm>
+            <a:off x="6424654" y="3947315"/>
+            <a:ext cx="3087105" cy="1361958"/>
+          </a:xfrm>
+          <a:prstGeom prst="rect">
+            <a:avLst/>
+          </a:prstGeom>
+        </p:spPr>
+      </p:pic>
+      <p:sp>
+        <p:nvSpPr>
+          <p:cNvPr id="98" name="TextBox 97">
+            <a:extLst>
+              <a:ext uri="{FF2B5EF4-FFF2-40B4-BE49-F238E27FC236}">
+                <a16:creationId xmlns:a16="http://schemas.microsoft.com/office/drawing/2014/main" id="{74831B42-2820-4308-B244-0251150D532C}"/>
+              </a:ext>
+            </a:extLst>
+          </p:cNvPr>
+          <p:cNvSpPr txBox="1"/>
+          <p:nvPr/>
+        </p:nvSpPr>
+        <p:spPr>
+          <a:xfrm>
+            <a:off x="6427787" y="3743207"/>
+            <a:ext cx="3438369" cy="246221"/>
+          </a:xfrm>
+          <a:prstGeom prst="rect">
+            <a:avLst/>
+          </a:prstGeom>
+          <a:noFill/>
+        </p:spPr>
+        <p:txBody>
+          <a:bodyPr wrap="square" rtlCol="0">
+            <a:spAutoFit/>
+          </a:bodyPr>
+          <a:lstStyle/>
+          <a:p>
+            <a:r>
+              <a:rPr lang="en-ES" sz="1000" dirty="0">
+                <a:latin typeface="Helvetica Neue" panose="02000503000000020004" pitchFamily="2" charset="0"/>
+                <a:ea typeface="Helvetica Neue" panose="02000503000000020004" pitchFamily="2" charset="0"/>
+                <a:cs typeface="Helvetica Neue" panose="02000503000000020004" pitchFamily="2" charset="0"/>
+              </a:rPr>
+              <a:t>O’Rourke &amp; Boeckx 2020</a:t>
+            </a:r>
+            <a:r>
+              <a:rPr lang="ca-ES" sz="1000" dirty="0">
+                <a:latin typeface="Helvetica Neue" panose="02000503000000020004" pitchFamily="2" charset="0"/>
+                <a:ea typeface="Helvetica Neue" panose="02000503000000020004" pitchFamily="2" charset="0"/>
+                <a:cs typeface="Helvetica Neue" panose="02000503000000020004" pitchFamily="2" charset="0"/>
+              </a:rPr>
+              <a:t>,</a:t>
+            </a:r>
+            <a:r>
+              <a:rPr lang="en-ES" sz="1000" dirty="0">
+                <a:latin typeface="Helvetica Neue" panose="02000503000000020004" pitchFamily="2" charset="0"/>
+                <a:ea typeface="Helvetica Neue" panose="02000503000000020004" pitchFamily="2" charset="0"/>
+                <a:cs typeface="Helvetica Neue" panose="02000503000000020004" pitchFamily="2" charset="0"/>
+              </a:rPr>
+              <a:t> </a:t>
+            </a:r>
+            <a:r>
+              <a:rPr lang="en-ES" sz="1000" i="1" dirty="0">
+                <a:latin typeface="Helvetica Neue" panose="02000503000000020004" pitchFamily="2" charset="0"/>
+                <a:ea typeface="Helvetica Neue" panose="02000503000000020004" pitchFamily="2" charset="0"/>
+                <a:cs typeface="Helvetica Neue" panose="02000503000000020004" pitchFamily="2" charset="0"/>
+              </a:rPr>
+              <a:t>Neurosci. Biobehav. Rev</a:t>
+            </a:r>
+            <a:r>
+              <a:rPr lang="en-ES" sz="1000" dirty="0">
+                <a:latin typeface="Helvetica Neue" panose="02000503000000020004" pitchFamily="2" charset="0"/>
+                <a:ea typeface="Helvetica Neue" panose="02000503000000020004" pitchFamily="2" charset="0"/>
+                <a:cs typeface="Helvetica Neue" panose="02000503000000020004" pitchFamily="2" charset="0"/>
+              </a:rPr>
+              <a:t>.  </a:t>
+            </a:r>
+          </a:p>
+        </p:txBody>
+      </p:sp>
+      <p:sp>
+        <p:nvSpPr>
+          <p:cNvPr id="99" name="TextBox 98">
+            <a:extLst>
+              <a:ext uri="{FF2B5EF4-FFF2-40B4-BE49-F238E27FC236}">
+                <a16:creationId xmlns:a16="http://schemas.microsoft.com/office/drawing/2014/main" id="{A88AC1EA-3B6B-44E0-8FDB-1E564F383CBF}"/>
+              </a:ext>
+            </a:extLst>
+          </p:cNvPr>
+          <p:cNvSpPr txBox="1"/>
+          <p:nvPr/>
+        </p:nvSpPr>
+        <p:spPr>
+          <a:xfrm>
+            <a:off x="6807413" y="5141101"/>
+            <a:ext cx="2668937" cy="246221"/>
+          </a:xfrm>
+          <a:prstGeom prst="rect">
+            <a:avLst/>
+          </a:prstGeom>
+          <a:noFill/>
+        </p:spPr>
+        <p:txBody>
+          <a:bodyPr wrap="square" rtlCol="0">
+            <a:spAutoFit/>
+          </a:bodyPr>
+          <a:lstStyle/>
+          <a:p>
+            <a:r>
+              <a:rPr lang="en-ES" sz="1000" dirty="0">
+                <a:latin typeface="Helvetica Neue" panose="02000503000000020004" pitchFamily="2" charset="0"/>
+                <a:ea typeface="Helvetica Neue" panose="02000503000000020004" pitchFamily="2" charset="0"/>
+                <a:cs typeface="Helvetica Neue" panose="02000503000000020004" pitchFamily="2" charset="0"/>
+              </a:rPr>
+              <a:t>O’Rourke </a:t>
+            </a:r>
+            <a:r>
+              <a:rPr lang="ca-ES" sz="1000" dirty="0">
+                <a:latin typeface="Helvetica Neue" panose="02000503000000020004" pitchFamily="2" charset="0"/>
+                <a:ea typeface="Helvetica Neue" panose="02000503000000020004" pitchFamily="2" charset="0"/>
+                <a:cs typeface="Helvetica Neue" panose="02000503000000020004" pitchFamily="2" charset="0"/>
+              </a:rPr>
+              <a:t>et al. 2021 </a:t>
+            </a:r>
+            <a:r>
+              <a:rPr lang="ca-ES" sz="1000" i="1" dirty="0" err="1">
+                <a:latin typeface="Helvetica Neue" panose="02000503000000020004" pitchFamily="2" charset="0"/>
+                <a:ea typeface="Helvetica Neue" panose="02000503000000020004" pitchFamily="2" charset="0"/>
+                <a:cs typeface="Helvetica Neue" panose="02000503000000020004" pitchFamily="2" charset="0"/>
+              </a:rPr>
+              <a:t>Trends</a:t>
+            </a:r>
+            <a:r>
+              <a:rPr lang="ca-ES" sz="1000" i="1" dirty="0">
+                <a:latin typeface="Helvetica Neue" panose="02000503000000020004" pitchFamily="2" charset="0"/>
+                <a:ea typeface="Helvetica Neue" panose="02000503000000020004" pitchFamily="2" charset="0"/>
+                <a:cs typeface="Helvetica Neue" panose="02000503000000020004" pitchFamily="2" charset="0"/>
+              </a:rPr>
+              <a:t> </a:t>
+            </a:r>
+            <a:r>
+              <a:rPr lang="ca-ES" sz="1000" i="1" dirty="0" err="1">
+                <a:latin typeface="Helvetica Neue" panose="02000503000000020004" pitchFamily="2" charset="0"/>
+                <a:ea typeface="Helvetica Neue" panose="02000503000000020004" pitchFamily="2" charset="0"/>
+                <a:cs typeface="Helvetica Neue" panose="02000503000000020004" pitchFamily="2" charset="0"/>
+              </a:rPr>
+              <a:t>Cogn</a:t>
+            </a:r>
+            <a:r>
+              <a:rPr lang="ca-ES" sz="1000" i="1" dirty="0">
+                <a:latin typeface="Helvetica Neue" panose="02000503000000020004" pitchFamily="2" charset="0"/>
+                <a:ea typeface="Helvetica Neue" panose="02000503000000020004" pitchFamily="2" charset="0"/>
+                <a:cs typeface="Helvetica Neue" panose="02000503000000020004" pitchFamily="2" charset="0"/>
+              </a:rPr>
+              <a:t>. </a:t>
+            </a:r>
+            <a:r>
+              <a:rPr lang="ca-ES" sz="1000" i="1" dirty="0" err="1">
+                <a:latin typeface="Helvetica Neue" panose="02000503000000020004" pitchFamily="2" charset="0"/>
+                <a:ea typeface="Helvetica Neue" panose="02000503000000020004" pitchFamily="2" charset="0"/>
+                <a:cs typeface="Helvetica Neue" panose="02000503000000020004" pitchFamily="2" charset="0"/>
+              </a:rPr>
+              <a:t>Sci</a:t>
+            </a:r>
+            <a:r>
+              <a:rPr lang="ca-ES" sz="1000" i="1" dirty="0">
+                <a:latin typeface="Helvetica Neue" panose="02000503000000020004" pitchFamily="2" charset="0"/>
+                <a:ea typeface="Helvetica Neue" panose="02000503000000020004" pitchFamily="2" charset="0"/>
+                <a:cs typeface="Helvetica Neue" panose="02000503000000020004" pitchFamily="2" charset="0"/>
+              </a:rPr>
+              <a:t>.</a:t>
+            </a:r>
+            <a:endParaRPr lang="en-ES" sz="1000" dirty="0">
+              <a:latin typeface="Helvetica Neue" panose="02000503000000020004" pitchFamily="2" charset="0"/>
+              <a:ea typeface="Helvetica Neue" panose="02000503000000020004" pitchFamily="2" charset="0"/>
+              <a:cs typeface="Helvetica Neue" panose="02000503000000020004" pitchFamily="2" charset="0"/>
+            </a:endParaRPr>
+          </a:p>
+        </p:txBody>
+      </p:sp>
+      <p:sp>
+        <p:nvSpPr>
+          <p:cNvPr id="35" name="TextBox 34">
+            <a:extLst>
+              <a:ext uri="{FF2B5EF4-FFF2-40B4-BE49-F238E27FC236}">
+                <a16:creationId xmlns:a16="http://schemas.microsoft.com/office/drawing/2014/main" id="{73A88F4B-1224-1B45-9376-E80BBBCDDF23}"/>
+              </a:ext>
+            </a:extLst>
+          </p:cNvPr>
+          <p:cNvSpPr txBox="1"/>
+          <p:nvPr/>
+        </p:nvSpPr>
+        <p:spPr>
+          <a:xfrm>
+            <a:off x="11398679" y="1443818"/>
+            <a:ext cx="1214205" cy="307777"/>
+          </a:xfrm>
+          <a:prstGeom prst="rect">
+            <a:avLst/>
+          </a:prstGeom>
+          <a:noFill/>
+        </p:spPr>
+        <p:txBody>
+          <a:bodyPr wrap="square" rtlCol="0">
+            <a:spAutoFit/>
+          </a:bodyPr>
+          <a:lstStyle/>
+          <a:p>
+            <a:r>
+              <a:rPr lang="en-US" sz="1400" dirty="0">
+                <a:latin typeface="Helvetica Neue" panose="020B0604020202020204" charset="0"/>
+                <a:ea typeface="Helvetica Neue" panose="02000503000000020004" pitchFamily="2" charset="0"/>
+                <a:cs typeface="Helvetica Neue" panose="02000503000000020004" pitchFamily="2" charset="0"/>
+                <a:hlinkClick r:id="rId20"/>
+              </a:rPr>
+              <a:t>GitHub repo</a:t>
+            </a:r>
+            <a:endParaRPr lang="en-ES" sz="1400" dirty="0">
+              <a:latin typeface="Helvetica Neue" panose="020B0604020202020204" charset="0"/>
+              <a:ea typeface="Helvetica Neue" panose="02000503000000020004" pitchFamily="2" charset="0"/>
+              <a:cs typeface="Helvetica Neue" panose="02000503000000020004" pitchFamily="2" charset="0"/>
+            </a:endParaRPr>
+          </a:p>
+        </p:txBody>
+      </p:sp>
+      <p:sp>
+        <p:nvSpPr>
+          <p:cNvPr id="44" name="TextBox 43">
+            <a:extLst>
+              <a:ext uri="{FF2B5EF4-FFF2-40B4-BE49-F238E27FC236}">
+                <a16:creationId xmlns:a16="http://schemas.microsoft.com/office/drawing/2014/main" id="{8521B35E-2E77-4FE8-90BE-1F6997142482}"/>
+              </a:ext>
+            </a:extLst>
+          </p:cNvPr>
+          <p:cNvSpPr txBox="1"/>
+          <p:nvPr/>
+        </p:nvSpPr>
+        <p:spPr>
+          <a:xfrm>
+            <a:off x="3381794" y="2000006"/>
+            <a:ext cx="322733" cy="369332"/>
+          </a:xfrm>
+          <a:prstGeom prst="rect">
+            <a:avLst/>
+          </a:prstGeom>
+          <a:noFill/>
+        </p:spPr>
+        <p:txBody>
+          <a:bodyPr wrap="square">
+            <a:spAutoFit/>
+          </a:bodyPr>
+          <a:lstStyle/>
+          <a:p>
+            <a:r>
+              <a:rPr lang="ca-ES" dirty="0">
+                <a:latin typeface="Helvetica Neue" panose="020B0604020202020204" charset="0"/>
+                <a:cs typeface="Times New Roman" panose="02020603050405020304" pitchFamily="18" charset="0"/>
+              </a:rPr>
+              <a:t>b</a:t>
+            </a:r>
+            <a:endParaRPr lang="en-IE" dirty="0">
+              <a:latin typeface="Helvetica Neue" panose="020B0604020202020204" charset="0"/>
+            </a:endParaRPr>
+          </a:p>
+        </p:txBody>
+      </p:sp>
+      <p:sp>
+        <p:nvSpPr>
+          <p:cNvPr id="46" name="TextBox 45">
+            <a:extLst>
+              <a:ext uri="{FF2B5EF4-FFF2-40B4-BE49-F238E27FC236}">
+                <a16:creationId xmlns:a16="http://schemas.microsoft.com/office/drawing/2014/main" id="{D9BA7182-5990-4043-BEF1-6DE09B0F724A}"/>
+              </a:ext>
+            </a:extLst>
+          </p:cNvPr>
+          <p:cNvSpPr txBox="1"/>
+          <p:nvPr/>
+        </p:nvSpPr>
+        <p:spPr>
+          <a:xfrm>
+            <a:off x="6317443" y="2001045"/>
+            <a:ext cx="322733" cy="369332"/>
+          </a:xfrm>
+          <a:prstGeom prst="rect">
+            <a:avLst/>
+          </a:prstGeom>
+          <a:noFill/>
+        </p:spPr>
+        <p:txBody>
+          <a:bodyPr wrap="square">
+            <a:spAutoFit/>
+          </a:bodyPr>
+          <a:lstStyle/>
+          <a:p>
+            <a:r>
+              <a:rPr lang="ca-ES" dirty="0">
+                <a:latin typeface="Helvetica Neue" panose="020B0604020202020204" charset="0"/>
+                <a:cs typeface="Times New Roman" panose="02020603050405020304" pitchFamily="18" charset="0"/>
+              </a:rPr>
+              <a:t>c</a:t>
+            </a:r>
+            <a:endParaRPr lang="en-IE" dirty="0">
+              <a:latin typeface="Helvetica Neue" panose="020B0604020202020204" charset="0"/>
+            </a:endParaRPr>
+          </a:p>
+        </p:txBody>
+      </p:sp>
+      <p:sp>
+        <p:nvSpPr>
+          <p:cNvPr id="47" name="TextBox 46">
+            <a:extLst>
+              <a:ext uri="{FF2B5EF4-FFF2-40B4-BE49-F238E27FC236}">
+                <a16:creationId xmlns:a16="http://schemas.microsoft.com/office/drawing/2014/main" id="{C42CA489-E5A1-443E-A759-7D69C7DAD191}"/>
+              </a:ext>
+            </a:extLst>
+          </p:cNvPr>
+          <p:cNvSpPr txBox="1"/>
+          <p:nvPr/>
+        </p:nvSpPr>
+        <p:spPr>
+          <a:xfrm>
+            <a:off x="9350392" y="2000277"/>
+            <a:ext cx="322733" cy="369332"/>
+          </a:xfrm>
+          <a:prstGeom prst="rect">
+            <a:avLst/>
+          </a:prstGeom>
+          <a:noFill/>
+        </p:spPr>
+        <p:txBody>
+          <a:bodyPr wrap="square">
+            <a:spAutoFit/>
+          </a:bodyPr>
+          <a:lstStyle/>
+          <a:p>
+            <a:r>
+              <a:rPr lang="ca-ES" dirty="0">
+                <a:latin typeface="Helvetica Neue" panose="020B0604020202020204" charset="0"/>
+                <a:cs typeface="Times New Roman" panose="02020603050405020304" pitchFamily="18" charset="0"/>
+              </a:rPr>
+              <a:t>d</a:t>
+            </a:r>
+            <a:endParaRPr lang="en-IE" dirty="0">
+              <a:latin typeface="Helvetica Neue" panose="020B0604020202020204" charset="0"/>
+            </a:endParaRPr>
+          </a:p>
+        </p:txBody>
+      </p:sp>
+      <p:sp>
+        <p:nvSpPr>
+          <p:cNvPr id="42" name="TextBox 41">
+            <a:extLst>
+              <a:ext uri="{FF2B5EF4-FFF2-40B4-BE49-F238E27FC236}">
+                <a16:creationId xmlns:a16="http://schemas.microsoft.com/office/drawing/2014/main" id="{E8DB161D-8049-479B-B1FF-7E99FDAA9F4D}"/>
+              </a:ext>
+            </a:extLst>
+          </p:cNvPr>
+          <p:cNvSpPr txBox="1"/>
+          <p:nvPr/>
+        </p:nvSpPr>
+        <p:spPr>
+          <a:xfrm>
+            <a:off x="6730406" y="8615772"/>
+            <a:ext cx="2977494" cy="830997"/>
+          </a:xfrm>
+          <a:prstGeom prst="rect">
+            <a:avLst/>
+          </a:prstGeom>
+          <a:noFill/>
+        </p:spPr>
+        <p:txBody>
+          <a:bodyPr wrap="square" rtlCol="0">
+            <a:spAutoFit/>
+          </a:bodyPr>
+          <a:lstStyle/>
+          <a:p>
+            <a:r>
+              <a:rPr lang="ca-ES" sz="1200" b="1" dirty="0">
+                <a:latin typeface="Helvetica Neue" panose="02000503000000020004" pitchFamily="2" charset="0"/>
+                <a:ea typeface="Helvetica Neue" panose="02000503000000020004" pitchFamily="2" charset="0"/>
+                <a:cs typeface="Helvetica Neue" panose="02000503000000020004" pitchFamily="2" charset="0"/>
+              </a:rPr>
+              <a:t>g. </a:t>
+            </a:r>
+            <a:r>
+              <a:rPr lang="ca-ES" sz="1200" dirty="0" err="1">
+                <a:latin typeface="Helvetica Neue" panose="02000503000000020004" pitchFamily="2" charset="0"/>
+                <a:ea typeface="Helvetica Neue" panose="02000503000000020004" pitchFamily="2" charset="0"/>
+                <a:cs typeface="Helvetica Neue" panose="02000503000000020004" pitchFamily="2" charset="0"/>
+              </a:rPr>
+              <a:t>Tendency</a:t>
+            </a:r>
+            <a:r>
+              <a:rPr lang="ca-ES" sz="1200" dirty="0">
+                <a:latin typeface="Helvetica Neue" panose="02000503000000020004" pitchFamily="2" charset="0"/>
+                <a:ea typeface="Helvetica Neue" panose="02000503000000020004" pitchFamily="2" charset="0"/>
+                <a:cs typeface="Helvetica Neue" panose="02000503000000020004" pitchFamily="2" charset="0"/>
+              </a:rPr>
+              <a:t> </a:t>
+            </a:r>
+            <a:r>
+              <a:rPr lang="ca-ES" sz="1200" dirty="0" err="1">
+                <a:latin typeface="Helvetica Neue" panose="02000503000000020004" pitchFamily="2" charset="0"/>
+                <a:ea typeface="Helvetica Neue" panose="02000503000000020004" pitchFamily="2" charset="0"/>
+                <a:cs typeface="Helvetica Neue" panose="02000503000000020004" pitchFamily="2" charset="0"/>
+              </a:rPr>
+              <a:t>towards</a:t>
+            </a:r>
+            <a:r>
+              <a:rPr lang="ca-ES" sz="1200" dirty="0">
+                <a:latin typeface="Helvetica Neue" panose="02000503000000020004" pitchFamily="2" charset="0"/>
+                <a:ea typeface="Helvetica Neue" panose="02000503000000020004" pitchFamily="2" charset="0"/>
+                <a:cs typeface="Helvetica Neue" panose="02000503000000020004" pitchFamily="2" charset="0"/>
+              </a:rPr>
+              <a:t> </a:t>
+            </a:r>
+            <a:r>
+              <a:rPr lang="ca-ES" sz="1200" dirty="0" err="1">
+                <a:latin typeface="Helvetica Neue" panose="02000503000000020004" pitchFamily="2" charset="0"/>
+                <a:ea typeface="Helvetica Neue" panose="02000503000000020004" pitchFamily="2" charset="0"/>
+                <a:cs typeface="Helvetica Neue" panose="02000503000000020004" pitchFamily="2" charset="0"/>
+              </a:rPr>
+              <a:t>downregulation</a:t>
+            </a:r>
+            <a:r>
+              <a:rPr lang="ca-ES" sz="1200" dirty="0">
+                <a:latin typeface="Helvetica Neue" panose="02000503000000020004" pitchFamily="2" charset="0"/>
+                <a:ea typeface="Helvetica Neue" panose="02000503000000020004" pitchFamily="2" charset="0"/>
+                <a:cs typeface="Helvetica Neue" panose="02000503000000020004" pitchFamily="2" charset="0"/>
+              </a:rPr>
+              <a:t> of </a:t>
+            </a:r>
+            <a:r>
+              <a:rPr lang="ca-ES" sz="1200" dirty="0" err="1">
+                <a:latin typeface="Helvetica Neue" panose="02000503000000020004" pitchFamily="2" charset="0"/>
+                <a:ea typeface="Helvetica Neue" panose="02000503000000020004" pitchFamily="2" charset="0"/>
+                <a:cs typeface="Helvetica Neue" panose="02000503000000020004" pitchFamily="2" charset="0"/>
+              </a:rPr>
+              <a:t>glutamatergic</a:t>
+            </a:r>
+            <a:r>
+              <a:rPr lang="ca-ES" sz="1200" dirty="0">
+                <a:latin typeface="Helvetica Neue" panose="02000503000000020004" pitchFamily="2" charset="0"/>
+                <a:ea typeface="Helvetica Neue" panose="02000503000000020004" pitchFamily="2" charset="0"/>
+                <a:cs typeface="Helvetica Neue" panose="02000503000000020004" pitchFamily="2" charset="0"/>
+              </a:rPr>
+              <a:t> </a:t>
+            </a:r>
+            <a:r>
+              <a:rPr lang="ca-ES" sz="1200" dirty="0" err="1">
+                <a:latin typeface="Helvetica Neue" panose="02000503000000020004" pitchFamily="2" charset="0"/>
+                <a:ea typeface="Helvetica Neue" panose="02000503000000020004" pitchFamily="2" charset="0"/>
+                <a:cs typeface="Helvetica Neue" panose="02000503000000020004" pitchFamily="2" charset="0"/>
+              </a:rPr>
+              <a:t>signaling</a:t>
+            </a:r>
+            <a:r>
+              <a:rPr lang="ca-ES" sz="1200" dirty="0">
+                <a:latin typeface="Helvetica Neue" panose="02000503000000020004" pitchFamily="2" charset="0"/>
+                <a:ea typeface="Helvetica Neue" panose="02000503000000020004" pitchFamily="2" charset="0"/>
+                <a:cs typeface="Helvetica Neue" panose="02000503000000020004" pitchFamily="2" charset="0"/>
+              </a:rPr>
+              <a:t> </a:t>
+            </a:r>
+            <a:r>
+              <a:rPr lang="ca-ES" sz="1200" dirty="0" err="1">
+                <a:latin typeface="Helvetica Neue" panose="02000503000000020004" pitchFamily="2" charset="0"/>
+                <a:ea typeface="Helvetica Neue" panose="02000503000000020004" pitchFamily="2" charset="0"/>
+                <a:cs typeface="Helvetica Neue" panose="02000503000000020004" pitchFamily="2" charset="0"/>
+              </a:rPr>
+              <a:t>genes</a:t>
+            </a:r>
+            <a:r>
+              <a:rPr lang="ca-ES" sz="1200" dirty="0">
+                <a:latin typeface="Helvetica Neue" panose="02000503000000020004" pitchFamily="2" charset="0"/>
+                <a:ea typeface="Helvetica Neue" panose="02000503000000020004" pitchFamily="2" charset="0"/>
+                <a:cs typeface="Helvetica Neue" panose="02000503000000020004" pitchFamily="2" charset="0"/>
+              </a:rPr>
+              <a:t> </a:t>
+            </a:r>
+            <a:r>
+              <a:rPr lang="ca-ES" sz="1200" dirty="0" err="1">
+                <a:latin typeface="Helvetica Neue" panose="02000503000000020004" pitchFamily="2" charset="0"/>
+                <a:ea typeface="Helvetica Neue" panose="02000503000000020004" pitchFamily="2" charset="0"/>
+                <a:cs typeface="Helvetica Neue" panose="02000503000000020004" pitchFamily="2" charset="0"/>
+              </a:rPr>
+              <a:t>across</a:t>
+            </a:r>
+            <a:r>
+              <a:rPr lang="ca-ES" sz="1200" dirty="0">
+                <a:latin typeface="Helvetica Neue" panose="02000503000000020004" pitchFamily="2" charset="0"/>
+                <a:ea typeface="Helvetica Neue" panose="02000503000000020004" pitchFamily="2" charset="0"/>
+                <a:cs typeface="Helvetica Neue" panose="02000503000000020004" pitchFamily="2" charset="0"/>
+              </a:rPr>
+              <a:t> all </a:t>
+            </a:r>
+            <a:r>
+              <a:rPr lang="ca-ES" sz="1200" dirty="0" err="1">
+                <a:latin typeface="Helvetica Neue" panose="02000503000000020004" pitchFamily="2" charset="0"/>
+                <a:ea typeface="Helvetica Neue" panose="02000503000000020004" pitchFamily="2" charset="0"/>
+                <a:cs typeface="Helvetica Neue" panose="02000503000000020004" pitchFamily="2" charset="0"/>
+              </a:rPr>
+              <a:t>tissues</a:t>
+            </a:r>
+            <a:r>
+              <a:rPr lang="ca-ES" sz="1200" dirty="0">
+                <a:latin typeface="Helvetica Neue" panose="02000503000000020004" pitchFamily="2" charset="0"/>
+                <a:ea typeface="Helvetica Neue" panose="02000503000000020004" pitchFamily="2" charset="0"/>
+                <a:cs typeface="Helvetica Neue" panose="02000503000000020004" pitchFamily="2" charset="0"/>
+              </a:rPr>
+              <a:t> (</a:t>
+            </a:r>
+            <a:r>
+              <a:rPr lang="ca-ES" sz="1200" dirty="0" err="1">
+                <a:latin typeface="Helvetica Neue" panose="02000503000000020004" pitchFamily="2" charset="0"/>
+                <a:ea typeface="Helvetica Neue" panose="02000503000000020004" pitchFamily="2" charset="0"/>
+                <a:cs typeface="Helvetica Neue" panose="02000503000000020004" pitchFamily="2" charset="0"/>
+              </a:rPr>
+              <a:t>purple</a:t>
+            </a:r>
+            <a:r>
+              <a:rPr lang="ca-ES" sz="1200" dirty="0">
+                <a:latin typeface="Helvetica Neue" panose="02000503000000020004" pitchFamily="2" charset="0"/>
+                <a:ea typeface="Helvetica Neue" panose="02000503000000020004" pitchFamily="2" charset="0"/>
+                <a:cs typeface="Helvetica Neue" panose="02000503000000020004" pitchFamily="2" charset="0"/>
+              </a:rPr>
+              <a:t>) </a:t>
+            </a:r>
+            <a:r>
+              <a:rPr lang="ca-ES" sz="1200" dirty="0" err="1">
+                <a:latin typeface="Helvetica Neue" panose="02000503000000020004" pitchFamily="2" charset="0"/>
+                <a:ea typeface="Helvetica Neue" panose="02000503000000020004" pitchFamily="2" charset="0"/>
+                <a:cs typeface="Helvetica Neue" panose="02000503000000020004" pitchFamily="2" charset="0"/>
+              </a:rPr>
+              <a:t>and</a:t>
+            </a:r>
+            <a:r>
+              <a:rPr lang="ca-ES" sz="1200" dirty="0">
+                <a:latin typeface="Helvetica Neue" panose="02000503000000020004" pitchFamily="2" charset="0"/>
+                <a:ea typeface="Helvetica Neue" panose="02000503000000020004" pitchFamily="2" charset="0"/>
+                <a:cs typeface="Helvetica Neue" panose="02000503000000020004" pitchFamily="2" charset="0"/>
+              </a:rPr>
+              <a:t> in </a:t>
+            </a:r>
+            <a:r>
+              <a:rPr lang="ca-ES" sz="1200" dirty="0" err="1">
+                <a:latin typeface="Helvetica Neue" panose="02000503000000020004" pitchFamily="2" charset="0"/>
+                <a:ea typeface="Helvetica Neue" panose="02000503000000020004" pitchFamily="2" charset="0"/>
+                <a:cs typeface="Helvetica Neue" panose="02000503000000020004" pitchFamily="2" charset="0"/>
+              </a:rPr>
+              <a:t>brain</a:t>
+            </a:r>
+            <a:r>
+              <a:rPr lang="ca-ES" sz="1200" dirty="0">
+                <a:latin typeface="Helvetica Neue" panose="02000503000000020004" pitchFamily="2" charset="0"/>
+                <a:ea typeface="Helvetica Neue" panose="02000503000000020004" pitchFamily="2" charset="0"/>
+                <a:cs typeface="Helvetica Neue" panose="02000503000000020004" pitchFamily="2" charset="0"/>
+              </a:rPr>
+              <a:t> </a:t>
+            </a:r>
+            <a:r>
+              <a:rPr lang="ca-ES" sz="1200" dirty="0" err="1">
+                <a:latin typeface="Helvetica Neue" panose="02000503000000020004" pitchFamily="2" charset="0"/>
+                <a:ea typeface="Helvetica Neue" panose="02000503000000020004" pitchFamily="2" charset="0"/>
+                <a:cs typeface="Helvetica Neue" panose="02000503000000020004" pitchFamily="2" charset="0"/>
+              </a:rPr>
+              <a:t>tissues</a:t>
+            </a:r>
+            <a:r>
+              <a:rPr lang="ca-ES" sz="1200" dirty="0">
+                <a:latin typeface="Helvetica Neue" panose="02000503000000020004" pitchFamily="2" charset="0"/>
+                <a:ea typeface="Helvetica Neue" panose="02000503000000020004" pitchFamily="2" charset="0"/>
+                <a:cs typeface="Helvetica Neue" panose="02000503000000020004" pitchFamily="2" charset="0"/>
+              </a:rPr>
+              <a:t> (blue) versus </a:t>
+            </a:r>
+            <a:r>
+              <a:rPr lang="ca-ES" sz="1200" dirty="0" err="1">
+                <a:latin typeface="Helvetica Neue" panose="02000503000000020004" pitchFamily="2" charset="0"/>
+                <a:ea typeface="Helvetica Neue" panose="02000503000000020004" pitchFamily="2" charset="0"/>
+                <a:cs typeface="Helvetica Neue" panose="02000503000000020004" pitchFamily="2" charset="0"/>
+              </a:rPr>
+              <a:t>other</a:t>
+            </a:r>
+            <a:r>
+              <a:rPr lang="ca-ES" sz="1200" dirty="0">
+                <a:latin typeface="Helvetica Neue" panose="02000503000000020004" pitchFamily="2" charset="0"/>
+                <a:ea typeface="Helvetica Neue" panose="02000503000000020004" pitchFamily="2" charset="0"/>
+                <a:cs typeface="Helvetica Neue" panose="02000503000000020004" pitchFamily="2" charset="0"/>
+              </a:rPr>
+              <a:t> </a:t>
+            </a:r>
+            <a:r>
+              <a:rPr lang="ca-ES" sz="1200" dirty="0" err="1">
+                <a:latin typeface="Helvetica Neue" panose="02000503000000020004" pitchFamily="2" charset="0"/>
+                <a:ea typeface="Helvetica Neue" panose="02000503000000020004" pitchFamily="2" charset="0"/>
+                <a:cs typeface="Helvetica Neue" panose="02000503000000020004" pitchFamily="2" charset="0"/>
+              </a:rPr>
+              <a:t>genes</a:t>
+            </a:r>
+            <a:r>
+              <a:rPr lang="ca-ES" sz="1200" dirty="0">
+                <a:latin typeface="Helvetica Neue" panose="02000503000000020004" pitchFamily="2" charset="0"/>
+                <a:ea typeface="Helvetica Neue" panose="02000503000000020004" pitchFamily="2" charset="0"/>
+                <a:cs typeface="Helvetica Neue" panose="02000503000000020004" pitchFamily="2" charset="0"/>
+              </a:rPr>
+              <a:t> (</a:t>
+            </a:r>
+            <a:r>
+              <a:rPr lang="ca-ES" sz="1200" dirty="0" err="1">
+                <a:latin typeface="Helvetica Neue" panose="02000503000000020004" pitchFamily="2" charset="0"/>
+                <a:ea typeface="Helvetica Neue" panose="02000503000000020004" pitchFamily="2" charset="0"/>
+                <a:cs typeface="Helvetica Neue" panose="02000503000000020004" pitchFamily="2" charset="0"/>
+              </a:rPr>
+              <a:t>grey</a:t>
+            </a:r>
+            <a:r>
+              <a:rPr lang="ca-ES" sz="1200" dirty="0">
+                <a:latin typeface="Helvetica Neue" panose="02000503000000020004" pitchFamily="2" charset="0"/>
+                <a:ea typeface="Helvetica Neue" panose="02000503000000020004" pitchFamily="2" charset="0"/>
+                <a:cs typeface="Helvetica Neue" panose="02000503000000020004" pitchFamily="2" charset="0"/>
+              </a:rPr>
+              <a:t>)</a:t>
+            </a:r>
+          </a:p>
+        </p:txBody>
+      </p:sp>
+      <p:sp>
+        <p:nvSpPr>
+          <p:cNvPr id="43" name="TextBox 42">
+            <a:extLst>
+              <a:ext uri="{FF2B5EF4-FFF2-40B4-BE49-F238E27FC236}">
+                <a16:creationId xmlns:a16="http://schemas.microsoft.com/office/drawing/2014/main" id="{E1594171-FC6B-4DA3-B5EA-4F437787FC01}"/>
+              </a:ext>
+            </a:extLst>
+          </p:cNvPr>
+          <p:cNvSpPr txBox="1"/>
+          <p:nvPr/>
+        </p:nvSpPr>
+        <p:spPr>
+          <a:xfrm>
+            <a:off x="9795796" y="8660327"/>
+            <a:ext cx="3206461" cy="830997"/>
+          </a:xfrm>
+          <a:prstGeom prst="rect">
+            <a:avLst/>
+          </a:prstGeom>
+          <a:noFill/>
+        </p:spPr>
+        <p:txBody>
+          <a:bodyPr wrap="square" rtlCol="0">
+            <a:spAutoFit/>
+          </a:bodyPr>
+          <a:lstStyle/>
+          <a:p>
+            <a:r>
+              <a:rPr lang="ca-ES" sz="1200" b="1" dirty="0">
+                <a:latin typeface="Helvetica Neue" panose="02000503000000020004" pitchFamily="2" charset="0"/>
+                <a:ea typeface="Helvetica Neue" panose="02000503000000020004" pitchFamily="2" charset="0"/>
+                <a:cs typeface="Helvetica Neue" panose="02000503000000020004" pitchFamily="2" charset="0"/>
+              </a:rPr>
+              <a:t>h. </a:t>
+            </a:r>
+            <a:r>
+              <a:rPr lang="ca-ES" sz="1200" dirty="0" err="1">
+                <a:latin typeface="Helvetica Neue" panose="02000503000000020004" pitchFamily="2" charset="0"/>
+                <a:ea typeface="Helvetica Neue" panose="02000503000000020004" pitchFamily="2" charset="0"/>
+                <a:cs typeface="Helvetica Neue" panose="02000503000000020004" pitchFamily="2" charset="0"/>
+              </a:rPr>
+              <a:t>Significantly</a:t>
+            </a:r>
+            <a:r>
+              <a:rPr lang="ca-ES" sz="1200" dirty="0">
+                <a:latin typeface="Helvetica Neue" panose="02000503000000020004" pitchFamily="2" charset="0"/>
+                <a:ea typeface="Helvetica Neue" panose="02000503000000020004" pitchFamily="2" charset="0"/>
+                <a:cs typeface="Helvetica Neue" panose="02000503000000020004" pitchFamily="2" charset="0"/>
+              </a:rPr>
+              <a:t> </a:t>
+            </a:r>
+            <a:r>
+              <a:rPr lang="ca-ES" sz="1200" dirty="0" err="1">
+                <a:latin typeface="Helvetica Neue" panose="02000503000000020004" pitchFamily="2" charset="0"/>
+                <a:ea typeface="Helvetica Neue" panose="02000503000000020004" pitchFamily="2" charset="0"/>
+                <a:cs typeface="Helvetica Neue" panose="02000503000000020004" pitchFamily="2" charset="0"/>
+              </a:rPr>
+              <a:t>differentially</a:t>
+            </a:r>
+            <a:r>
+              <a:rPr lang="ca-ES" sz="1200" dirty="0">
+                <a:latin typeface="Helvetica Neue" panose="02000503000000020004" pitchFamily="2" charset="0"/>
+                <a:ea typeface="Helvetica Neue" panose="02000503000000020004" pitchFamily="2" charset="0"/>
+                <a:cs typeface="Helvetica Neue" panose="02000503000000020004" pitchFamily="2" charset="0"/>
+              </a:rPr>
+              <a:t> </a:t>
+            </a:r>
+            <a:r>
+              <a:rPr lang="ca-ES" sz="1200" dirty="0" err="1">
+                <a:latin typeface="Helvetica Neue" panose="02000503000000020004" pitchFamily="2" charset="0"/>
+                <a:ea typeface="Helvetica Neue" panose="02000503000000020004" pitchFamily="2" charset="0"/>
+                <a:cs typeface="Helvetica Neue" panose="02000503000000020004" pitchFamily="2" charset="0"/>
+              </a:rPr>
+              <a:t>expressed</a:t>
+            </a:r>
+            <a:r>
+              <a:rPr lang="ca-ES" sz="1200" dirty="0">
+                <a:latin typeface="Helvetica Neue" panose="02000503000000020004" pitchFamily="2" charset="0"/>
+                <a:ea typeface="Helvetica Neue" panose="02000503000000020004" pitchFamily="2" charset="0"/>
+                <a:cs typeface="Helvetica Neue" panose="02000503000000020004" pitchFamily="2" charset="0"/>
+              </a:rPr>
+              <a:t> </a:t>
+            </a:r>
+            <a:r>
+              <a:rPr lang="ca-ES" sz="1200" dirty="0" err="1">
+                <a:latin typeface="Helvetica Neue" panose="02000503000000020004" pitchFamily="2" charset="0"/>
+                <a:ea typeface="Helvetica Neue" panose="02000503000000020004" pitchFamily="2" charset="0"/>
+                <a:cs typeface="Helvetica Neue" panose="02000503000000020004" pitchFamily="2" charset="0"/>
+              </a:rPr>
+              <a:t>genes</a:t>
+            </a:r>
+            <a:r>
+              <a:rPr lang="ca-ES" sz="1200" dirty="0">
+                <a:latin typeface="Helvetica Neue" panose="02000503000000020004" pitchFamily="2" charset="0"/>
+                <a:ea typeface="Helvetica Neue" panose="02000503000000020004" pitchFamily="2" charset="0"/>
+                <a:cs typeface="Helvetica Neue" panose="02000503000000020004" pitchFamily="2" charset="0"/>
+              </a:rPr>
+              <a:t> (</a:t>
+            </a:r>
+            <a:r>
+              <a:rPr lang="ca-ES" sz="1200" dirty="0" err="1">
+                <a:latin typeface="Helvetica Neue" panose="02000503000000020004" pitchFamily="2" charset="0"/>
+                <a:ea typeface="Helvetica Neue" panose="02000503000000020004" pitchFamily="2" charset="0"/>
+                <a:cs typeface="Helvetica Neue" panose="02000503000000020004" pitchFamily="2" charset="0"/>
+              </a:rPr>
+              <a:t>red</a:t>
+            </a:r>
+            <a:r>
+              <a:rPr lang="ca-ES" sz="1200" dirty="0">
+                <a:latin typeface="Helvetica Neue" panose="02000503000000020004" pitchFamily="2" charset="0"/>
+                <a:ea typeface="Helvetica Neue" panose="02000503000000020004" pitchFamily="2" charset="0"/>
+                <a:cs typeface="Helvetica Neue" panose="02000503000000020004" pitchFamily="2" charset="0"/>
+              </a:rPr>
+              <a:t>, FDR &lt; 0.01), </a:t>
+            </a:r>
+            <a:r>
+              <a:rPr lang="ca-ES" sz="1200" dirty="0" err="1">
+                <a:latin typeface="Helvetica Neue" panose="02000503000000020004" pitchFamily="2" charset="0"/>
+                <a:ea typeface="Helvetica Neue" panose="02000503000000020004" pitchFamily="2" charset="0"/>
+                <a:cs typeface="Helvetica Neue" panose="02000503000000020004" pitchFamily="2" charset="0"/>
+              </a:rPr>
+              <a:t>including</a:t>
+            </a:r>
+            <a:r>
+              <a:rPr lang="ca-ES" sz="1200" dirty="0">
+                <a:latin typeface="Helvetica Neue" panose="02000503000000020004" pitchFamily="2" charset="0"/>
+                <a:ea typeface="Helvetica Neue" panose="02000503000000020004" pitchFamily="2" charset="0"/>
+                <a:cs typeface="Helvetica Neue" panose="02000503000000020004" pitchFamily="2" charset="0"/>
+              </a:rPr>
+              <a:t> </a:t>
+            </a:r>
+            <a:r>
+              <a:rPr lang="ca-ES" sz="1200" dirty="0" err="1">
+                <a:latin typeface="Helvetica Neue" panose="02000503000000020004" pitchFamily="2" charset="0"/>
+                <a:ea typeface="Helvetica Neue" panose="02000503000000020004" pitchFamily="2" charset="0"/>
+                <a:cs typeface="Helvetica Neue" panose="02000503000000020004" pitchFamily="2" charset="0"/>
+              </a:rPr>
+              <a:t>glutamatergic</a:t>
+            </a:r>
+            <a:r>
+              <a:rPr lang="ca-ES" sz="1200" dirty="0">
+                <a:latin typeface="Helvetica Neue" panose="02000503000000020004" pitchFamily="2" charset="0"/>
+                <a:ea typeface="Helvetica Neue" panose="02000503000000020004" pitchFamily="2" charset="0"/>
+                <a:cs typeface="Helvetica Neue" panose="02000503000000020004" pitchFamily="2" charset="0"/>
+              </a:rPr>
+              <a:t> </a:t>
+            </a:r>
+            <a:r>
+              <a:rPr lang="ca-ES" sz="1200" dirty="0" err="1">
+                <a:latin typeface="Helvetica Neue" panose="02000503000000020004" pitchFamily="2" charset="0"/>
+                <a:ea typeface="Helvetica Neue" panose="02000503000000020004" pitchFamily="2" charset="0"/>
+                <a:cs typeface="Helvetica Neue" panose="02000503000000020004" pitchFamily="2" charset="0"/>
+              </a:rPr>
+              <a:t>signaling</a:t>
+            </a:r>
+            <a:r>
+              <a:rPr lang="ca-ES" sz="1200" dirty="0">
+                <a:latin typeface="Helvetica Neue" panose="02000503000000020004" pitchFamily="2" charset="0"/>
+                <a:ea typeface="Helvetica Neue" panose="02000503000000020004" pitchFamily="2" charset="0"/>
+                <a:cs typeface="Helvetica Neue" panose="02000503000000020004" pitchFamily="2" charset="0"/>
+              </a:rPr>
+              <a:t> </a:t>
+            </a:r>
+            <a:r>
+              <a:rPr lang="ca-ES" sz="1200" dirty="0" err="1">
+                <a:latin typeface="Helvetica Neue" panose="02000503000000020004" pitchFamily="2" charset="0"/>
+                <a:ea typeface="Helvetica Neue" panose="02000503000000020004" pitchFamily="2" charset="0"/>
+                <a:cs typeface="Helvetica Neue" panose="02000503000000020004" pitchFamily="2" charset="0"/>
+              </a:rPr>
+              <a:t>genes</a:t>
+            </a:r>
+            <a:r>
+              <a:rPr lang="ca-ES" sz="1200" dirty="0">
+                <a:latin typeface="Helvetica Neue" panose="02000503000000020004" pitchFamily="2" charset="0"/>
+                <a:ea typeface="Helvetica Neue" panose="02000503000000020004" pitchFamily="2" charset="0"/>
+                <a:cs typeface="Helvetica Neue" panose="02000503000000020004" pitchFamily="2" charset="0"/>
+              </a:rPr>
+              <a:t> (</a:t>
+            </a:r>
+            <a:r>
+              <a:rPr lang="ca-ES" sz="1200" dirty="0" err="1">
+                <a:latin typeface="Helvetica Neue" panose="02000503000000020004" pitchFamily="2" charset="0"/>
+                <a:ea typeface="Helvetica Neue" panose="02000503000000020004" pitchFamily="2" charset="0"/>
+                <a:cs typeface="Helvetica Neue" panose="02000503000000020004" pitchFamily="2" charset="0"/>
+              </a:rPr>
+              <a:t>named</a:t>
+            </a:r>
+            <a:r>
+              <a:rPr lang="ca-ES" sz="1200" dirty="0">
+                <a:latin typeface="Helvetica Neue" panose="02000503000000020004" pitchFamily="2" charset="0"/>
+                <a:ea typeface="Helvetica Neue" panose="02000503000000020004" pitchFamily="2" charset="0"/>
+                <a:cs typeface="Helvetica Neue" panose="02000503000000020004" pitchFamily="2" charset="0"/>
+              </a:rPr>
+              <a:t>). </a:t>
+            </a:r>
+            <a:r>
+              <a:rPr lang="ca-ES" sz="1200" dirty="0" err="1">
+                <a:latin typeface="Helvetica Neue" panose="02000503000000020004" pitchFamily="2" charset="0"/>
+                <a:ea typeface="Helvetica Neue" panose="02000503000000020004" pitchFamily="2" charset="0"/>
+                <a:cs typeface="Helvetica Neue" panose="02000503000000020004" pitchFamily="2" charset="0"/>
+              </a:rPr>
+              <a:t>Genes</a:t>
+            </a:r>
+            <a:r>
+              <a:rPr lang="ca-ES" sz="1200" dirty="0">
+                <a:latin typeface="Helvetica Neue" panose="02000503000000020004" pitchFamily="2" charset="0"/>
+                <a:ea typeface="Helvetica Neue" panose="02000503000000020004" pitchFamily="2" charset="0"/>
+                <a:cs typeface="Helvetica Neue" panose="02000503000000020004" pitchFamily="2" charset="0"/>
+              </a:rPr>
+              <a:t> </a:t>
+            </a:r>
+            <a:r>
+              <a:rPr lang="ca-ES" sz="1200" dirty="0" err="1">
+                <a:latin typeface="Helvetica Neue" panose="02000503000000020004" pitchFamily="2" charset="0"/>
+                <a:ea typeface="Helvetica Neue" panose="02000503000000020004" pitchFamily="2" charset="0"/>
+                <a:cs typeface="Helvetica Neue" panose="02000503000000020004" pitchFamily="2" charset="0"/>
+              </a:rPr>
+              <a:t>left</a:t>
+            </a:r>
+            <a:r>
+              <a:rPr lang="ca-ES" sz="1200" dirty="0">
+                <a:latin typeface="Helvetica Neue" panose="02000503000000020004" pitchFamily="2" charset="0"/>
+                <a:ea typeface="Helvetica Neue" panose="02000503000000020004" pitchFamily="2" charset="0"/>
+                <a:cs typeface="Helvetica Neue" panose="02000503000000020004" pitchFamily="2" charset="0"/>
+              </a:rPr>
+              <a:t> of </a:t>
+            </a:r>
+            <a:r>
+              <a:rPr lang="ca-ES" sz="1200" dirty="0" err="1">
+                <a:latin typeface="Helvetica Neue" panose="02000503000000020004" pitchFamily="2" charset="0"/>
+                <a:ea typeface="Helvetica Neue" panose="02000503000000020004" pitchFamily="2" charset="0"/>
+                <a:cs typeface="Helvetica Neue" panose="02000503000000020004" pitchFamily="2" charset="0"/>
+              </a:rPr>
+              <a:t>the</a:t>
+            </a:r>
+            <a:r>
+              <a:rPr lang="ca-ES" sz="1200" dirty="0">
+                <a:latin typeface="Helvetica Neue" panose="02000503000000020004" pitchFamily="2" charset="0"/>
+                <a:ea typeface="Helvetica Neue" panose="02000503000000020004" pitchFamily="2" charset="0"/>
+                <a:cs typeface="Helvetica Neue" panose="02000503000000020004" pitchFamily="2" charset="0"/>
+              </a:rPr>
+              <a:t> zero </a:t>
+            </a:r>
+            <a:r>
+              <a:rPr lang="ca-ES" sz="1200" dirty="0" err="1">
+                <a:latin typeface="Helvetica Neue" panose="02000503000000020004" pitchFamily="2" charset="0"/>
+                <a:ea typeface="Helvetica Neue" panose="02000503000000020004" pitchFamily="2" charset="0"/>
+                <a:cs typeface="Helvetica Neue" panose="02000503000000020004" pitchFamily="2" charset="0"/>
+              </a:rPr>
+              <a:t>are</a:t>
+            </a:r>
+            <a:r>
+              <a:rPr lang="ca-ES" sz="1200" dirty="0">
+                <a:latin typeface="Helvetica Neue" panose="02000503000000020004" pitchFamily="2" charset="0"/>
+                <a:ea typeface="Helvetica Neue" panose="02000503000000020004" pitchFamily="2" charset="0"/>
+                <a:cs typeface="Helvetica Neue" panose="02000503000000020004" pitchFamily="2" charset="0"/>
+              </a:rPr>
+              <a:t> </a:t>
+            </a:r>
+            <a:r>
+              <a:rPr lang="ca-ES" sz="1200" dirty="0" err="1">
+                <a:latin typeface="Helvetica Neue" panose="02000503000000020004" pitchFamily="2" charset="0"/>
+                <a:ea typeface="Helvetica Neue" panose="02000503000000020004" pitchFamily="2" charset="0"/>
+                <a:cs typeface="Helvetica Neue" panose="02000503000000020004" pitchFamily="2" charset="0"/>
+              </a:rPr>
+              <a:t>downregulated</a:t>
+            </a:r>
+            <a:endParaRPr lang="ca-ES" sz="1200" dirty="0">
+              <a:latin typeface="Helvetica Neue" panose="02000503000000020004" pitchFamily="2" charset="0"/>
+              <a:ea typeface="Helvetica Neue" panose="02000503000000020004" pitchFamily="2" charset="0"/>
+              <a:cs typeface="Helvetica Neue" panose="02000503000000020004" pitchFamily="2" charset="0"/>
+            </a:endParaRPr>
+          </a:p>
+        </p:txBody>
+      </p:sp>
+      <p:sp>
+        <p:nvSpPr>
+          <p:cNvPr id="48" name="TextBox 47">
+            <a:extLst>
+              <a:ext uri="{FF2B5EF4-FFF2-40B4-BE49-F238E27FC236}">
+                <a16:creationId xmlns:a16="http://schemas.microsoft.com/office/drawing/2014/main" id="{47249592-DDBB-44BE-A628-7C7255D8EC5D}"/>
+              </a:ext>
+            </a:extLst>
+          </p:cNvPr>
+          <p:cNvSpPr txBox="1"/>
+          <p:nvPr/>
+        </p:nvSpPr>
+        <p:spPr>
+          <a:xfrm>
+            <a:off x="668" y="5858579"/>
+            <a:ext cx="322733" cy="369332"/>
+          </a:xfrm>
+          <a:prstGeom prst="rect">
+            <a:avLst/>
+          </a:prstGeom>
+          <a:noFill/>
+        </p:spPr>
+        <p:txBody>
+          <a:bodyPr wrap="square">
+            <a:spAutoFit/>
+          </a:bodyPr>
+          <a:lstStyle/>
+          <a:p>
+            <a:r>
+              <a:rPr lang="ca-ES" sz="1800" dirty="0">
+                <a:effectLst/>
+                <a:latin typeface="Helvetica Neue" panose="020B0604020202020204" charset="0"/>
+                <a:ea typeface="Calibri" panose="020F0502020204030204" pitchFamily="34" charset="0"/>
+                <a:cs typeface="Times New Roman" panose="02020603050405020304" pitchFamily="18" charset="0"/>
+              </a:rPr>
+              <a:t>e</a:t>
+            </a:r>
+            <a:endParaRPr lang="en-IE" dirty="0">
+              <a:latin typeface="Helvetica Neue" panose="020B0604020202020204" charset="0"/>
+            </a:endParaRPr>
+          </a:p>
+        </p:txBody>
+      </p:sp>
+      <p:sp>
+        <p:nvSpPr>
+          <p:cNvPr id="49" name="TextBox 48">
+            <a:extLst>
+              <a:ext uri="{FF2B5EF4-FFF2-40B4-BE49-F238E27FC236}">
+                <a16:creationId xmlns:a16="http://schemas.microsoft.com/office/drawing/2014/main" id="{90C7A925-983F-446A-B70A-D4A6A6921F95}"/>
+              </a:ext>
+            </a:extLst>
+          </p:cNvPr>
+          <p:cNvSpPr txBox="1"/>
+          <p:nvPr/>
+        </p:nvSpPr>
+        <p:spPr>
+          <a:xfrm>
+            <a:off x="3075542" y="5843519"/>
+            <a:ext cx="322733" cy="369332"/>
+          </a:xfrm>
+          <a:prstGeom prst="rect">
+            <a:avLst/>
+          </a:prstGeom>
+          <a:noFill/>
+        </p:spPr>
+        <p:txBody>
+          <a:bodyPr wrap="square">
+            <a:spAutoFit/>
+          </a:bodyPr>
+          <a:lstStyle/>
+          <a:p>
+            <a:r>
+              <a:rPr lang="ca-ES" dirty="0">
+                <a:latin typeface="Helvetica Neue" panose="020B0604020202020204" charset="0"/>
+                <a:cs typeface="Times New Roman" panose="02020603050405020304" pitchFamily="18" charset="0"/>
+              </a:rPr>
+              <a:t>f</a:t>
+            </a:r>
+            <a:endParaRPr lang="en-IE" dirty="0">
+              <a:latin typeface="Helvetica Neue" panose="020B0604020202020204" charset="0"/>
+            </a:endParaRPr>
+          </a:p>
+        </p:txBody>
+      </p:sp>
+      <p:sp>
+        <p:nvSpPr>
+          <p:cNvPr id="50" name="TextBox 49">
+            <a:extLst>
+              <a:ext uri="{FF2B5EF4-FFF2-40B4-BE49-F238E27FC236}">
+                <a16:creationId xmlns:a16="http://schemas.microsoft.com/office/drawing/2014/main" id="{80F32192-C42E-44CA-BE36-B050084FA812}"/>
+              </a:ext>
+            </a:extLst>
+          </p:cNvPr>
+          <p:cNvSpPr txBox="1"/>
+          <p:nvPr/>
+        </p:nvSpPr>
+        <p:spPr>
+          <a:xfrm>
+            <a:off x="6533871" y="5856797"/>
+            <a:ext cx="322733" cy="369332"/>
+          </a:xfrm>
+          <a:prstGeom prst="rect">
+            <a:avLst/>
+          </a:prstGeom>
+          <a:noFill/>
+        </p:spPr>
+        <p:txBody>
+          <a:bodyPr wrap="square">
+            <a:spAutoFit/>
+          </a:bodyPr>
+          <a:lstStyle/>
+          <a:p>
+            <a:r>
+              <a:rPr lang="en-IE" dirty="0">
+                <a:latin typeface="Helvetica Neue" panose="020B0604020202020204" charset="0"/>
+              </a:rPr>
+              <a:t>g</a:t>
+            </a:r>
+          </a:p>
+        </p:txBody>
+      </p:sp>
+      <p:sp>
+        <p:nvSpPr>
+          <p:cNvPr id="52" name="TextBox 51">
+            <a:extLst>
+              <a:ext uri="{FF2B5EF4-FFF2-40B4-BE49-F238E27FC236}">
+                <a16:creationId xmlns:a16="http://schemas.microsoft.com/office/drawing/2014/main" id="{55D0CC0E-C949-4099-8996-81F65F580562}"/>
+              </a:ext>
+            </a:extLst>
+          </p:cNvPr>
+          <p:cNvSpPr txBox="1"/>
+          <p:nvPr/>
+        </p:nvSpPr>
+        <p:spPr>
+          <a:xfrm>
+            <a:off x="9524598" y="5877176"/>
+            <a:ext cx="322733" cy="369332"/>
+          </a:xfrm>
+          <a:prstGeom prst="rect">
+            <a:avLst/>
+          </a:prstGeom>
+          <a:noFill/>
+        </p:spPr>
+        <p:txBody>
+          <a:bodyPr wrap="square">
+            <a:spAutoFit/>
+          </a:bodyPr>
+          <a:lstStyle/>
+          <a:p>
+            <a:r>
+              <a:rPr lang="en-IE" dirty="0">
+                <a:latin typeface="Helvetica Neue" panose="020B0604020202020204" charset="0"/>
+              </a:rPr>
+              <a:t>h</a:t>
+            </a:r>
           </a:p>
         </p:txBody>
       </p:sp>
@@ -4415,8 +6301,8 @@
         </p:nvSpPr>
         <p:spPr>
           <a:xfrm>
-            <a:off x="120081" y="5810843"/>
-            <a:ext cx="12551150" cy="3409657"/>
+            <a:off x="0" y="5625206"/>
+            <a:ext cx="12801599" cy="4049388"/>
           </a:xfrm>
           <a:prstGeom prst="rect">
             <a:avLst/>
@@ -4425,62 +6311,6 @@
             <a:srgbClr val="C00000">
               <a:alpha val="6000"/>
             </a:srgbClr>
-          </a:solidFill>
-          <a:ln>
-            <a:noFill/>
-          </a:ln>
-        </p:spPr>
-        <p:style>
-          <a:lnRef idx="2">
-            <a:schemeClr val="accent1">
-              <a:shade val="50000"/>
-            </a:schemeClr>
-          </a:lnRef>
-          <a:fillRef idx="1">
-            <a:schemeClr val="accent1"/>
-          </a:fillRef>
-          <a:effectRef idx="0">
-            <a:schemeClr val="accent1"/>
-          </a:effectRef>
-          <a:fontRef idx="minor">
-            <a:schemeClr val="lt1"/>
-          </a:fontRef>
-        </p:style>
-        <p:txBody>
-          <a:bodyPr rtlCol="0" anchor="ctr"/>
-          <a:lstStyle/>
-          <a:p>
-            <a:pPr algn="ctr"/>
-            <a:endParaRPr lang="en-ES"/>
-          </a:p>
-        </p:txBody>
-      </p:sp>
-      <p:sp>
-        <p:nvSpPr>
-          <p:cNvPr id="8" name="Rectangle 7">
-            <a:extLst>
-              <a:ext uri="{FF2B5EF4-FFF2-40B4-BE49-F238E27FC236}">
-                <a16:creationId xmlns:a16="http://schemas.microsoft.com/office/drawing/2014/main" id="{76638D92-A7B3-FA41-8BAA-D75A5A4C5966}"/>
-              </a:ext>
-            </a:extLst>
-          </p:cNvPr>
-          <p:cNvSpPr/>
-          <p:nvPr/>
-        </p:nvSpPr>
-        <p:spPr>
-          <a:xfrm>
-            <a:off x="118636" y="1863702"/>
-            <a:ext cx="9162015" cy="3891837"/>
-          </a:xfrm>
-          <a:prstGeom prst="rect">
-            <a:avLst/>
-          </a:prstGeom>
-          <a:solidFill>
-            <a:schemeClr val="accent1">
-              <a:lumMod val="60000"/>
-              <a:lumOff val="40000"/>
-              <a:alpha val="6000"/>
-            </a:schemeClr>
           </a:solidFill>
           <a:ln>
             <a:noFill/>

--- a/cogsci.pptx
+++ b/cogsci.pptx
@@ -243,7 +243,7 @@
           <a:p>
             <a:fld id="{063C7B84-564E-EA4E-929D-1249FCD7C8EF}" type="datetimeFigureOut">
               <a:rPr lang="en-ES" smtClean="0"/>
-              <a:t>06/21/2021</a:t>
+              <a:t>21/6/21</a:t>
             </a:fld>
             <a:endParaRPr lang="en-ES"/>
           </a:p>
@@ -413,7 +413,7 @@
           <a:p>
             <a:fld id="{063C7B84-564E-EA4E-929D-1249FCD7C8EF}" type="datetimeFigureOut">
               <a:rPr lang="en-ES" smtClean="0"/>
-              <a:t>06/21/2021</a:t>
+              <a:t>21/6/21</a:t>
             </a:fld>
             <a:endParaRPr lang="en-ES"/>
           </a:p>
@@ -593,7 +593,7 @@
           <a:p>
             <a:fld id="{063C7B84-564E-EA4E-929D-1249FCD7C8EF}" type="datetimeFigureOut">
               <a:rPr lang="en-ES" smtClean="0"/>
-              <a:t>06/21/2021</a:t>
+              <a:t>21/6/21</a:t>
             </a:fld>
             <a:endParaRPr lang="en-ES"/>
           </a:p>
@@ -763,7 +763,7 @@
           <a:p>
             <a:fld id="{063C7B84-564E-EA4E-929D-1249FCD7C8EF}" type="datetimeFigureOut">
               <a:rPr lang="en-ES" smtClean="0"/>
-              <a:t>06/21/2021</a:t>
+              <a:t>21/6/21</a:t>
             </a:fld>
             <a:endParaRPr lang="en-ES"/>
           </a:p>
@@ -1007,7 +1007,7 @@
           <a:p>
             <a:fld id="{063C7B84-564E-EA4E-929D-1249FCD7C8EF}" type="datetimeFigureOut">
               <a:rPr lang="en-ES" smtClean="0"/>
-              <a:t>06/21/2021</a:t>
+              <a:t>21/6/21</a:t>
             </a:fld>
             <a:endParaRPr lang="en-ES"/>
           </a:p>
@@ -1239,7 +1239,7 @@
           <a:p>
             <a:fld id="{063C7B84-564E-EA4E-929D-1249FCD7C8EF}" type="datetimeFigureOut">
               <a:rPr lang="en-ES" smtClean="0"/>
-              <a:t>06/21/2021</a:t>
+              <a:t>21/6/21</a:t>
             </a:fld>
             <a:endParaRPr lang="en-ES"/>
           </a:p>
@@ -1606,7 +1606,7 @@
           <a:p>
             <a:fld id="{063C7B84-564E-EA4E-929D-1249FCD7C8EF}" type="datetimeFigureOut">
               <a:rPr lang="en-ES" smtClean="0"/>
-              <a:t>06/21/2021</a:t>
+              <a:t>21/6/21</a:t>
             </a:fld>
             <a:endParaRPr lang="en-ES"/>
           </a:p>
@@ -1724,7 +1724,7 @@
           <a:p>
             <a:fld id="{063C7B84-564E-EA4E-929D-1249FCD7C8EF}" type="datetimeFigureOut">
               <a:rPr lang="en-ES" smtClean="0"/>
-              <a:t>06/21/2021</a:t>
+              <a:t>21/6/21</a:t>
             </a:fld>
             <a:endParaRPr lang="en-ES"/>
           </a:p>
@@ -1819,7 +1819,7 @@
           <a:p>
             <a:fld id="{063C7B84-564E-EA4E-929D-1249FCD7C8EF}" type="datetimeFigureOut">
               <a:rPr lang="en-ES" smtClean="0"/>
-              <a:t>06/21/2021</a:t>
+              <a:t>21/6/21</a:t>
             </a:fld>
             <a:endParaRPr lang="en-ES"/>
           </a:p>
@@ -2096,7 +2096,7 @@
           <a:p>
             <a:fld id="{063C7B84-564E-EA4E-929D-1249FCD7C8EF}" type="datetimeFigureOut">
               <a:rPr lang="en-ES" smtClean="0"/>
-              <a:t>06/21/2021</a:t>
+              <a:t>21/6/21</a:t>
             </a:fld>
             <a:endParaRPr lang="en-ES"/>
           </a:p>
@@ -2353,7 +2353,7 @@
           <a:p>
             <a:fld id="{063C7B84-564E-EA4E-929D-1249FCD7C8EF}" type="datetimeFigureOut">
               <a:rPr lang="en-ES" smtClean="0"/>
-              <a:t>06/21/2021</a:t>
+              <a:t>21/6/21</a:t>
             </a:fld>
             <a:endParaRPr lang="en-ES"/>
           </a:p>
@@ -2566,7 +2566,7 @@
           <a:p>
             <a:fld id="{063C7B84-564E-EA4E-929D-1249FCD7C8EF}" type="datetimeFigureOut">
               <a:rPr lang="en-ES" smtClean="0"/>
-              <a:t>06/21/2021</a:t>
+              <a:t>21/6/21</a:t>
             </a:fld>
             <a:endParaRPr lang="en-ES"/>
           </a:p>
@@ -2971,6 +2971,60 @@
           <a:chExt cx="0" cy="0"/>
         </a:xfrm>
       </p:grpSpPr>
+      <p:sp>
+        <p:nvSpPr>
+          <p:cNvPr id="37" name="Rectangle 36">
+            <a:extLst>
+              <a:ext uri="{FF2B5EF4-FFF2-40B4-BE49-F238E27FC236}">
+                <a16:creationId xmlns:a16="http://schemas.microsoft.com/office/drawing/2014/main" id="{173EA079-A0E2-8048-8869-2642DB616FE4}"/>
+              </a:ext>
+            </a:extLst>
+          </p:cNvPr>
+          <p:cNvSpPr/>
+          <p:nvPr/>
+        </p:nvSpPr>
+        <p:spPr>
+          <a:xfrm>
+            <a:off x="1" y="5594210"/>
+            <a:ext cx="12800932" cy="4006990"/>
+          </a:xfrm>
+          <a:prstGeom prst="rect">
+            <a:avLst/>
+          </a:prstGeom>
+          <a:solidFill>
+            <a:srgbClr val="C00000">
+              <a:alpha val="6000"/>
+            </a:srgbClr>
+          </a:solidFill>
+          <a:ln>
+            <a:noFill/>
+          </a:ln>
+        </p:spPr>
+        <p:style>
+          <a:lnRef idx="2">
+            <a:schemeClr val="accent1">
+              <a:shade val="50000"/>
+            </a:schemeClr>
+          </a:lnRef>
+          <a:fillRef idx="1">
+            <a:schemeClr val="accent1"/>
+          </a:fillRef>
+          <a:effectRef idx="0">
+            <a:schemeClr val="accent1"/>
+          </a:effectRef>
+          <a:fontRef idx="minor">
+            <a:schemeClr val="lt1"/>
+          </a:fontRef>
+        </p:style>
+        <p:txBody>
+          <a:bodyPr rtlCol="0" anchor="ctr"/>
+          <a:lstStyle/>
+          <a:p>
+            <a:pPr algn="ctr"/>
+            <a:endParaRPr lang="en-ES" dirty="0"/>
+          </a:p>
+        </p:txBody>
+      </p:sp>
       <p:pic>
         <p:nvPicPr>
           <p:cNvPr id="10" name="Picture 9" descr="Chart, box and whisker chart&#10;&#10;Description automatically generated">
@@ -2993,7 +3047,7 @@
         </p:blipFill>
         <p:spPr>
           <a:xfrm>
-            <a:off x="3390006" y="5877177"/>
+            <a:off x="3392536" y="5923517"/>
             <a:ext cx="3108456" cy="2749428"/>
           </a:xfrm>
           <a:prstGeom prst="rect">
@@ -3030,7 +3084,7 @@
         </p:blipFill>
         <p:spPr bwMode="auto">
           <a:xfrm>
-            <a:off x="9841591" y="5877177"/>
+            <a:off x="9878162" y="5923561"/>
             <a:ext cx="2746728" cy="2746728"/>
           </a:xfrm>
           <a:prstGeom prst="rect">
@@ -3077,7 +3131,7 @@
         </p:blipFill>
         <p:spPr bwMode="auto">
           <a:xfrm>
-            <a:off x="326959" y="5877176"/>
+            <a:off x="326113" y="5924549"/>
             <a:ext cx="2749429" cy="2749429"/>
           </a:xfrm>
           <a:prstGeom prst="rect">
@@ -3122,7 +3176,7 @@
         </p:blipFill>
         <p:spPr bwMode="auto">
           <a:xfrm>
-            <a:off x="6821323" y="5877177"/>
+            <a:off x="6817985" y="5938765"/>
             <a:ext cx="2717286" cy="2731524"/>
           </a:xfrm>
           <a:prstGeom prst="rect">
@@ -3155,7 +3209,7 @@
         <p:spPr>
           <a:xfrm>
             <a:off x="166255" y="947101"/>
-            <a:ext cx="12635345" cy="830997"/>
+            <a:ext cx="12635345" cy="707886"/>
           </a:xfrm>
           <a:prstGeom prst="rect">
             <a:avLst/>
@@ -3233,7 +3287,7 @@
           <a:p>
             <a:pPr algn="ctr"/>
             <a:r>
-              <a:rPr lang="en-ES" sz="2133" baseline="30000" dirty="0">
+              <a:rPr lang="en-ES" sz="1600" baseline="30000" dirty="0">
                 <a:latin typeface="Helvetica Neue" panose="02000503000000020004" pitchFamily="2" charset="0"/>
                 <a:ea typeface="Helvetica Neue" panose="02000503000000020004" pitchFamily="2" charset="0"/>
                 <a:cs typeface="Helvetica Neue" panose="02000503000000020004" pitchFamily="2" charset="0"/>
@@ -3241,7 +3295,7 @@
               <a:t>1</a:t>
             </a:r>
             <a:r>
-              <a:rPr lang="en-ES" sz="2133" dirty="0">
+              <a:rPr lang="en-ES" sz="1600" dirty="0">
                 <a:latin typeface="Helvetica Neue" panose="02000503000000020004" pitchFamily="2" charset="0"/>
                 <a:ea typeface="Helvetica Neue" panose="02000503000000020004" pitchFamily="2" charset="0"/>
                 <a:cs typeface="Helvetica Neue" panose="02000503000000020004" pitchFamily="2" charset="0"/>
@@ -3249,7 +3303,7 @@
               <a:t>University of Barcelona, </a:t>
             </a:r>
             <a:r>
-              <a:rPr lang="en-ES" sz="2133" baseline="30000" dirty="0">
+              <a:rPr lang="en-ES" sz="1600" baseline="30000" dirty="0">
                 <a:latin typeface="Helvetica Neue" panose="02000503000000020004" pitchFamily="2" charset="0"/>
                 <a:ea typeface="Helvetica Neue" panose="02000503000000020004" pitchFamily="2" charset="0"/>
                 <a:cs typeface="Helvetica Neue" panose="02000503000000020004" pitchFamily="2" charset="0"/>
@@ -3257,33 +3311,33 @@
               <a:t>2</a:t>
             </a:r>
             <a:r>
-              <a:rPr lang="en-ES" sz="2133" dirty="0">
-                <a:latin typeface="Helvetica Neue" panose="02000503000000020004" pitchFamily="2" charset="0"/>
-                <a:ea typeface="Helvetica Neue" panose="02000503000000020004" pitchFamily="2" charset="0"/>
-                <a:cs typeface="Helvetica Neue" panose="02000503000000020004" pitchFamily="2" charset="0"/>
-              </a:rPr>
-              <a:t>University of Ljubljana</a:t>
-            </a:r>
-            <a:r>
-              <a:rPr lang="en-ES" sz="2400" dirty="0">
+              <a:rPr lang="en-ES" sz="1600" dirty="0">
+                <a:latin typeface="Helvetica Neue" panose="02000503000000020004" pitchFamily="2" charset="0"/>
+                <a:ea typeface="Helvetica Neue" panose="02000503000000020004" pitchFamily="2" charset="0"/>
+                <a:cs typeface="Helvetica Neue" panose="02000503000000020004" pitchFamily="2" charset="0"/>
+              </a:rPr>
+              <a:t>University of Ljubljana,</a:t>
+            </a:r>
+            <a:r>
+              <a:rPr lang="en-ES" sz="1600" dirty="0">
                 <a:latin typeface="Helvetica Neue" panose="020B0604020202020204" charset="0"/>
               </a:rPr>
               <a:t> </a:t>
             </a:r>
             <a:r>
-              <a:rPr lang="en-ES" sz="2400" baseline="30000" dirty="0">
+              <a:rPr lang="en-ES" sz="1600" baseline="30000" dirty="0">
                 <a:latin typeface="Helvetica Neue" panose="020B0604020202020204" charset="0"/>
               </a:rPr>
               <a:t>✉</a:t>
             </a:r>
             <a:r>
-              <a:rPr lang="en-ES" sz="2400" dirty="0">
+              <a:rPr lang="en-ES" sz="1600" dirty="0">
                 <a:latin typeface="Helvetica Neue" panose="020B0604020202020204" charset="0"/>
               </a:rPr>
               <a:t> </a:t>
             </a:r>
             <a:r>
-              <a:rPr lang="en-ES" dirty="0">
+              <a:rPr lang="en-ES" sz="1600" dirty="0">
                 <a:latin typeface="Helvetica Neue" panose="020B0604020202020204" charset="0"/>
                 <a:ea typeface="Helvetica Neue" panose="02000503000000020004" pitchFamily="2" charset="0"/>
                 <a:cs typeface="Helvetica Neue" panose="02000503000000020004" pitchFamily="2" charset="0"/>
@@ -3292,14 +3346,14 @@
               <a:t>tomo.orourke@gmail.com</a:t>
             </a:r>
             <a:r>
-              <a:rPr lang="en-ES" dirty="0">
+              <a:rPr lang="en-ES" sz="1600" dirty="0">
                 <a:latin typeface="Helvetica Neue" panose="020B0604020202020204" charset="0"/>
                 <a:ea typeface="Helvetica Neue" panose="02000503000000020004" pitchFamily="2" charset="0"/>
                 <a:cs typeface="Helvetica Neue" panose="02000503000000020004" pitchFamily="2" charset="0"/>
               </a:rPr>
               <a:t> </a:t>
             </a:r>
-            <a:endParaRPr lang="en-ES" dirty="0">
+            <a:endParaRPr lang="en-ES" sz="1600" dirty="0">
               <a:latin typeface="Helvetica Neue" panose="02000503000000020004" pitchFamily="2" charset="0"/>
               <a:ea typeface="Helvetica Neue" panose="02000503000000020004" pitchFamily="2" charset="0"/>
               <a:cs typeface="Helvetica Neue" panose="02000503000000020004" pitchFamily="2" charset="0"/>
@@ -3781,8 +3835,8 @@
         </p:nvSpPr>
         <p:spPr>
           <a:xfrm>
-            <a:off x="4035323" y="5213893"/>
-            <a:ext cx="2393849" cy="400110"/>
+            <a:off x="3526014" y="5213893"/>
+            <a:ext cx="3234424" cy="246221"/>
           </a:xfrm>
           <a:prstGeom prst="rect">
             <a:avLst/>
@@ -3836,7 +3890,7 @@
         </p:nvSpPr>
         <p:spPr>
           <a:xfrm>
-            <a:off x="6074727" y="5589700"/>
+            <a:off x="6041804" y="5575488"/>
             <a:ext cx="1113709" cy="369332"/>
           </a:xfrm>
           <a:prstGeom prst="rect">
@@ -3943,7 +3997,7 @@
         </p:nvCxnSpPr>
         <p:spPr>
           <a:xfrm>
-            <a:off x="288492" y="1746752"/>
+            <a:off x="288492" y="1715756"/>
             <a:ext cx="12184584" cy="0"/>
           </a:xfrm>
           <a:prstGeom prst="line">
@@ -3979,7 +4033,7 @@
         </p:nvSpPr>
         <p:spPr>
           <a:xfrm>
-            <a:off x="9511759" y="1756508"/>
+            <a:off x="9524598" y="1787322"/>
             <a:ext cx="3367827" cy="5847755"/>
           </a:xfrm>
           <a:prstGeom prst="rect">
@@ -4120,14 +4174,6 @@
               </a:rPr>
               <a:t> in modern humans </a:t>
             </a:r>
-            <a:endParaRPr lang="en-ES" sz="1400" dirty="0">
-              <a:latin typeface="Helvetica Neue" panose="02000503000000020004" pitchFamily="2" charset="0"/>
-              <a:ea typeface="Helvetica Neue" panose="02000503000000020004" pitchFamily="2" charset="0"/>
-              <a:cs typeface="Helvetica Neue" panose="02000503000000020004" pitchFamily="2" charset="0"/>
-            </a:endParaRPr>
-          </a:p>
-          <a:p>
-            <a:pPr algn="ctr"/>
             <a:endParaRPr lang="ca-ES" b="1" dirty="0">
               <a:latin typeface="Helvetica Neue" panose="02000503000000020004" pitchFamily="2" charset="0"/>
               <a:ea typeface="Helvetica Neue" panose="02000503000000020004" pitchFamily="2" charset="0"/>
@@ -4615,7 +4661,7 @@
         </p:nvSpPr>
         <p:spPr>
           <a:xfrm>
-            <a:off x="213281" y="8615773"/>
+            <a:off x="243724" y="8663761"/>
             <a:ext cx="3013854" cy="830997"/>
           </a:xfrm>
           <a:prstGeom prst="rect">
@@ -4862,8 +4908,8 @@
         </p:nvSpPr>
         <p:spPr>
           <a:xfrm>
-            <a:off x="3281479" y="8625211"/>
-            <a:ext cx="3332723" cy="830997"/>
+            <a:off x="3340813" y="8625211"/>
+            <a:ext cx="3332723" cy="1015663"/>
           </a:xfrm>
           <a:prstGeom prst="rect">
             <a:avLst/>
@@ -4877,36 +4923,20 @@
           <a:lstStyle/>
           <a:p>
             <a:r>
+              <a:rPr lang="ca-ES" sz="1200" b="1" dirty="0" err="1">
+                <a:latin typeface="Helvetica Neue" panose="02000503000000020004" pitchFamily="2" charset="0"/>
+                <a:ea typeface="Helvetica Neue" panose="02000503000000020004" pitchFamily="2" charset="0"/>
+                <a:cs typeface="Helvetica Neue" panose="02000503000000020004" pitchFamily="2" charset="0"/>
+              </a:rPr>
+              <a:t>f</a:t>
+            </a:r>
+            <a:r>
               <a:rPr lang="ca-ES" sz="1200" b="1" dirty="0">
                 <a:latin typeface="Helvetica Neue" panose="02000503000000020004" pitchFamily="2" charset="0"/>
                 <a:ea typeface="Helvetica Neue" panose="02000503000000020004" pitchFamily="2" charset="0"/>
                 <a:cs typeface="Helvetica Neue" panose="02000503000000020004" pitchFamily="2" charset="0"/>
               </a:rPr>
-              <a:t>f</a:t>
-            </a:r>
-            <a:r>
-              <a:rPr lang="en-ES" sz="1200" b="1" dirty="0">
-                <a:latin typeface="Helvetica Neue" panose="02000503000000020004" pitchFamily="2" charset="0"/>
-                <a:ea typeface="Helvetica Neue" panose="02000503000000020004" pitchFamily="2" charset="0"/>
-                <a:cs typeface="Helvetica Neue" panose="02000503000000020004" pitchFamily="2" charset="0"/>
-              </a:rPr>
-              <a:t>:</a:t>
-            </a:r>
-            <a:r>
-              <a:rPr lang="ca-ES" sz="1200" b="1" dirty="0">
-                <a:latin typeface="Helvetica Neue" panose="02000503000000020004" pitchFamily="2" charset="0"/>
-                <a:ea typeface="Helvetica Neue" panose="02000503000000020004" pitchFamily="2" charset="0"/>
-                <a:cs typeface="Helvetica Neue" panose="02000503000000020004" pitchFamily="2" charset="0"/>
-              </a:rPr>
-              <a:t> </a:t>
-            </a:r>
-            <a:r>
-              <a:rPr lang="ca-ES" sz="1200" b="1" dirty="0" err="1">
-                <a:latin typeface="Helvetica Neue" panose="02000503000000020004" pitchFamily="2" charset="0"/>
-                <a:ea typeface="Helvetica Neue" panose="02000503000000020004" pitchFamily="2" charset="0"/>
-                <a:cs typeface="Helvetica Neue" panose="02000503000000020004" pitchFamily="2" charset="0"/>
-              </a:rPr>
-              <a:t>R</a:t>
+              <a:t>. </a:t>
             </a:r>
             <a:r>
               <a:rPr lang="ca-ES" sz="1200" dirty="0" err="1">
@@ -4914,7 +4944,7 @@
                 <a:ea typeface="Helvetica Neue" panose="02000503000000020004" pitchFamily="2" charset="0"/>
                 <a:cs typeface="Helvetica Neue" panose="02000503000000020004" pitchFamily="2" charset="0"/>
               </a:rPr>
-              <a:t>ange</a:t>
+              <a:t>Range</a:t>
             </a:r>
             <a:r>
               <a:rPr lang="ca-ES" sz="1200" dirty="0">
@@ -5146,7 +5176,7 @@
         </p:nvSpPr>
         <p:spPr>
           <a:xfrm>
-            <a:off x="81415" y="1994476"/>
+            <a:off x="50897" y="1947743"/>
             <a:ext cx="322733" cy="369332"/>
           </a:xfrm>
           <a:prstGeom prst="rect">
@@ -5320,7 +5350,7 @@
         </p:nvSpPr>
         <p:spPr>
           <a:xfrm>
-            <a:off x="6807413" y="5141101"/>
+            <a:off x="6726462" y="5213893"/>
             <a:ext cx="2668937" cy="246221"/>
           </a:xfrm>
           <a:prstGeom prst="rect">
@@ -5420,7 +5450,7 @@
         </p:nvSpPr>
         <p:spPr>
           <a:xfrm>
-            <a:off x="11398679" y="1443818"/>
+            <a:off x="11398678" y="1369910"/>
             <a:ext cx="1214205" cy="307777"/>
           </a:xfrm>
           <a:prstGeom prst="rect">
@@ -5465,7 +5495,7 @@
         </p:nvSpPr>
         <p:spPr>
           <a:xfrm>
-            <a:off x="3381794" y="2000006"/>
+            <a:off x="3336577" y="1983582"/>
             <a:ext cx="322733" cy="369332"/>
           </a:xfrm>
           <a:prstGeom prst="rect">
@@ -5506,7 +5536,7 @@
         </p:nvSpPr>
         <p:spPr>
           <a:xfrm>
-            <a:off x="6317443" y="2001045"/>
+            <a:off x="6273116" y="1951852"/>
             <a:ext cx="322733" cy="369332"/>
           </a:xfrm>
           <a:prstGeom prst="rect">
@@ -5547,7 +5577,7 @@
         </p:nvSpPr>
         <p:spPr>
           <a:xfrm>
-            <a:off x="9350392" y="2000277"/>
+            <a:off x="9350392" y="1968785"/>
             <a:ext cx="322733" cy="369332"/>
           </a:xfrm>
           <a:prstGeom prst="rect">
@@ -5588,7 +5618,7 @@
         </p:nvSpPr>
         <p:spPr>
           <a:xfrm>
-            <a:off x="6730406" y="8615772"/>
+            <a:off x="6726462" y="8615772"/>
             <a:ext cx="2977494" cy="830997"/>
           </a:xfrm>
           <a:prstGeom prst="rect">
@@ -5867,7 +5897,7 @@
         </p:nvSpPr>
         <p:spPr>
           <a:xfrm>
-            <a:off x="9795796" y="8660327"/>
+            <a:off x="9795448" y="8625211"/>
             <a:ext cx="3206461" cy="830997"/>
           </a:xfrm>
           <a:prstGeom prst="rect">
@@ -6143,7 +6173,7 @@
         </p:nvSpPr>
         <p:spPr>
           <a:xfrm>
-            <a:off x="668" y="5858579"/>
+            <a:off x="49242" y="5922312"/>
             <a:ext cx="322733" cy="369332"/>
           </a:xfrm>
           <a:prstGeom prst="rect">
@@ -6186,7 +6216,7 @@
         </p:nvSpPr>
         <p:spPr>
           <a:xfrm>
-            <a:off x="3075542" y="5843519"/>
+            <a:off x="3167065" y="5923517"/>
             <a:ext cx="322733" cy="369332"/>
           </a:xfrm>
           <a:prstGeom prst="rect">
@@ -6227,7 +6257,7 @@
         </p:nvSpPr>
         <p:spPr>
           <a:xfrm>
-            <a:off x="6533871" y="5856797"/>
+            <a:off x="6549240" y="5898326"/>
             <a:ext cx="322733" cy="369332"/>
           </a:xfrm>
           <a:prstGeom prst="rect">
@@ -6264,7 +6294,7 @@
         </p:nvSpPr>
         <p:spPr>
           <a:xfrm>
-            <a:off x="9524598" y="5877176"/>
+            <a:off x="9617985" y="5935235"/>
             <a:ext cx="322733" cy="369332"/>
           </a:xfrm>
           <a:prstGeom prst="rect">
@@ -6284,60 +6314,6 @@
               </a:rPr>
               <a:t>h</a:t>
             </a:r>
-          </a:p>
-        </p:txBody>
-      </p:sp>
-      <p:sp>
-        <p:nvSpPr>
-          <p:cNvPr id="37" name="Rectangle 36">
-            <a:extLst>
-              <a:ext uri="{FF2B5EF4-FFF2-40B4-BE49-F238E27FC236}">
-                <a16:creationId xmlns:a16="http://schemas.microsoft.com/office/drawing/2014/main" id="{173EA079-A0E2-8048-8869-2642DB616FE4}"/>
-              </a:ext>
-            </a:extLst>
-          </p:cNvPr>
-          <p:cNvSpPr/>
-          <p:nvPr/>
-        </p:nvSpPr>
-        <p:spPr>
-          <a:xfrm>
-            <a:off x="0" y="5625206"/>
-            <a:ext cx="12801599" cy="4049388"/>
-          </a:xfrm>
-          <a:prstGeom prst="rect">
-            <a:avLst/>
-          </a:prstGeom>
-          <a:solidFill>
-            <a:srgbClr val="C00000">
-              <a:alpha val="6000"/>
-            </a:srgbClr>
-          </a:solidFill>
-          <a:ln>
-            <a:noFill/>
-          </a:ln>
-        </p:spPr>
-        <p:style>
-          <a:lnRef idx="2">
-            <a:schemeClr val="accent1">
-              <a:shade val="50000"/>
-            </a:schemeClr>
-          </a:lnRef>
-          <a:fillRef idx="1">
-            <a:schemeClr val="accent1"/>
-          </a:fillRef>
-          <a:effectRef idx="0">
-            <a:schemeClr val="accent1"/>
-          </a:effectRef>
-          <a:fontRef idx="minor">
-            <a:schemeClr val="lt1"/>
-          </a:fontRef>
-        </p:style>
-        <p:txBody>
-          <a:bodyPr rtlCol="0" anchor="ctr"/>
-          <a:lstStyle/>
-          <a:p>
-            <a:pPr algn="ctr"/>
-            <a:endParaRPr lang="en-ES" dirty="0"/>
           </a:p>
         </p:txBody>
       </p:sp>

--- a/cogsci.pptx
+++ b/cogsci.pptx
@@ -2971,60 +2971,6 @@
           <a:chExt cx="0" cy="0"/>
         </a:xfrm>
       </p:grpSpPr>
-      <p:sp>
-        <p:nvSpPr>
-          <p:cNvPr id="37" name="Rectangle 36">
-            <a:extLst>
-              <a:ext uri="{FF2B5EF4-FFF2-40B4-BE49-F238E27FC236}">
-                <a16:creationId xmlns:a16="http://schemas.microsoft.com/office/drawing/2014/main" id="{173EA079-A0E2-8048-8869-2642DB616FE4}"/>
-              </a:ext>
-            </a:extLst>
-          </p:cNvPr>
-          <p:cNvSpPr/>
-          <p:nvPr/>
-        </p:nvSpPr>
-        <p:spPr>
-          <a:xfrm>
-            <a:off x="1" y="5594210"/>
-            <a:ext cx="12800932" cy="4006990"/>
-          </a:xfrm>
-          <a:prstGeom prst="rect">
-            <a:avLst/>
-          </a:prstGeom>
-          <a:solidFill>
-            <a:srgbClr val="C00000">
-              <a:alpha val="6000"/>
-            </a:srgbClr>
-          </a:solidFill>
-          <a:ln>
-            <a:noFill/>
-          </a:ln>
-        </p:spPr>
-        <p:style>
-          <a:lnRef idx="2">
-            <a:schemeClr val="accent1">
-              <a:shade val="50000"/>
-            </a:schemeClr>
-          </a:lnRef>
-          <a:fillRef idx="1">
-            <a:schemeClr val="accent1"/>
-          </a:fillRef>
-          <a:effectRef idx="0">
-            <a:schemeClr val="accent1"/>
-          </a:effectRef>
-          <a:fontRef idx="minor">
-            <a:schemeClr val="lt1"/>
-          </a:fontRef>
-        </p:style>
-        <p:txBody>
-          <a:bodyPr rtlCol="0" anchor="ctr"/>
-          <a:lstStyle/>
-          <a:p>
-            <a:pPr algn="ctr"/>
-            <a:endParaRPr lang="en-ES" dirty="0"/>
-          </a:p>
-        </p:txBody>
-      </p:sp>
       <p:pic>
         <p:nvPicPr>
           <p:cNvPr id="10" name="Picture 9" descr="Chart, box and whisker chart&#10;&#10;Description automatically generated">
@@ -3237,62 +3183,71 @@
                 <a:ea typeface="Helvetica Neue" panose="02000503000000020004" pitchFamily="2" charset="0"/>
                 <a:cs typeface="Helvetica Neue" panose="02000503000000020004" pitchFamily="2" charset="0"/>
               </a:rPr>
+              <a:t>1,2</a:t>
+            </a:r>
+            <a:r>
+              <a:rPr lang="en-ES" sz="2400" dirty="0">
+                <a:latin typeface="Helvetica Neue" panose="02000503000000020004" pitchFamily="2" charset="0"/>
+                <a:ea typeface="Helvetica Neue" panose="02000503000000020004" pitchFamily="2" charset="0"/>
+                <a:cs typeface="Helvetica Neue" panose="02000503000000020004" pitchFamily="2" charset="0"/>
+              </a:rPr>
+              <a:t>*, Pedro Tiago Martins</a:t>
+            </a:r>
+            <a:r>
+              <a:rPr lang="en-ES" sz="2400" baseline="30000" dirty="0">
+                <a:latin typeface="Helvetica Neue" panose="02000503000000020004" pitchFamily="2" charset="0"/>
+                <a:ea typeface="Helvetica Neue" panose="02000503000000020004" pitchFamily="2" charset="0"/>
+                <a:cs typeface="Helvetica Neue" panose="02000503000000020004" pitchFamily="2" charset="0"/>
+              </a:rPr>
+              <a:t>1,2</a:t>
+            </a:r>
+            <a:r>
+              <a:rPr lang="en-ES" sz="2400" dirty="0">
+                <a:latin typeface="Helvetica Neue" panose="02000503000000020004" pitchFamily="2" charset="0"/>
+                <a:ea typeface="Helvetica Neue" panose="02000503000000020004" pitchFamily="2" charset="0"/>
+                <a:cs typeface="Helvetica Neue" panose="02000503000000020004" pitchFamily="2" charset="0"/>
+              </a:rPr>
+              <a:t>, Alejandro Andirkó</a:t>
+            </a:r>
+            <a:r>
+              <a:rPr lang="en-ES" sz="2400" baseline="30000" dirty="0">
+                <a:latin typeface="Helvetica Neue" panose="02000503000000020004" pitchFamily="2" charset="0"/>
+                <a:ea typeface="Helvetica Neue" panose="02000503000000020004" pitchFamily="2" charset="0"/>
+                <a:cs typeface="Helvetica Neue" panose="02000503000000020004" pitchFamily="2" charset="0"/>
+              </a:rPr>
+              <a:t>1,2</a:t>
+            </a:r>
+            <a:endParaRPr lang="en-ES" sz="2400" dirty="0">
+              <a:latin typeface="Helvetica Neue" panose="02000503000000020004" pitchFamily="2" charset="0"/>
+              <a:ea typeface="Helvetica Neue" panose="02000503000000020004" pitchFamily="2" charset="0"/>
+              <a:cs typeface="Helvetica Neue" panose="02000503000000020004" pitchFamily="2" charset="0"/>
+            </a:endParaRPr>
+          </a:p>
+          <a:p>
+            <a:pPr algn="ctr"/>
+            <a:r>
+              <a:rPr lang="en-ES" sz="1600" baseline="30000" dirty="0">
+                <a:latin typeface="Helvetica Neue" panose="02000503000000020004" pitchFamily="2" charset="0"/>
+                <a:ea typeface="Helvetica Neue" panose="02000503000000020004" pitchFamily="2" charset="0"/>
+                <a:cs typeface="Helvetica Neue" panose="02000503000000020004" pitchFamily="2" charset="0"/>
+              </a:rPr>
               <a:t>1</a:t>
             </a:r>
             <a:r>
-              <a:rPr lang="en-ES" dirty="0"/>
-              <a:t>✉</a:t>
-            </a:r>
-            <a:r>
-              <a:rPr lang="en-ES" sz="2400" dirty="0">
-                <a:latin typeface="Helvetica Neue" panose="02000503000000020004" pitchFamily="2" charset="0"/>
-                <a:ea typeface="Helvetica Neue" panose="02000503000000020004" pitchFamily="2" charset="0"/>
-                <a:cs typeface="Helvetica Neue" panose="02000503000000020004" pitchFamily="2" charset="0"/>
-              </a:rPr>
-              <a:t>, Pedro Tiago Martins</a:t>
-            </a:r>
-            <a:r>
-              <a:rPr lang="en-ES" sz="2400" baseline="30000" dirty="0">
-                <a:latin typeface="Helvetica Neue" panose="02000503000000020004" pitchFamily="2" charset="0"/>
-                <a:ea typeface="Helvetica Neue" panose="02000503000000020004" pitchFamily="2" charset="0"/>
-                <a:cs typeface="Helvetica Neue" panose="02000503000000020004" pitchFamily="2" charset="0"/>
-              </a:rPr>
-              <a:t>1,2</a:t>
-            </a:r>
-            <a:r>
-              <a:rPr lang="en-ES" sz="2400" dirty="0">
-                <a:latin typeface="Helvetica Neue" panose="02000503000000020004" pitchFamily="2" charset="0"/>
-                <a:ea typeface="Helvetica Neue" panose="02000503000000020004" pitchFamily="2" charset="0"/>
-                <a:cs typeface="Helvetica Neue" panose="02000503000000020004" pitchFamily="2" charset="0"/>
-              </a:rPr>
-              <a:t>, Alejandro Andirkó</a:t>
-            </a:r>
-            <a:r>
-              <a:rPr lang="en-ES" sz="2400" baseline="30000" dirty="0">
-                <a:latin typeface="Helvetica Neue" panose="02000503000000020004" pitchFamily="2" charset="0"/>
-                <a:ea typeface="Helvetica Neue" panose="02000503000000020004" pitchFamily="2" charset="0"/>
-                <a:cs typeface="Helvetica Neue" panose="02000503000000020004" pitchFamily="2" charset="0"/>
-              </a:rPr>
-              <a:t>1</a:t>
-            </a:r>
-            <a:r>
-              <a:rPr lang="en-ES" sz="2400" dirty="0">
-                <a:latin typeface="Helvetica Neue" panose="02000503000000020004" pitchFamily="2" charset="0"/>
-                <a:ea typeface="Helvetica Neue" panose="02000503000000020004" pitchFamily="2" charset="0"/>
-                <a:cs typeface="Helvetica Neue" panose="02000503000000020004" pitchFamily="2" charset="0"/>
-              </a:rPr>
-              <a:t>*</a:t>
-            </a:r>
-          </a:p>
-          <a:p>
-            <a:pPr algn="ctr"/>
+              <a:rPr lang="en-ES" sz="1600" dirty="0">
+                <a:latin typeface="Helvetica Neue" panose="02000503000000020004" pitchFamily="2" charset="0"/>
+                <a:ea typeface="Helvetica Neue" panose="02000503000000020004" pitchFamily="2" charset="0"/>
+                <a:cs typeface="Helvetica Neue" panose="02000503000000020004" pitchFamily="2" charset="0"/>
+              </a:rPr>
+              <a:t>University of Barcelona, </a:t>
+            </a:r>
             <a:r>
               <a:rPr lang="en-ES" sz="1600" baseline="30000" dirty="0">
                 <a:latin typeface="Helvetica Neue" panose="02000503000000020004" pitchFamily="2" charset="0"/>
                 <a:ea typeface="Helvetica Neue" panose="02000503000000020004" pitchFamily="2" charset="0"/>
                 <a:cs typeface="Helvetica Neue" panose="02000503000000020004" pitchFamily="2" charset="0"/>
               </a:rPr>
-              <a:t>1</a:t>
+              <a:t>2</a:t>
             </a:r>
             <a:r>
               <a:rPr lang="en-ES" sz="1600" dirty="0">
@@ -3300,41 +3255,13 @@
                 <a:ea typeface="Helvetica Neue" panose="02000503000000020004" pitchFamily="2" charset="0"/>
                 <a:cs typeface="Helvetica Neue" panose="02000503000000020004" pitchFamily="2" charset="0"/>
               </a:rPr>
-              <a:t>University of Barcelona, </a:t>
-            </a:r>
-            <a:r>
-              <a:rPr lang="en-ES" sz="1600" baseline="30000" dirty="0">
-                <a:latin typeface="Helvetica Neue" panose="02000503000000020004" pitchFamily="2" charset="0"/>
-                <a:ea typeface="Helvetica Neue" panose="02000503000000020004" pitchFamily="2" charset="0"/>
-                <a:cs typeface="Helvetica Neue" panose="02000503000000020004" pitchFamily="2" charset="0"/>
-              </a:rPr>
-              <a:t>2</a:t>
-            </a:r>
-            <a:r>
-              <a:rPr lang="en-ES" sz="1600" dirty="0">
-                <a:latin typeface="Helvetica Neue" panose="02000503000000020004" pitchFamily="2" charset="0"/>
-                <a:ea typeface="Helvetica Neue" panose="02000503000000020004" pitchFamily="2" charset="0"/>
-                <a:cs typeface="Helvetica Neue" panose="02000503000000020004" pitchFamily="2" charset="0"/>
-              </a:rPr>
-              <a:t>University of Ljubljana,</a:t>
+              <a:t>UBICS,</a:t>
             </a:r>
             <a:r>
               <a:rPr lang="en-ES" sz="1600" dirty="0">
                 <a:latin typeface="Helvetica Neue" panose="020B0604020202020204" charset="0"/>
               </a:rPr>
-              <a:t> </a:t>
-            </a:r>
-            <a:r>
-              <a:rPr lang="en-ES" sz="1600" baseline="30000" dirty="0">
-                <a:latin typeface="Helvetica Neue" panose="020B0604020202020204" charset="0"/>
-              </a:rPr>
-              <a:t>✉</a:t>
-            </a:r>
-            <a:r>
-              <a:rPr lang="en-ES" sz="1600" dirty="0">
-                <a:latin typeface="Helvetica Neue" panose="020B0604020202020204" charset="0"/>
-              </a:rPr>
-              <a:t> </a:t>
+              <a:t> *</a:t>
             </a:r>
             <a:r>
               <a:rPr lang="en-ES" sz="1600" dirty="0">
@@ -6314,6 +6241,60 @@
               </a:rPr>
               <a:t>h</a:t>
             </a:r>
+          </a:p>
+        </p:txBody>
+      </p:sp>
+      <p:sp>
+        <p:nvSpPr>
+          <p:cNvPr id="37" name="Rectangle 36">
+            <a:extLst>
+              <a:ext uri="{FF2B5EF4-FFF2-40B4-BE49-F238E27FC236}">
+                <a16:creationId xmlns:a16="http://schemas.microsoft.com/office/drawing/2014/main" id="{173EA079-A0E2-8048-8869-2642DB616FE4}"/>
+              </a:ext>
+            </a:extLst>
+          </p:cNvPr>
+          <p:cNvSpPr/>
+          <p:nvPr/>
+        </p:nvSpPr>
+        <p:spPr>
+          <a:xfrm>
+            <a:off x="1" y="5594210"/>
+            <a:ext cx="12800932" cy="4006990"/>
+          </a:xfrm>
+          <a:prstGeom prst="rect">
+            <a:avLst/>
+          </a:prstGeom>
+          <a:solidFill>
+            <a:srgbClr val="C00000">
+              <a:alpha val="6000"/>
+            </a:srgbClr>
+          </a:solidFill>
+          <a:ln>
+            <a:noFill/>
+          </a:ln>
+        </p:spPr>
+        <p:style>
+          <a:lnRef idx="2">
+            <a:schemeClr val="accent1">
+              <a:shade val="50000"/>
+            </a:schemeClr>
+          </a:lnRef>
+          <a:fillRef idx="1">
+            <a:schemeClr val="accent1"/>
+          </a:fillRef>
+          <a:effectRef idx="0">
+            <a:schemeClr val="accent1"/>
+          </a:effectRef>
+          <a:fontRef idx="minor">
+            <a:schemeClr val="lt1"/>
+          </a:fontRef>
+        </p:style>
+        <p:txBody>
+          <a:bodyPr rtlCol="0" anchor="ctr"/>
+          <a:lstStyle/>
+          <a:p>
+            <a:pPr algn="ctr"/>
+            <a:endParaRPr lang="en-ES" dirty="0"/>
           </a:p>
         </p:txBody>
       </p:sp>
